--- a/papers/PPT/KeyGuardian.pptx
+++ b/papers/PPT/KeyGuardian.pptx
@@ -18,15 +18,15 @@
     <p:sldId id="374" r:id="rId9"/>
     <p:sldId id="375" r:id="rId10"/>
     <p:sldId id="384" r:id="rId11"/>
-    <p:sldId id="385" r:id="rId12"/>
-    <p:sldId id="386" r:id="rId13"/>
-    <p:sldId id="365" r:id="rId14"/>
-    <p:sldId id="376" r:id="rId15"/>
-    <p:sldId id="377" r:id="rId16"/>
-    <p:sldId id="378" r:id="rId17"/>
-    <p:sldId id="379" r:id="rId18"/>
+    <p:sldId id="365" r:id="rId12"/>
+    <p:sldId id="376" r:id="rId13"/>
+    <p:sldId id="377" r:id="rId14"/>
+    <p:sldId id="385" r:id="rId15"/>
+    <p:sldId id="379" r:id="rId16"/>
+    <p:sldId id="386" r:id="rId17"/>
+    <p:sldId id="387" r:id="rId18"/>
     <p:sldId id="380" r:id="rId19"/>
-    <p:sldId id="381" r:id="rId20"/>
+    <p:sldId id="388" r:id="rId20"/>
     <p:sldId id="372" r:id="rId21"/>
   </p:sldIdLst>
   <p:sldSz cx="12192000" cy="6858000"/>
@@ -248,7 +248,7 @@
           <a:p>
             <a:fld id="{258BFD57-AB0A-470B-A7AF-56DFE7B5174A}" type="datetimeFigureOut">
               <a:rPr lang="en-US" smtClean="0"/>
-              <a:t>28-May-24</a:t>
+              <a:t>30-May-24</a:t>
             </a:fld>
             <a:endParaRPr lang="en-US" dirty="0"/>
           </a:p>
@@ -425,7 +425,7 @@
           <a:p>
             <a:fld id="{D4B3339F-6CEA-4641-BE08-40DAFD6FCF25}" type="datetimeFigureOut">
               <a:rPr lang="en-US" smtClean="0"/>
-              <a:t>28-May-24</a:t>
+              <a:t>30-May-24</a:t>
             </a:fld>
             <a:endParaRPr lang="en-US" dirty="0"/>
           </a:p>
@@ -841,7 +841,7 @@
           <a:p>
             <a:fld id="{DEF75CB5-5666-5049-9AE0-38EFD385C21E}" type="slidenum">
               <a:rPr lang="en-US" smtClean="0"/>
-              <a:t>13</a:t>
+              <a:t>12</a:t>
             </a:fld>
             <a:endParaRPr lang="en-US" dirty="0"/>
           </a:p>
@@ -850,7 +850,7 @@
     </p:spTree>
     <p:extLst>
       <p:ext uri="{BB962C8B-B14F-4D97-AF65-F5344CB8AC3E}">
-        <p14:creationId xmlns:p14="http://schemas.microsoft.com/office/powerpoint/2010/main" val="3765125580"/>
+        <p14:creationId xmlns:p14="http://schemas.microsoft.com/office/powerpoint/2010/main" val="178419945"/>
       </p:ext>
     </p:extLst>
   </p:cSld>
@@ -925,7 +925,7 @@
           <a:p>
             <a:fld id="{DEF75CB5-5666-5049-9AE0-38EFD385C21E}" type="slidenum">
               <a:rPr lang="en-US" smtClean="0"/>
-              <a:t>14</a:t>
+              <a:t>15</a:t>
             </a:fld>
             <a:endParaRPr lang="en-US" dirty="0"/>
           </a:p>
@@ -934,7 +934,7 @@
     </p:spTree>
     <p:extLst>
       <p:ext uri="{BB962C8B-B14F-4D97-AF65-F5344CB8AC3E}">
-        <p14:creationId xmlns:p14="http://schemas.microsoft.com/office/powerpoint/2010/main" val="178419945"/>
+        <p14:creationId xmlns:p14="http://schemas.microsoft.com/office/powerpoint/2010/main" val="839213642"/>
       </p:ext>
     </p:extLst>
   </p:cSld>
@@ -1009,7 +1009,7 @@
           <a:p>
             <a:fld id="{DEF75CB5-5666-5049-9AE0-38EFD385C21E}" type="slidenum">
               <a:rPr lang="en-US" smtClean="0"/>
-              <a:t>15</a:t>
+              <a:t>16</a:t>
             </a:fld>
             <a:endParaRPr lang="en-US" dirty="0"/>
           </a:p>
@@ -1018,7 +1018,7 @@
     </p:spTree>
     <p:extLst>
       <p:ext uri="{BB962C8B-B14F-4D97-AF65-F5344CB8AC3E}">
-        <p14:creationId xmlns:p14="http://schemas.microsoft.com/office/powerpoint/2010/main" val="839213642"/>
+        <p14:creationId xmlns:p14="http://schemas.microsoft.com/office/powerpoint/2010/main" val="563337595"/>
       </p:ext>
     </p:extLst>
   </p:cSld>
@@ -1029,90 +1029,6 @@
 </file>
 
 <file path=ppt/notesSlides/notesSlide13.xml><?xml version="1.0" encoding="utf-8"?>
-<p:notes xmlns:a="http://schemas.openxmlformats.org/drawingml/2006/main" xmlns:r="http://schemas.openxmlformats.org/officeDocument/2006/relationships" xmlns:p="http://schemas.openxmlformats.org/presentationml/2006/main">
-  <p:cSld>
-    <p:spTree>
-      <p:nvGrpSpPr>
-        <p:cNvPr id="1" name=""/>
-        <p:cNvGrpSpPr/>
-        <p:nvPr/>
-      </p:nvGrpSpPr>
-      <p:grpSpPr>
-        <a:xfrm>
-          <a:off x="0" y="0"/>
-          <a:ext cx="0" cy="0"/>
-          <a:chOff x="0" y="0"/>
-          <a:chExt cx="0" cy="0"/>
-        </a:xfrm>
-      </p:grpSpPr>
-      <p:sp>
-        <p:nvSpPr>
-          <p:cNvPr id="2" name="Slide Image Placeholder 1"/>
-          <p:cNvSpPr>
-            <a:spLocks noGrp="1" noRot="1" noChangeAspect="1"/>
-          </p:cNvSpPr>
-          <p:nvPr>
-            <p:ph type="sldImg"/>
-          </p:nvPr>
-        </p:nvSpPr>
-        <p:spPr/>
-      </p:sp>
-      <p:sp>
-        <p:nvSpPr>
-          <p:cNvPr id="3" name="Notes Placeholder 2"/>
-          <p:cNvSpPr>
-            <a:spLocks noGrp="1"/>
-          </p:cNvSpPr>
-          <p:nvPr>
-            <p:ph type="body" idx="1"/>
-          </p:nvPr>
-        </p:nvSpPr>
-        <p:spPr/>
-        <p:txBody>
-          <a:bodyPr/>
-          <a:lstStyle/>
-          <a:p>
-            <a:endParaRPr lang="en-US" dirty="0"/>
-          </a:p>
-        </p:txBody>
-      </p:sp>
-      <p:sp>
-        <p:nvSpPr>
-          <p:cNvPr id="4" name="Slide Number Placeholder 3"/>
-          <p:cNvSpPr>
-            <a:spLocks noGrp="1"/>
-          </p:cNvSpPr>
-          <p:nvPr>
-            <p:ph type="sldNum" sz="quarter" idx="5"/>
-          </p:nvPr>
-        </p:nvSpPr>
-        <p:spPr/>
-        <p:txBody>
-          <a:bodyPr/>
-          <a:lstStyle/>
-          <a:p>
-            <a:fld id="{DEF75CB5-5666-5049-9AE0-38EFD385C21E}" type="slidenum">
-              <a:rPr lang="en-US" smtClean="0"/>
-              <a:t>16</a:t>
-            </a:fld>
-            <a:endParaRPr lang="en-US" dirty="0"/>
-          </a:p>
-        </p:txBody>
-      </p:sp>
-    </p:spTree>
-    <p:extLst>
-      <p:ext uri="{BB962C8B-B14F-4D97-AF65-F5344CB8AC3E}">
-        <p14:creationId xmlns:p14="http://schemas.microsoft.com/office/powerpoint/2010/main" val="661510092"/>
-      </p:ext>
-    </p:extLst>
-  </p:cSld>
-  <p:clrMapOvr>
-    <a:masterClrMapping/>
-  </p:clrMapOvr>
-</p:notes>
-</file>
-
-<file path=ppt/notesSlides/notesSlide14.xml><?xml version="1.0" encoding="utf-8"?>
 <p:notes xmlns:a="http://schemas.openxmlformats.org/drawingml/2006/main" xmlns:r="http://schemas.openxmlformats.org/officeDocument/2006/relationships" xmlns:p="http://schemas.openxmlformats.org/presentationml/2006/main">
   <p:cSld>
     <p:spTree>
@@ -1788,7 +1704,7 @@
                 <a:tabLst/>
                 <a:defRPr/>
               </a:pPr>
-              <a:t>10</a:t>
+              <a:t>8</a:t>
             </a:fld>
             <a:endParaRPr kumimoji="0" lang="en-US" sz="1200" b="0" i="0" u="none" strike="noStrike" kern="1200" cap="none" spc="0" normalizeH="0" baseline="0" noProof="0" dirty="0">
               <a:ln>
@@ -1885,7 +1801,7 @@
           <a:p>
             <a:fld id="{DEF75CB5-5666-5049-9AE0-38EFD385C21E}" type="slidenum">
               <a:rPr lang="en-US" smtClean="0"/>
-              <a:t>11</a:t>
+              <a:t>9</a:t>
             </a:fld>
             <a:endParaRPr lang="en-US" dirty="0"/>
           </a:p>
@@ -1969,7 +1885,7 @@
           <a:p>
             <a:fld id="{DEF75CB5-5666-5049-9AE0-38EFD385C21E}" type="slidenum">
               <a:rPr lang="en-US" smtClean="0"/>
-              <a:t>12</a:t>
+              <a:t>10</a:t>
             </a:fld>
             <a:endParaRPr lang="en-US" dirty="0"/>
           </a:p>
@@ -2231,6 +2147,992 @@
 </file>
 
 <file path=ppt/slideLayouts/slideLayout10.xml><?xml version="1.0" encoding="utf-8"?>
+<p:sldLayout xmlns:a="http://schemas.openxmlformats.org/drawingml/2006/main" xmlns:r="http://schemas.openxmlformats.org/officeDocument/2006/relationships" xmlns:p="http://schemas.openxmlformats.org/presentationml/2006/main" preserve="1" userDrawn="1">
+  <p:cSld name="8_Title and 2 column">
+    <p:bg>
+      <p:bgPr>
+        <a:gradFill>
+          <a:gsLst>
+            <a:gs pos="100000">
+              <a:schemeClr val="tx2"/>
+            </a:gs>
+            <a:gs pos="81000">
+              <a:schemeClr val="accent6"/>
+            </a:gs>
+            <a:gs pos="31000">
+              <a:srgbClr val="02090E"/>
+            </a:gs>
+            <a:gs pos="14000">
+              <a:schemeClr val="accent4">
+                <a:lumMod val="75000"/>
+              </a:schemeClr>
+            </a:gs>
+            <a:gs pos="0">
+              <a:schemeClr val="accent4"/>
+            </a:gs>
+          </a:gsLst>
+          <a:lin ang="7800000" scaled="0"/>
+        </a:gradFill>
+        <a:effectLst/>
+      </p:bgPr>
+    </p:bg>
+    <p:spTree>
+      <p:nvGrpSpPr>
+        <p:cNvPr id="1" name=""/>
+        <p:cNvGrpSpPr/>
+        <p:nvPr/>
+      </p:nvGrpSpPr>
+      <p:grpSpPr>
+        <a:xfrm>
+          <a:off x="0" y="0"/>
+          <a:ext cx="0" cy="0"/>
+          <a:chOff x="0" y="0"/>
+          <a:chExt cx="0" cy="0"/>
+        </a:xfrm>
+      </p:grpSpPr>
+      <p:sp>
+        <p:nvSpPr>
+          <p:cNvPr id="3" name="Rectangle 2">
+            <a:extLst>
+              <a:ext uri="{FF2B5EF4-FFF2-40B4-BE49-F238E27FC236}">
+                <a16:creationId xmlns:a16="http://schemas.microsoft.com/office/drawing/2014/main" id="{B3A7247A-846A-F316-B494-69B42CBF34DD}"/>
+              </a:ext>
+              <a:ext uri="{C183D7F6-B498-43B3-948B-1728B52AA6E4}">
+                <adec:decorative xmlns:adec="http://schemas.microsoft.com/office/drawing/2017/decorative" val="1"/>
+              </a:ext>
+            </a:extLst>
+          </p:cNvPr>
+          <p:cNvSpPr/>
+          <p:nvPr userDrawn="1"/>
+        </p:nvSpPr>
+        <p:spPr>
+          <a:xfrm>
+            <a:off x="321869" y="343814"/>
+            <a:ext cx="11550701" cy="6210605"/>
+          </a:xfrm>
+          <a:prstGeom prst="rect">
+            <a:avLst/>
+          </a:prstGeom>
+          <a:solidFill>
+            <a:schemeClr val="tx1">
+              <a:alpha val="70000"/>
+            </a:schemeClr>
+          </a:solidFill>
+          <a:ln>
+            <a:noFill/>
+          </a:ln>
+        </p:spPr>
+        <p:style>
+          <a:lnRef idx="2">
+            <a:schemeClr val="accent1">
+              <a:shade val="50000"/>
+            </a:schemeClr>
+          </a:lnRef>
+          <a:fillRef idx="1">
+            <a:schemeClr val="accent1"/>
+          </a:fillRef>
+          <a:effectRef idx="0">
+            <a:schemeClr val="accent1"/>
+          </a:effectRef>
+          <a:fontRef idx="minor">
+            <a:schemeClr val="lt1"/>
+          </a:fontRef>
+        </p:style>
+        <p:txBody>
+          <a:bodyPr rtlCol="0" anchor="ctr">
+            <a:noAutofit/>
+          </a:bodyPr>
+          <a:lstStyle/>
+          <a:p>
+            <a:pPr algn="ctr"/>
+            <a:endParaRPr lang="en-US" dirty="0"/>
+          </a:p>
+        </p:txBody>
+      </p:sp>
+      <p:cxnSp>
+        <p:nvCxnSpPr>
+          <p:cNvPr id="4" name="Straight Connector 3">
+            <a:extLst>
+              <a:ext uri="{FF2B5EF4-FFF2-40B4-BE49-F238E27FC236}">
+                <a16:creationId xmlns:a16="http://schemas.microsoft.com/office/drawing/2014/main" id="{884B3AF6-983E-0901-0045-6CDF4E93E1BA}"/>
+              </a:ext>
+              <a:ext uri="{C183D7F6-B498-43B3-948B-1728B52AA6E4}">
+                <adec:decorative xmlns:adec="http://schemas.microsoft.com/office/drawing/2017/decorative" val="1"/>
+              </a:ext>
+            </a:extLst>
+          </p:cNvPr>
+          <p:cNvCxnSpPr>
+            <a:cxnSpLocks/>
+          </p:cNvCxnSpPr>
+          <p:nvPr userDrawn="1"/>
+        </p:nvCxnSpPr>
+        <p:spPr>
+          <a:xfrm>
+            <a:off x="807039" y="1983705"/>
+            <a:ext cx="10435630" cy="0"/>
+          </a:xfrm>
+          <a:prstGeom prst="line">
+            <a:avLst/>
+          </a:prstGeom>
+          <a:ln w="25400">
+            <a:gradFill>
+              <a:gsLst>
+                <a:gs pos="0">
+                  <a:schemeClr val="accent4">
+                    <a:lumMod val="50000"/>
+                  </a:schemeClr>
+                </a:gs>
+                <a:gs pos="100000">
+                  <a:schemeClr val="accent6"/>
+                </a:gs>
+              </a:gsLst>
+              <a:lin ang="10800000" scaled="0"/>
+            </a:gradFill>
+          </a:ln>
+        </p:spPr>
+        <p:style>
+          <a:lnRef idx="1">
+            <a:schemeClr val="accent1"/>
+          </a:lnRef>
+          <a:fillRef idx="0">
+            <a:schemeClr val="accent1"/>
+          </a:fillRef>
+          <a:effectRef idx="0">
+            <a:schemeClr val="accent1"/>
+          </a:effectRef>
+          <a:fontRef idx="minor">
+            <a:schemeClr val="tx1"/>
+          </a:fontRef>
+        </p:style>
+      </p:cxnSp>
+      <p:grpSp>
+        <p:nvGrpSpPr>
+          <p:cNvPr id="9" name="Group 8">
+            <a:extLst>
+              <a:ext uri="{FF2B5EF4-FFF2-40B4-BE49-F238E27FC236}">
+                <a16:creationId xmlns:a16="http://schemas.microsoft.com/office/drawing/2014/main" id="{3C5B7647-403E-A66E-6CF4-0D3A99AA5154}"/>
+              </a:ext>
+              <a:ext uri="{C183D7F6-B498-43B3-948B-1728B52AA6E4}">
+                <adec:decorative xmlns:adec="http://schemas.microsoft.com/office/drawing/2017/decorative" val="1"/>
+              </a:ext>
+            </a:extLst>
+          </p:cNvPr>
+          <p:cNvGrpSpPr/>
+          <p:nvPr userDrawn="1"/>
+        </p:nvGrpSpPr>
+        <p:grpSpPr>
+          <a:xfrm rot="10800000" flipH="1">
+            <a:off x="10488530" y="4210019"/>
+            <a:ext cx="754139" cy="1865729"/>
+            <a:chOff x="653351" y="2693558"/>
+            <a:chExt cx="754139" cy="1865729"/>
+          </a:xfrm>
+        </p:grpSpPr>
+        <p:sp>
+          <p:nvSpPr>
+            <p:cNvPr id="10" name="Graphic 15">
+              <a:extLst>
+                <a:ext uri="{FF2B5EF4-FFF2-40B4-BE49-F238E27FC236}">
+                  <a16:creationId xmlns:a16="http://schemas.microsoft.com/office/drawing/2014/main" id="{E48E731E-FEF1-9C59-64B0-9CB6E8853912}"/>
+                </a:ext>
+                <a:ext uri="{C183D7F6-B498-43B3-948B-1728B52AA6E4}">
+                  <adec:decorative xmlns:adec="http://schemas.microsoft.com/office/drawing/2017/decorative" val="1"/>
+                </a:ext>
+              </a:extLst>
+            </p:cNvPr>
+            <p:cNvSpPr/>
+            <p:nvPr/>
+          </p:nvSpPr>
+          <p:spPr>
+            <a:xfrm>
+              <a:off x="1098137" y="2693558"/>
+              <a:ext cx="128016" cy="128016"/>
+            </a:xfrm>
+            <a:custGeom>
+              <a:avLst/>
+              <a:gdLst>
+                <a:gd name="connsiteX0" fmla="*/ 63857 w 127713"/>
+                <a:gd name="connsiteY0" fmla="*/ 18874 h 127713"/>
+                <a:gd name="connsiteX1" fmla="*/ 108839 w 127713"/>
+                <a:gd name="connsiteY1" fmla="*/ 63857 h 127713"/>
+                <a:gd name="connsiteX2" fmla="*/ 63857 w 127713"/>
+                <a:gd name="connsiteY2" fmla="*/ 108839 h 127713"/>
+                <a:gd name="connsiteX3" fmla="*/ 18874 w 127713"/>
+                <a:gd name="connsiteY3" fmla="*/ 63857 h 127713"/>
+                <a:gd name="connsiteX4" fmla="*/ 63857 w 127713"/>
+                <a:gd name="connsiteY4" fmla="*/ 18874 h 127713"/>
+                <a:gd name="connsiteX5" fmla="*/ 63857 w 127713"/>
+                <a:gd name="connsiteY5" fmla="*/ 0 h 127713"/>
+                <a:gd name="connsiteX6" fmla="*/ 0 w 127713"/>
+                <a:gd name="connsiteY6" fmla="*/ 63857 h 127713"/>
+                <a:gd name="connsiteX7" fmla="*/ 63857 w 127713"/>
+                <a:gd name="connsiteY7" fmla="*/ 127713 h 127713"/>
+                <a:gd name="connsiteX8" fmla="*/ 127713 w 127713"/>
+                <a:gd name="connsiteY8" fmla="*/ 63857 h 127713"/>
+                <a:gd name="connsiteX9" fmla="*/ 63857 w 127713"/>
+                <a:gd name="connsiteY9" fmla="*/ 0 h 127713"/>
+              </a:gdLst>
+              <a:ahLst/>
+              <a:cxnLst>
+                <a:cxn ang="0">
+                  <a:pos x="connsiteX0" y="connsiteY0"/>
+                </a:cxn>
+                <a:cxn ang="0">
+                  <a:pos x="connsiteX1" y="connsiteY1"/>
+                </a:cxn>
+                <a:cxn ang="0">
+                  <a:pos x="connsiteX2" y="connsiteY2"/>
+                </a:cxn>
+                <a:cxn ang="0">
+                  <a:pos x="connsiteX3" y="connsiteY3"/>
+                </a:cxn>
+                <a:cxn ang="0">
+                  <a:pos x="connsiteX4" y="connsiteY4"/>
+                </a:cxn>
+                <a:cxn ang="0">
+                  <a:pos x="connsiteX5" y="connsiteY5"/>
+                </a:cxn>
+                <a:cxn ang="0">
+                  <a:pos x="connsiteX6" y="connsiteY6"/>
+                </a:cxn>
+                <a:cxn ang="0">
+                  <a:pos x="connsiteX7" y="connsiteY7"/>
+                </a:cxn>
+                <a:cxn ang="0">
+                  <a:pos x="connsiteX8" y="connsiteY8"/>
+                </a:cxn>
+                <a:cxn ang="0">
+                  <a:pos x="connsiteX9" y="connsiteY9"/>
+                </a:cxn>
+              </a:cxnLst>
+              <a:rect l="l" t="t" r="r" b="b"/>
+              <a:pathLst>
+                <a:path w="127713" h="127713">
+                  <a:moveTo>
+                    <a:pt x="63857" y="18874"/>
+                  </a:moveTo>
+                  <a:cubicBezTo>
+                    <a:pt x="88700" y="18874"/>
+                    <a:pt x="108839" y="39013"/>
+                    <a:pt x="108839" y="63857"/>
+                  </a:cubicBezTo>
+                  <a:cubicBezTo>
+                    <a:pt x="108839" y="88700"/>
+                    <a:pt x="88700" y="108839"/>
+                    <a:pt x="63857" y="108839"/>
+                  </a:cubicBezTo>
+                  <a:cubicBezTo>
+                    <a:pt x="39013" y="108839"/>
+                    <a:pt x="18874" y="88700"/>
+                    <a:pt x="18874" y="63857"/>
+                  </a:cubicBezTo>
+                  <a:cubicBezTo>
+                    <a:pt x="18898" y="39023"/>
+                    <a:pt x="39023" y="18898"/>
+                    <a:pt x="63857" y="18874"/>
+                  </a:cubicBezTo>
+                  <a:moveTo>
+                    <a:pt x="63857" y="0"/>
+                  </a:moveTo>
+                  <a:cubicBezTo>
+                    <a:pt x="28590" y="0"/>
+                    <a:pt x="0" y="28590"/>
+                    <a:pt x="0" y="63857"/>
+                  </a:cubicBezTo>
+                  <a:cubicBezTo>
+                    <a:pt x="0" y="99124"/>
+                    <a:pt x="28590" y="127713"/>
+                    <a:pt x="63857" y="127713"/>
+                  </a:cubicBezTo>
+                  <a:cubicBezTo>
+                    <a:pt x="99124" y="127713"/>
+                    <a:pt x="127713" y="99124"/>
+                    <a:pt x="127713" y="63857"/>
+                  </a:cubicBezTo>
+                  <a:cubicBezTo>
+                    <a:pt x="127713" y="28590"/>
+                    <a:pt x="99124" y="0"/>
+                    <a:pt x="63857" y="0"/>
+                  </a:cubicBezTo>
+                  <a:close/>
+                </a:path>
+              </a:pathLst>
+            </a:custGeom>
+            <a:solidFill>
+              <a:schemeClr val="accent4">
+                <a:lumMod val="60000"/>
+                <a:lumOff val="40000"/>
+                <a:alpha val="49071"/>
+              </a:schemeClr>
+            </a:solidFill>
+            <a:ln w="610" cap="flat">
+              <a:noFill/>
+              <a:prstDash val="solid"/>
+              <a:miter/>
+            </a:ln>
+          </p:spPr>
+          <p:txBody>
+            <a:bodyPr rtlCol="0" anchor="ctr">
+              <a:noAutofit/>
+            </a:bodyPr>
+            <a:lstStyle/>
+            <a:p>
+              <a:endParaRPr lang="en-US" dirty="0"/>
+            </a:p>
+          </p:txBody>
+        </p:sp>
+        <p:sp>
+          <p:nvSpPr>
+            <p:cNvPr id="11" name="Graphic 12">
+              <a:extLst>
+                <a:ext uri="{FF2B5EF4-FFF2-40B4-BE49-F238E27FC236}">
+                  <a16:creationId xmlns:a16="http://schemas.microsoft.com/office/drawing/2014/main" id="{AFE83BB3-4D12-8E20-CA93-1834D7F0A434}"/>
+                </a:ext>
+                <a:ext uri="{C183D7F6-B498-43B3-948B-1728B52AA6E4}">
+                  <adec:decorative xmlns:adec="http://schemas.microsoft.com/office/drawing/2017/decorative" val="1"/>
+                </a:ext>
+              </a:extLst>
+            </p:cNvPr>
+            <p:cNvSpPr/>
+            <p:nvPr/>
+          </p:nvSpPr>
+          <p:spPr>
+            <a:xfrm>
+              <a:off x="1306906" y="3837599"/>
+              <a:ext cx="100584" cy="100584"/>
+            </a:xfrm>
+            <a:custGeom>
+              <a:avLst/>
+              <a:gdLst>
+                <a:gd name="connsiteX0" fmla="*/ 91138 w 91138"/>
+                <a:gd name="connsiteY0" fmla="*/ 45569 h 91138"/>
+                <a:gd name="connsiteX1" fmla="*/ 45569 w 91138"/>
+                <a:gd name="connsiteY1" fmla="*/ 91138 h 91138"/>
+                <a:gd name="connsiteX2" fmla="*/ 0 w 91138"/>
+                <a:gd name="connsiteY2" fmla="*/ 45569 h 91138"/>
+                <a:gd name="connsiteX3" fmla="*/ 45569 w 91138"/>
+                <a:gd name="connsiteY3" fmla="*/ 0 h 91138"/>
+                <a:gd name="connsiteX4" fmla="*/ 91138 w 91138"/>
+                <a:gd name="connsiteY4" fmla="*/ 45569 h 91138"/>
+              </a:gdLst>
+              <a:ahLst/>
+              <a:cxnLst>
+                <a:cxn ang="0">
+                  <a:pos x="connsiteX0" y="connsiteY0"/>
+                </a:cxn>
+                <a:cxn ang="0">
+                  <a:pos x="connsiteX1" y="connsiteY1"/>
+                </a:cxn>
+                <a:cxn ang="0">
+                  <a:pos x="connsiteX2" y="connsiteY2"/>
+                </a:cxn>
+                <a:cxn ang="0">
+                  <a:pos x="connsiteX3" y="connsiteY3"/>
+                </a:cxn>
+                <a:cxn ang="0">
+                  <a:pos x="connsiteX4" y="connsiteY4"/>
+                </a:cxn>
+              </a:cxnLst>
+              <a:rect l="l" t="t" r="r" b="b"/>
+              <a:pathLst>
+                <a:path w="91138" h="91138">
+                  <a:moveTo>
+                    <a:pt x="91138" y="45569"/>
+                  </a:moveTo>
+                  <a:cubicBezTo>
+                    <a:pt x="91138" y="70736"/>
+                    <a:pt x="70736" y="91138"/>
+                    <a:pt x="45569" y="91138"/>
+                  </a:cubicBezTo>
+                  <a:cubicBezTo>
+                    <a:pt x="20402" y="91138"/>
+                    <a:pt x="0" y="70736"/>
+                    <a:pt x="0" y="45569"/>
+                  </a:cubicBezTo>
+                  <a:cubicBezTo>
+                    <a:pt x="0" y="20402"/>
+                    <a:pt x="20402" y="0"/>
+                    <a:pt x="45569" y="0"/>
+                  </a:cubicBezTo>
+                  <a:cubicBezTo>
+                    <a:pt x="70736" y="0"/>
+                    <a:pt x="91138" y="20402"/>
+                    <a:pt x="91138" y="45569"/>
+                  </a:cubicBezTo>
+                  <a:close/>
+                </a:path>
+              </a:pathLst>
+            </a:custGeom>
+            <a:solidFill>
+              <a:schemeClr val="accent4">
+                <a:lumMod val="60000"/>
+                <a:lumOff val="40000"/>
+                <a:alpha val="49071"/>
+              </a:schemeClr>
+            </a:solidFill>
+            <a:ln w="422" cap="flat">
+              <a:noFill/>
+              <a:prstDash val="solid"/>
+              <a:miter/>
+            </a:ln>
+          </p:spPr>
+          <p:txBody>
+            <a:bodyPr rtlCol="0" anchor="ctr">
+              <a:noAutofit/>
+            </a:bodyPr>
+            <a:lstStyle/>
+            <a:p>
+              <a:endParaRPr lang="en-US" dirty="0"/>
+            </a:p>
+          </p:txBody>
+        </p:sp>
+        <p:sp>
+          <p:nvSpPr>
+            <p:cNvPr id="12" name="Graphic 12">
+              <a:extLst>
+                <a:ext uri="{FF2B5EF4-FFF2-40B4-BE49-F238E27FC236}">
+                  <a16:creationId xmlns:a16="http://schemas.microsoft.com/office/drawing/2014/main" id="{3EB1D810-BC05-6C0E-0DE4-3604EBAADCC3}"/>
+                </a:ext>
+                <a:ext uri="{C183D7F6-B498-43B3-948B-1728B52AA6E4}">
+                  <adec:decorative xmlns:adec="http://schemas.microsoft.com/office/drawing/2017/decorative" val="1"/>
+                </a:ext>
+              </a:extLst>
+            </p:cNvPr>
+            <p:cNvSpPr/>
+            <p:nvPr/>
+          </p:nvSpPr>
+          <p:spPr>
+            <a:xfrm>
+              <a:off x="653351" y="4521502"/>
+              <a:ext cx="45719" cy="37785"/>
+            </a:xfrm>
+            <a:custGeom>
+              <a:avLst/>
+              <a:gdLst>
+                <a:gd name="connsiteX0" fmla="*/ 91138 w 91138"/>
+                <a:gd name="connsiteY0" fmla="*/ 45569 h 91138"/>
+                <a:gd name="connsiteX1" fmla="*/ 45569 w 91138"/>
+                <a:gd name="connsiteY1" fmla="*/ 91138 h 91138"/>
+                <a:gd name="connsiteX2" fmla="*/ 0 w 91138"/>
+                <a:gd name="connsiteY2" fmla="*/ 45569 h 91138"/>
+                <a:gd name="connsiteX3" fmla="*/ 45569 w 91138"/>
+                <a:gd name="connsiteY3" fmla="*/ 0 h 91138"/>
+                <a:gd name="connsiteX4" fmla="*/ 91138 w 91138"/>
+                <a:gd name="connsiteY4" fmla="*/ 45569 h 91138"/>
+              </a:gdLst>
+              <a:ahLst/>
+              <a:cxnLst>
+                <a:cxn ang="0">
+                  <a:pos x="connsiteX0" y="connsiteY0"/>
+                </a:cxn>
+                <a:cxn ang="0">
+                  <a:pos x="connsiteX1" y="connsiteY1"/>
+                </a:cxn>
+                <a:cxn ang="0">
+                  <a:pos x="connsiteX2" y="connsiteY2"/>
+                </a:cxn>
+                <a:cxn ang="0">
+                  <a:pos x="connsiteX3" y="connsiteY3"/>
+                </a:cxn>
+                <a:cxn ang="0">
+                  <a:pos x="connsiteX4" y="connsiteY4"/>
+                </a:cxn>
+              </a:cxnLst>
+              <a:rect l="l" t="t" r="r" b="b"/>
+              <a:pathLst>
+                <a:path w="91138" h="91138">
+                  <a:moveTo>
+                    <a:pt x="91138" y="45569"/>
+                  </a:moveTo>
+                  <a:cubicBezTo>
+                    <a:pt x="91138" y="70736"/>
+                    <a:pt x="70736" y="91138"/>
+                    <a:pt x="45569" y="91138"/>
+                  </a:cubicBezTo>
+                  <a:cubicBezTo>
+                    <a:pt x="20402" y="91138"/>
+                    <a:pt x="0" y="70736"/>
+                    <a:pt x="0" y="45569"/>
+                  </a:cubicBezTo>
+                  <a:cubicBezTo>
+                    <a:pt x="0" y="20402"/>
+                    <a:pt x="20402" y="0"/>
+                    <a:pt x="45569" y="0"/>
+                  </a:cubicBezTo>
+                  <a:cubicBezTo>
+                    <a:pt x="70736" y="0"/>
+                    <a:pt x="91138" y="20402"/>
+                    <a:pt x="91138" y="45569"/>
+                  </a:cubicBezTo>
+                  <a:close/>
+                </a:path>
+              </a:pathLst>
+            </a:custGeom>
+            <a:solidFill>
+              <a:schemeClr val="accent4">
+                <a:lumMod val="60000"/>
+                <a:lumOff val="40000"/>
+                <a:alpha val="49071"/>
+              </a:schemeClr>
+            </a:solidFill>
+            <a:ln w="422" cap="flat">
+              <a:noFill/>
+              <a:prstDash val="solid"/>
+              <a:miter/>
+            </a:ln>
+          </p:spPr>
+          <p:txBody>
+            <a:bodyPr rtlCol="0" anchor="ctr">
+              <a:noAutofit/>
+            </a:bodyPr>
+            <a:lstStyle/>
+            <a:p>
+              <a:endParaRPr lang="en-US" dirty="0"/>
+            </a:p>
+          </p:txBody>
+        </p:sp>
+      </p:grpSp>
+      <p:sp>
+        <p:nvSpPr>
+          <p:cNvPr id="2" name="Title 1">
+            <a:extLst>
+              <a:ext uri="{FF2B5EF4-FFF2-40B4-BE49-F238E27FC236}">
+                <a16:creationId xmlns:a16="http://schemas.microsoft.com/office/drawing/2014/main" id="{DF8070BB-B3B5-3A8A-2466-D661C741794F}"/>
+              </a:ext>
+            </a:extLst>
+          </p:cNvPr>
+          <p:cNvSpPr>
+            <a:spLocks noGrp="1"/>
+          </p:cNvSpPr>
+          <p:nvPr>
+            <p:ph type="title" hasCustomPrompt="1"/>
+          </p:nvPr>
+        </p:nvSpPr>
+        <p:spPr>
+          <a:xfrm>
+            <a:off x="741680" y="430482"/>
+            <a:ext cx="10500989" cy="1327464"/>
+          </a:xfrm>
+        </p:spPr>
+        <p:txBody>
+          <a:bodyPr anchor="b">
+            <a:noAutofit/>
+          </a:bodyPr>
+          <a:lstStyle>
+            <a:lvl1pPr algn="l">
+              <a:defRPr sz="3200" cap="all" spc="0" baseline="0">
+                <a:solidFill>
+                  <a:schemeClr val="accent3">
+                    <a:lumMod val="75000"/>
+                  </a:schemeClr>
+                </a:solidFill>
+              </a:defRPr>
+            </a:lvl1pPr>
+          </a:lstStyle>
+          <a:p>
+            <a:r>
+              <a:rPr lang="en-US" dirty="0"/>
+              <a:t>Click to add title</a:t>
+            </a:r>
+          </a:p>
+        </p:txBody>
+      </p:sp>
+      <p:sp>
+        <p:nvSpPr>
+          <p:cNvPr id="5" name="Content Placeholder 4">
+            <a:extLst>
+              <a:ext uri="{FF2B5EF4-FFF2-40B4-BE49-F238E27FC236}">
+                <a16:creationId xmlns:a16="http://schemas.microsoft.com/office/drawing/2014/main" id="{A2003C5A-BF21-DE87-0ED1-3E2D0F32B5D8}"/>
+              </a:ext>
+            </a:extLst>
+          </p:cNvPr>
+          <p:cNvSpPr>
+            <a:spLocks noGrp="1"/>
+          </p:cNvSpPr>
+          <p:nvPr>
+            <p:ph sz="quarter" idx="35" hasCustomPrompt="1"/>
+          </p:nvPr>
+        </p:nvSpPr>
+        <p:spPr>
+          <a:xfrm>
+            <a:off x="807038" y="2465539"/>
+            <a:ext cx="3774587" cy="3723753"/>
+          </a:xfrm>
+        </p:spPr>
+        <p:txBody>
+          <a:bodyPr/>
+          <a:lstStyle>
+            <a:lvl1pPr marL="342900" indent="-342900">
+              <a:lnSpc>
+                <a:spcPct val="120000"/>
+              </a:lnSpc>
+              <a:spcBef>
+                <a:spcPts val="1000"/>
+              </a:spcBef>
+              <a:buClr>
+                <a:schemeClr val="accent3">
+                  <a:lumMod val="75000"/>
+                </a:schemeClr>
+              </a:buClr>
+              <a:buFont typeface="+mj-lt"/>
+              <a:buAutoNum type="arabicPeriod"/>
+              <a:defRPr sz="1800" spc="0" baseline="0">
+                <a:solidFill>
+                  <a:schemeClr val="bg1"/>
+                </a:solidFill>
+                <a:latin typeface="+mn-lt"/>
+              </a:defRPr>
+            </a:lvl1pPr>
+            <a:lvl2pPr marL="626364" indent="-342900">
+              <a:lnSpc>
+                <a:spcPct val="120000"/>
+              </a:lnSpc>
+              <a:spcBef>
+                <a:spcPts val="1000"/>
+              </a:spcBef>
+              <a:buClr>
+                <a:schemeClr val="accent3">
+                  <a:lumMod val="75000"/>
+                </a:schemeClr>
+              </a:buClr>
+              <a:buFont typeface="+mj-lt"/>
+              <a:buAutoNum type="alphaLcPeriod"/>
+              <a:defRPr sz="1800" spc="0">
+                <a:solidFill>
+                  <a:schemeClr val="bg1"/>
+                </a:solidFill>
+                <a:latin typeface="+mn-lt"/>
+              </a:defRPr>
+            </a:lvl2pPr>
+            <a:lvl3pPr marL="918972" indent="-342900">
+              <a:lnSpc>
+                <a:spcPct val="120000"/>
+              </a:lnSpc>
+              <a:spcBef>
+                <a:spcPts val="1000"/>
+              </a:spcBef>
+              <a:buClr>
+                <a:schemeClr val="accent3">
+                  <a:lumMod val="75000"/>
+                </a:schemeClr>
+              </a:buClr>
+              <a:buFont typeface="+mj-lt"/>
+              <a:buAutoNum type="arabicParenR"/>
+              <a:defRPr sz="1800" spc="0">
+                <a:solidFill>
+                  <a:schemeClr val="bg1"/>
+                </a:solidFill>
+                <a:latin typeface="+mn-lt"/>
+              </a:defRPr>
+            </a:lvl3pPr>
+            <a:lvl4pPr marL="1209294" indent="-342900">
+              <a:lnSpc>
+                <a:spcPct val="120000"/>
+              </a:lnSpc>
+              <a:spcBef>
+                <a:spcPts val="1000"/>
+              </a:spcBef>
+              <a:buClr>
+                <a:schemeClr val="accent3">
+                  <a:lumMod val="75000"/>
+                </a:schemeClr>
+              </a:buClr>
+              <a:buFont typeface="+mj-lt"/>
+              <a:buAutoNum type="alphaLcParenR"/>
+              <a:defRPr sz="1800" spc="0">
+                <a:solidFill>
+                  <a:schemeClr val="bg1"/>
+                </a:solidFill>
+                <a:latin typeface="+mn-lt"/>
+              </a:defRPr>
+            </a:lvl4pPr>
+          </a:lstStyle>
+          <a:p>
+            <a:pPr lvl="0"/>
+            <a:r>
+              <a:rPr lang="en-US" dirty="0"/>
+              <a:t>Click to add content</a:t>
+            </a:r>
+          </a:p>
+          <a:p>
+            <a:pPr lvl="1"/>
+            <a:r>
+              <a:rPr lang="en-US" dirty="0"/>
+              <a:t>Second level</a:t>
+            </a:r>
+          </a:p>
+          <a:p>
+            <a:pPr lvl="2"/>
+            <a:r>
+              <a:rPr lang="en-US" dirty="0"/>
+              <a:t>Third level</a:t>
+            </a:r>
+          </a:p>
+          <a:p>
+            <a:pPr lvl="3"/>
+            <a:r>
+              <a:rPr lang="en-US" dirty="0"/>
+              <a:t>Fourth level</a:t>
+            </a:r>
+          </a:p>
+        </p:txBody>
+      </p:sp>
+      <p:sp>
+        <p:nvSpPr>
+          <p:cNvPr id="19" name="Content Placeholder 4">
+            <a:extLst>
+              <a:ext uri="{FF2B5EF4-FFF2-40B4-BE49-F238E27FC236}">
+                <a16:creationId xmlns:a16="http://schemas.microsoft.com/office/drawing/2014/main" id="{39870F08-C2AE-9AF7-58DE-EEA8A48BEDA9}"/>
+              </a:ext>
+            </a:extLst>
+          </p:cNvPr>
+          <p:cNvSpPr>
+            <a:spLocks noGrp="1"/>
+          </p:cNvSpPr>
+          <p:nvPr>
+            <p:ph sz="quarter" idx="36" hasCustomPrompt="1"/>
+          </p:nvPr>
+        </p:nvSpPr>
+        <p:spPr>
+          <a:xfrm>
+            <a:off x="4927600" y="2465539"/>
+            <a:ext cx="6315069" cy="3723753"/>
+          </a:xfrm>
+        </p:spPr>
+        <p:txBody>
+          <a:bodyPr/>
+          <a:lstStyle>
+            <a:lvl1pPr marL="0" indent="0">
+              <a:lnSpc>
+                <a:spcPct val="120000"/>
+              </a:lnSpc>
+              <a:spcBef>
+                <a:spcPts val="1000"/>
+              </a:spcBef>
+              <a:buClr>
+                <a:schemeClr val="accent6"/>
+              </a:buClr>
+              <a:buFont typeface="Arial" panose="020B0604020202020204" pitchFamily="34" charset="0"/>
+              <a:buNone/>
+              <a:defRPr sz="1800" spc="0" baseline="0">
+                <a:solidFill>
+                  <a:schemeClr val="bg1"/>
+                </a:solidFill>
+                <a:latin typeface="+mn-lt"/>
+              </a:defRPr>
+            </a:lvl1pPr>
+            <a:lvl2pPr marL="283464" indent="-285750">
+              <a:lnSpc>
+                <a:spcPct val="120000"/>
+              </a:lnSpc>
+              <a:spcBef>
+                <a:spcPts val="1000"/>
+              </a:spcBef>
+              <a:buClr>
+                <a:schemeClr val="accent3">
+                  <a:lumMod val="75000"/>
+                </a:schemeClr>
+              </a:buClr>
+              <a:buFont typeface="Arial" panose="020B0604020202020204" pitchFamily="34" charset="0"/>
+              <a:buChar char="•"/>
+              <a:defRPr sz="1800" spc="0">
+                <a:solidFill>
+                  <a:schemeClr val="bg1"/>
+                </a:solidFill>
+                <a:latin typeface="+mn-lt"/>
+              </a:defRPr>
+            </a:lvl2pPr>
+            <a:lvl3pPr marL="566928" indent="-285750">
+              <a:lnSpc>
+                <a:spcPct val="120000"/>
+              </a:lnSpc>
+              <a:spcBef>
+                <a:spcPts val="1000"/>
+              </a:spcBef>
+              <a:buClr>
+                <a:schemeClr val="accent3">
+                  <a:lumMod val="75000"/>
+                </a:schemeClr>
+              </a:buClr>
+              <a:buFont typeface="Arial" panose="020B0604020202020204" pitchFamily="34" charset="0"/>
+              <a:buChar char="•"/>
+              <a:defRPr sz="1800" spc="0">
+                <a:solidFill>
+                  <a:schemeClr val="bg1"/>
+                </a:solidFill>
+                <a:latin typeface="+mn-lt"/>
+              </a:defRPr>
+            </a:lvl3pPr>
+            <a:lvl4pPr marL="859536" indent="-285750">
+              <a:lnSpc>
+                <a:spcPct val="120000"/>
+              </a:lnSpc>
+              <a:spcBef>
+                <a:spcPts val="1000"/>
+              </a:spcBef>
+              <a:buClr>
+                <a:schemeClr val="accent3">
+                  <a:lumMod val="75000"/>
+                </a:schemeClr>
+              </a:buClr>
+              <a:buFont typeface="Arial" panose="020B0604020202020204" pitchFamily="34" charset="0"/>
+              <a:buChar char="•"/>
+              <a:defRPr sz="1800" spc="0">
+                <a:solidFill>
+                  <a:schemeClr val="bg1"/>
+                </a:solidFill>
+                <a:latin typeface="+mn-lt"/>
+              </a:defRPr>
+            </a:lvl4pPr>
+          </a:lstStyle>
+          <a:p>
+            <a:pPr lvl="0"/>
+            <a:r>
+              <a:rPr lang="en-US" dirty="0"/>
+              <a:t>Click to add content</a:t>
+            </a:r>
+          </a:p>
+          <a:p>
+            <a:pPr lvl="1"/>
+            <a:r>
+              <a:rPr lang="en-US" dirty="0"/>
+              <a:t>Second level</a:t>
+            </a:r>
+          </a:p>
+          <a:p>
+            <a:pPr lvl="2"/>
+            <a:r>
+              <a:rPr lang="en-US" dirty="0"/>
+              <a:t>Third level</a:t>
+            </a:r>
+          </a:p>
+          <a:p>
+            <a:pPr lvl="3"/>
+            <a:r>
+              <a:rPr lang="en-US" dirty="0"/>
+              <a:t>Fourth level</a:t>
+            </a:r>
+          </a:p>
+        </p:txBody>
+      </p:sp>
+      <p:sp>
+        <p:nvSpPr>
+          <p:cNvPr id="15" name="Footer Placeholder 4">
+            <a:extLst>
+              <a:ext uri="{FF2B5EF4-FFF2-40B4-BE49-F238E27FC236}">
+                <a16:creationId xmlns:a16="http://schemas.microsoft.com/office/drawing/2014/main" id="{B02A6961-FD29-3446-6A70-B0D4EE5D14C5}"/>
+              </a:ext>
+            </a:extLst>
+          </p:cNvPr>
+          <p:cNvSpPr>
+            <a:spLocks noGrp="1"/>
+          </p:cNvSpPr>
+          <p:nvPr>
+            <p:ph type="ftr" sz="quarter" idx="11"/>
+          </p:nvPr>
+        </p:nvSpPr>
+        <p:spPr>
+          <a:xfrm>
+            <a:off x="336405" y="6237287"/>
+            <a:ext cx="4114800" cy="365125"/>
+          </a:xfrm>
+        </p:spPr>
+        <p:txBody>
+          <a:bodyPr>
+            <a:noAutofit/>
+          </a:bodyPr>
+          <a:lstStyle>
+            <a:lvl1pPr algn="l">
+              <a:defRPr sz="1200" spc="0">
+                <a:solidFill>
+                  <a:schemeClr val="bg1"/>
+                </a:solidFill>
+              </a:defRPr>
+            </a:lvl1pPr>
+          </a:lstStyle>
+          <a:p>
+            <a:r>
+              <a:rPr lang="en-US" dirty="0"/>
+              <a:t>Presentation title</a:t>
+            </a:r>
+          </a:p>
+        </p:txBody>
+      </p:sp>
+      <p:sp>
+        <p:nvSpPr>
+          <p:cNvPr id="16" name="Slide Number Placeholder 5">
+            <a:extLst>
+              <a:ext uri="{FF2B5EF4-FFF2-40B4-BE49-F238E27FC236}">
+                <a16:creationId xmlns:a16="http://schemas.microsoft.com/office/drawing/2014/main" id="{68477A85-1CCD-1BF5-8FF0-11B80AE2F6FC}"/>
+              </a:ext>
+            </a:extLst>
+          </p:cNvPr>
+          <p:cNvSpPr>
+            <a:spLocks noGrp="1"/>
+          </p:cNvSpPr>
+          <p:nvPr>
+            <p:ph type="sldNum" sz="quarter" idx="12"/>
+          </p:nvPr>
+        </p:nvSpPr>
+        <p:spPr>
+          <a:xfrm>
+            <a:off x="9140971" y="6226198"/>
+            <a:ext cx="2743200" cy="365125"/>
+          </a:xfrm>
+        </p:spPr>
+        <p:txBody>
+          <a:bodyPr>
+            <a:noAutofit/>
+          </a:bodyPr>
+          <a:lstStyle>
+            <a:lvl1pPr>
+              <a:defRPr sz="1200">
+                <a:solidFill>
+                  <a:schemeClr val="bg1"/>
+                </a:solidFill>
+              </a:defRPr>
+            </a:lvl1pPr>
+          </a:lstStyle>
+          <a:p>
+            <a:fld id="{FE024F78-56A6-7740-B68D-8D4D026EDF3F}" type="slidenum">
+              <a:rPr lang="en-US" smtClean="0"/>
+              <a:pPr/>
+              <a:t>‹#›</a:t>
+            </a:fld>
+            <a:endParaRPr lang="en-US" dirty="0"/>
+          </a:p>
+        </p:txBody>
+      </p:sp>
+    </p:spTree>
+    <p:extLst>
+      <p:ext uri="{BB962C8B-B14F-4D97-AF65-F5344CB8AC3E}">
+        <p14:creationId xmlns:p14="http://schemas.microsoft.com/office/powerpoint/2010/main" val="966222750"/>
+      </p:ext>
+    </p:extLst>
+  </p:cSld>
+  <p:clrMapOvr>
+    <a:masterClrMapping/>
+  </p:clrMapOvr>
+  <p:extLst>
+    <p:ext uri="{DCECCB84-F9BA-43D5-87BE-67443E8EF086}">
+      <p15:sldGuideLst xmlns:p15="http://schemas.microsoft.com/office/powerpoint/2012/main">
+        <p15:guide id="1" orient="horz" pos="2160" userDrawn="1">
+          <p15:clr>
+            <a:srgbClr val="FBAE40"/>
+          </p15:clr>
+        </p15:guide>
+        <p15:guide id="2" pos="3840" userDrawn="1">
+          <p15:clr>
+            <a:srgbClr val="FBAE40"/>
+          </p15:clr>
+        </p15:guide>
+      </p15:sldGuideLst>
+    </p:ext>
+  </p:extLst>
+</p:sldLayout>
+</file>
+
+<file path=ppt/slideLayouts/slideLayout11.xml><?xml version="1.0" encoding="utf-8"?>
 <p:sldLayout xmlns:a="http://schemas.openxmlformats.org/drawingml/2006/main" xmlns:r="http://schemas.openxmlformats.org/officeDocument/2006/relationships" xmlns:p="http://schemas.openxmlformats.org/presentationml/2006/main" preserve="1" userDrawn="1">
   <p:cSld name="2_Title and 2 column">
     <p:bg>
@@ -2703,7 +3605,7 @@
 </p:sldLayout>
 </file>
 
-<file path=ppt/slideLayouts/slideLayout11.xml><?xml version="1.0" encoding="utf-8"?>
+<file path=ppt/slideLayouts/slideLayout12.xml><?xml version="1.0" encoding="utf-8"?>
 <p:sldLayout xmlns:a="http://schemas.openxmlformats.org/drawingml/2006/main" xmlns:r="http://schemas.openxmlformats.org/officeDocument/2006/relationships" xmlns:p="http://schemas.openxmlformats.org/presentationml/2006/main" preserve="1" userDrawn="1">
   <p:cSld name="9_Title and 2 column">
     <p:bg>
@@ -3176,7 +4078,7 @@
 </p:sldLayout>
 </file>
 
-<file path=ppt/slideLayouts/slideLayout12.xml><?xml version="1.0" encoding="utf-8"?>
+<file path=ppt/slideLayouts/slideLayout13.xml><?xml version="1.0" encoding="utf-8"?>
 <p:sldLayout xmlns:a="http://schemas.openxmlformats.org/drawingml/2006/main" xmlns:r="http://schemas.openxmlformats.org/officeDocument/2006/relationships" xmlns:p="http://schemas.openxmlformats.org/presentationml/2006/main" preserve="1" userDrawn="1">
   <p:cSld name="10_Title and 2 column">
     <p:bg>
@@ -3747,7 +4649,7 @@
 </p:sldLayout>
 </file>
 
-<file path=ppt/slideLayouts/slideLayout13.xml><?xml version="1.0" encoding="utf-8"?>
+<file path=ppt/slideLayouts/slideLayout14.xml><?xml version="1.0" encoding="utf-8"?>
 <p:sldLayout xmlns:a="http://schemas.openxmlformats.org/drawingml/2006/main" xmlns:r="http://schemas.openxmlformats.org/officeDocument/2006/relationships" xmlns:p="http://schemas.openxmlformats.org/presentationml/2006/main" preserve="1" userDrawn="1">
   <p:cSld name="Title and 2 column">
     <p:bg>
@@ -4163,7 +5065,7 @@
 </p:sldLayout>
 </file>
 
-<file path=ppt/slideLayouts/slideLayout14.xml><?xml version="1.0" encoding="utf-8"?>
+<file path=ppt/slideLayouts/slideLayout15.xml><?xml version="1.0" encoding="utf-8"?>
 <p:sldLayout xmlns:a="http://schemas.openxmlformats.org/drawingml/2006/main" xmlns:r="http://schemas.openxmlformats.org/officeDocument/2006/relationships" xmlns:p="http://schemas.openxmlformats.org/presentationml/2006/main" preserve="1" userDrawn="1">
   <p:cSld name="Closing">
     <p:bg>
@@ -6787,6 +7689,482 @@
 </file>
 
 <file path=ppt/slideLayouts/slideLayout7.xml><?xml version="1.0" encoding="utf-8"?>
+<p:sldLayout xmlns:a="http://schemas.openxmlformats.org/drawingml/2006/main" xmlns:r="http://schemas.openxmlformats.org/officeDocument/2006/relationships" xmlns:p="http://schemas.openxmlformats.org/presentationml/2006/main" preserve="1" userDrawn="1">
+  <p:cSld name="DFD">
+    <p:bg>
+      <p:bgPr>
+        <a:gradFill>
+          <a:gsLst>
+            <a:gs pos="100000">
+              <a:schemeClr val="tx2"/>
+            </a:gs>
+            <a:gs pos="79000">
+              <a:schemeClr val="accent6"/>
+            </a:gs>
+            <a:gs pos="55000">
+              <a:srgbClr val="02090E"/>
+            </a:gs>
+            <a:gs pos="14000">
+              <a:schemeClr val="accent4">
+                <a:lumMod val="75000"/>
+              </a:schemeClr>
+            </a:gs>
+            <a:gs pos="0">
+              <a:schemeClr val="accent4"/>
+            </a:gs>
+          </a:gsLst>
+          <a:lin ang="7800000" scaled="0"/>
+        </a:gradFill>
+        <a:effectLst/>
+      </p:bgPr>
+    </p:bg>
+    <p:spTree>
+      <p:nvGrpSpPr>
+        <p:cNvPr id="1" name=""/>
+        <p:cNvGrpSpPr/>
+        <p:nvPr/>
+      </p:nvGrpSpPr>
+      <p:grpSpPr>
+        <a:xfrm>
+          <a:off x="0" y="0"/>
+          <a:ext cx="0" cy="0"/>
+          <a:chOff x="0" y="0"/>
+          <a:chExt cx="0" cy="0"/>
+        </a:xfrm>
+      </p:grpSpPr>
+      <p:pic>
+        <p:nvPicPr>
+          <p:cNvPr id="4" name="Content Placeholder 14">
+            <a:extLst>
+              <a:ext uri="{FF2B5EF4-FFF2-40B4-BE49-F238E27FC236}">
+                <a16:creationId xmlns:a16="http://schemas.microsoft.com/office/drawing/2014/main" id="{318CE367-BBCB-F4AB-635F-4C9995EAE350}"/>
+              </a:ext>
+              <a:ext uri="{C183D7F6-B498-43B3-948B-1728B52AA6E4}">
+                <adec:decorative xmlns:adec="http://schemas.microsoft.com/office/drawing/2017/decorative" val="1"/>
+              </a:ext>
+            </a:extLst>
+          </p:cNvPr>
+          <p:cNvPicPr>
+            <a:picLocks noChangeAspect="1"/>
+          </p:cNvPicPr>
+          <p:nvPr userDrawn="1"/>
+        </p:nvPicPr>
+        <p:blipFill rotWithShape="1">
+          <a:blip r:embed="rId2" cstate="screen">
+            <a:extLst>
+              <a:ext uri="{28A0092B-C50C-407E-A947-70E740481C1C}">
+                <a14:useLocalDpi xmlns:a14="http://schemas.microsoft.com/office/drawing/2010/main"/>
+              </a:ext>
+            </a:extLst>
+          </a:blip>
+          <a:srcRect/>
+          <a:stretch/>
+        </p:blipFill>
+        <p:spPr>
+          <a:xfrm>
+            <a:off x="0" y="-6350"/>
+            <a:ext cx="2356339" cy="6853863"/>
+          </a:xfrm>
+          <a:prstGeom prst="rect">
+            <a:avLst/>
+          </a:prstGeom>
+        </p:spPr>
+      </p:pic>
+      <p:sp>
+        <p:nvSpPr>
+          <p:cNvPr id="5" name="Rectangle 4">
+            <a:extLst>
+              <a:ext uri="{FF2B5EF4-FFF2-40B4-BE49-F238E27FC236}">
+                <a16:creationId xmlns:a16="http://schemas.microsoft.com/office/drawing/2014/main" id="{5CE3FBBA-81E2-31F1-EF51-02706B5B5C0A}"/>
+              </a:ext>
+              <a:ext uri="{C183D7F6-B498-43B3-948B-1728B52AA6E4}">
+                <adec:decorative xmlns:adec="http://schemas.microsoft.com/office/drawing/2017/decorative" val="1"/>
+              </a:ext>
+            </a:extLst>
+          </p:cNvPr>
+          <p:cNvSpPr/>
+          <p:nvPr userDrawn="1"/>
+        </p:nvSpPr>
+        <p:spPr>
+          <a:xfrm>
+            <a:off x="2356339" y="-6350"/>
+            <a:ext cx="9831801" cy="6864350"/>
+          </a:xfrm>
+          <a:prstGeom prst="rect">
+            <a:avLst/>
+          </a:prstGeom>
+          <a:solidFill>
+            <a:schemeClr val="tx1">
+              <a:alpha val="70000"/>
+            </a:schemeClr>
+          </a:solidFill>
+          <a:ln>
+            <a:noFill/>
+          </a:ln>
+        </p:spPr>
+        <p:style>
+          <a:lnRef idx="2">
+            <a:schemeClr val="accent1">
+              <a:shade val="50000"/>
+            </a:schemeClr>
+          </a:lnRef>
+          <a:fillRef idx="1">
+            <a:schemeClr val="accent1"/>
+          </a:fillRef>
+          <a:effectRef idx="0">
+            <a:schemeClr val="accent1"/>
+          </a:effectRef>
+          <a:fontRef idx="minor">
+            <a:schemeClr val="lt1"/>
+          </a:fontRef>
+        </p:style>
+        <p:txBody>
+          <a:bodyPr rtlCol="0" anchor="ctr">
+            <a:noAutofit/>
+          </a:bodyPr>
+          <a:lstStyle/>
+          <a:p>
+            <a:pPr algn="ctr"/>
+            <a:endParaRPr lang="en-US" dirty="0"/>
+          </a:p>
+        </p:txBody>
+      </p:sp>
+      <p:sp>
+        <p:nvSpPr>
+          <p:cNvPr id="2" name="Title 1">
+            <a:extLst>
+              <a:ext uri="{FF2B5EF4-FFF2-40B4-BE49-F238E27FC236}">
+                <a16:creationId xmlns:a16="http://schemas.microsoft.com/office/drawing/2014/main" id="{DF8070BB-B3B5-3A8A-2466-D661C741794F}"/>
+              </a:ext>
+            </a:extLst>
+          </p:cNvPr>
+          <p:cNvSpPr>
+            <a:spLocks noGrp="1"/>
+          </p:cNvSpPr>
+          <p:nvPr>
+            <p:ph type="title" hasCustomPrompt="1"/>
+          </p:nvPr>
+        </p:nvSpPr>
+        <p:spPr>
+          <a:xfrm>
+            <a:off x="-1" y="2807944"/>
+            <a:ext cx="2356339" cy="1204302"/>
+          </a:xfrm>
+        </p:spPr>
+        <p:txBody>
+          <a:bodyPr lIns="0" anchor="b">
+            <a:noAutofit/>
+          </a:bodyPr>
+          <a:lstStyle>
+            <a:lvl1pPr algn="ctr">
+              <a:defRPr sz="3200" cap="all" spc="0" baseline="0">
+                <a:solidFill>
+                  <a:schemeClr val="accent3">
+                    <a:lumMod val="75000"/>
+                  </a:schemeClr>
+                </a:solidFill>
+              </a:defRPr>
+            </a:lvl1pPr>
+          </a:lstStyle>
+          <a:p>
+            <a:r>
+              <a:rPr lang="en-US" dirty="0"/>
+              <a:t>Click to add title</a:t>
+            </a:r>
+          </a:p>
+        </p:txBody>
+      </p:sp>
+      <p:sp>
+        <p:nvSpPr>
+          <p:cNvPr id="13" name="Content Placeholder 12">
+            <a:extLst>
+              <a:ext uri="{FF2B5EF4-FFF2-40B4-BE49-F238E27FC236}">
+                <a16:creationId xmlns:a16="http://schemas.microsoft.com/office/drawing/2014/main" id="{B9624CF4-7769-4663-3361-39136F5E20C8}"/>
+              </a:ext>
+            </a:extLst>
+          </p:cNvPr>
+          <p:cNvSpPr>
+            <a:spLocks noGrp="1"/>
+          </p:cNvSpPr>
+          <p:nvPr>
+            <p:ph sz="quarter" idx="31" hasCustomPrompt="1"/>
+          </p:nvPr>
+        </p:nvSpPr>
+        <p:spPr>
+          <a:xfrm>
+            <a:off x="2356339" y="-16836"/>
+            <a:ext cx="9831801" cy="6853862"/>
+          </a:xfrm>
+        </p:spPr>
+        <p:txBody>
+          <a:bodyPr/>
+          <a:lstStyle>
+            <a:lvl1pPr marL="285750" indent="-285750">
+              <a:lnSpc>
+                <a:spcPct val="120000"/>
+              </a:lnSpc>
+              <a:spcBef>
+                <a:spcPts val="1000"/>
+              </a:spcBef>
+              <a:spcAft>
+                <a:spcPts val="600"/>
+              </a:spcAft>
+              <a:buClr>
+                <a:schemeClr val="accent3"/>
+              </a:buClr>
+              <a:buFont typeface="Arial" panose="020B0604020202020204" pitchFamily="34" charset="0"/>
+              <a:buChar char="•"/>
+              <a:defRPr sz="1800">
+                <a:solidFill>
+                  <a:schemeClr val="bg1"/>
+                </a:solidFill>
+                <a:latin typeface="+mn-lt"/>
+              </a:defRPr>
+            </a:lvl1pPr>
+            <a:lvl2pPr marL="800100" indent="-342900">
+              <a:lnSpc>
+                <a:spcPct val="120000"/>
+              </a:lnSpc>
+              <a:spcBef>
+                <a:spcPts val="1000"/>
+              </a:spcBef>
+              <a:spcAft>
+                <a:spcPts val="600"/>
+              </a:spcAft>
+              <a:buClr>
+                <a:schemeClr val="accent3"/>
+              </a:buClr>
+              <a:buFont typeface="Arial" panose="020B0604020202020204" pitchFamily="34" charset="0"/>
+              <a:buChar char="•"/>
+              <a:defRPr sz="1600">
+                <a:solidFill>
+                  <a:schemeClr val="bg1"/>
+                </a:solidFill>
+                <a:latin typeface="+mn-lt"/>
+              </a:defRPr>
+            </a:lvl2pPr>
+            <a:lvl3pPr marL="1257300" indent="-342900">
+              <a:lnSpc>
+                <a:spcPct val="120000"/>
+              </a:lnSpc>
+              <a:spcBef>
+                <a:spcPts val="1000"/>
+              </a:spcBef>
+              <a:spcAft>
+                <a:spcPts val="600"/>
+              </a:spcAft>
+              <a:buClr>
+                <a:schemeClr val="accent3"/>
+              </a:buClr>
+              <a:buFont typeface="Arial" panose="020B0604020202020204" pitchFamily="34" charset="0"/>
+              <a:buChar char="•"/>
+              <a:defRPr sz="1400">
+                <a:solidFill>
+                  <a:schemeClr val="bg1"/>
+                </a:solidFill>
+                <a:latin typeface="+mn-lt"/>
+              </a:defRPr>
+            </a:lvl3pPr>
+            <a:lvl4pPr marL="1657350" indent="-285750">
+              <a:lnSpc>
+                <a:spcPct val="120000"/>
+              </a:lnSpc>
+              <a:spcBef>
+                <a:spcPts val="1000"/>
+              </a:spcBef>
+              <a:spcAft>
+                <a:spcPts val="600"/>
+              </a:spcAft>
+              <a:buClr>
+                <a:schemeClr val="accent3"/>
+              </a:buClr>
+              <a:buFont typeface="Arial" panose="020B0604020202020204" pitchFamily="34" charset="0"/>
+              <a:buChar char="•"/>
+              <a:defRPr sz="1200">
+                <a:solidFill>
+                  <a:schemeClr val="bg1"/>
+                </a:solidFill>
+                <a:latin typeface="+mn-lt"/>
+              </a:defRPr>
+            </a:lvl4pPr>
+            <a:lvl5pPr marL="2114550" indent="-285750">
+              <a:lnSpc>
+                <a:spcPct val="120000"/>
+              </a:lnSpc>
+              <a:spcBef>
+                <a:spcPts val="1000"/>
+              </a:spcBef>
+              <a:spcAft>
+                <a:spcPts val="600"/>
+              </a:spcAft>
+              <a:buClr>
+                <a:schemeClr val="accent3"/>
+              </a:buClr>
+              <a:buFont typeface="Arial" panose="020B0604020202020204" pitchFamily="34" charset="0"/>
+              <a:buChar char="•"/>
+              <a:defRPr sz="1200">
+                <a:solidFill>
+                  <a:schemeClr val="bg1"/>
+                </a:solidFill>
+                <a:latin typeface="+mn-lt"/>
+              </a:defRPr>
+            </a:lvl5pPr>
+          </a:lstStyle>
+          <a:p>
+            <a:pPr lvl="0"/>
+            <a:r>
+              <a:rPr lang="en-US" dirty="0"/>
+              <a:t>Click to add content</a:t>
+            </a:r>
+          </a:p>
+          <a:p>
+            <a:pPr lvl="1"/>
+            <a:r>
+              <a:rPr lang="en-US" dirty="0"/>
+              <a:t>Second level</a:t>
+            </a:r>
+          </a:p>
+          <a:p>
+            <a:pPr lvl="2"/>
+            <a:r>
+              <a:rPr lang="en-US" dirty="0"/>
+              <a:t>Third level</a:t>
+            </a:r>
+          </a:p>
+          <a:p>
+            <a:pPr lvl="3"/>
+            <a:r>
+              <a:rPr lang="en-US" dirty="0"/>
+              <a:t>Fourth level</a:t>
+            </a:r>
+          </a:p>
+          <a:p>
+            <a:pPr lvl="4"/>
+            <a:r>
+              <a:rPr lang="en-US" dirty="0"/>
+              <a:t>Fifth level</a:t>
+            </a:r>
+          </a:p>
+        </p:txBody>
+      </p:sp>
+      <p:sp>
+        <p:nvSpPr>
+          <p:cNvPr id="15" name="Footer Placeholder 4">
+            <a:extLst>
+              <a:ext uri="{FF2B5EF4-FFF2-40B4-BE49-F238E27FC236}">
+                <a16:creationId xmlns:a16="http://schemas.microsoft.com/office/drawing/2014/main" id="{B02A6961-FD29-3446-6A70-B0D4EE5D14C5}"/>
+              </a:ext>
+            </a:extLst>
+          </p:cNvPr>
+          <p:cNvSpPr>
+            <a:spLocks noGrp="1"/>
+          </p:cNvSpPr>
+          <p:nvPr>
+            <p:ph type="ftr" sz="quarter" idx="11"/>
+          </p:nvPr>
+        </p:nvSpPr>
+        <p:spPr>
+          <a:xfrm>
+            <a:off x="336405" y="6237287"/>
+            <a:ext cx="4114800" cy="365125"/>
+          </a:xfrm>
+        </p:spPr>
+        <p:txBody>
+          <a:bodyPr>
+            <a:noAutofit/>
+          </a:bodyPr>
+          <a:lstStyle>
+            <a:lvl1pPr algn="l">
+              <a:defRPr sz="1200" spc="0">
+                <a:solidFill>
+                  <a:schemeClr val="bg1"/>
+                </a:solidFill>
+              </a:defRPr>
+            </a:lvl1pPr>
+          </a:lstStyle>
+          <a:p>
+            <a:r>
+              <a:rPr lang="en-US" dirty="0"/>
+              <a:t>Presentation title</a:t>
+            </a:r>
+          </a:p>
+        </p:txBody>
+      </p:sp>
+      <p:sp>
+        <p:nvSpPr>
+          <p:cNvPr id="16" name="Slide Number Placeholder 5">
+            <a:extLst>
+              <a:ext uri="{FF2B5EF4-FFF2-40B4-BE49-F238E27FC236}">
+                <a16:creationId xmlns:a16="http://schemas.microsoft.com/office/drawing/2014/main" id="{68477A85-1CCD-1BF5-8FF0-11B80AE2F6FC}"/>
+              </a:ext>
+            </a:extLst>
+          </p:cNvPr>
+          <p:cNvSpPr>
+            <a:spLocks noGrp="1"/>
+          </p:cNvSpPr>
+          <p:nvPr>
+            <p:ph type="sldNum" sz="quarter" idx="12"/>
+          </p:nvPr>
+        </p:nvSpPr>
+        <p:spPr>
+          <a:xfrm>
+            <a:off x="9140971" y="6226198"/>
+            <a:ext cx="2743200" cy="365125"/>
+          </a:xfrm>
+        </p:spPr>
+        <p:txBody>
+          <a:bodyPr>
+            <a:noAutofit/>
+          </a:bodyPr>
+          <a:lstStyle>
+            <a:lvl1pPr>
+              <a:defRPr sz="1200">
+                <a:solidFill>
+                  <a:schemeClr val="bg1"/>
+                </a:solidFill>
+              </a:defRPr>
+            </a:lvl1pPr>
+          </a:lstStyle>
+          <a:p>
+            <a:fld id="{FE024F78-56A6-7740-B68D-8D4D026EDF3F}" type="slidenum">
+              <a:rPr lang="en-US" smtClean="0"/>
+              <a:pPr/>
+              <a:t>‹#›</a:t>
+            </a:fld>
+            <a:endParaRPr lang="en-US" dirty="0"/>
+          </a:p>
+        </p:txBody>
+      </p:sp>
+    </p:spTree>
+    <p:extLst>
+      <p:ext uri="{BB962C8B-B14F-4D97-AF65-F5344CB8AC3E}">
+        <p14:creationId xmlns:p14="http://schemas.microsoft.com/office/powerpoint/2010/main" val="2546975253"/>
+      </p:ext>
+    </p:extLst>
+  </p:cSld>
+  <p:clrMapOvr>
+    <a:masterClrMapping/>
+  </p:clrMapOvr>
+  <p:extLst>
+    <p:ext uri="{DCECCB84-F9BA-43D5-87BE-67443E8EF086}">
+      <p15:sldGuideLst xmlns:p15="http://schemas.microsoft.com/office/powerpoint/2012/main">
+        <p15:guide id="1" orient="horz" pos="2160" userDrawn="1">
+          <p15:clr>
+            <a:srgbClr val="FBAE40"/>
+          </p15:clr>
+        </p15:guide>
+        <p15:guide id="2" pos="3840" userDrawn="1">
+          <p15:clr>
+            <a:srgbClr val="FBAE40"/>
+          </p15:clr>
+        </p15:guide>
+      </p15:sldGuideLst>
+    </p:ext>
+  </p:extLst>
+</p:sldLayout>
+</file>
+
+<file path=ppt/slideLayouts/slideLayout8.xml><?xml version="1.0" encoding="utf-8"?>
 <p:sldLayout xmlns:a="http://schemas.openxmlformats.org/drawingml/2006/main" xmlns:r="http://schemas.openxmlformats.org/officeDocument/2006/relationships" xmlns:p="http://schemas.openxmlformats.org/presentationml/2006/main" preserve="1" userDrawn="1">
   <p:cSld name="3_Title and 2 column">
     <p:bg>
@@ -7668,7 +9046,7 @@
 </p:sldLayout>
 </file>
 
-<file path=ppt/slideLayouts/slideLayout8.xml><?xml version="1.0" encoding="utf-8"?>
+<file path=ppt/slideLayouts/slideLayout9.xml><?xml version="1.0" encoding="utf-8"?>
 <p:sldLayout xmlns:a="http://schemas.openxmlformats.org/drawingml/2006/main" xmlns:r="http://schemas.openxmlformats.org/officeDocument/2006/relationships" xmlns:p="http://schemas.openxmlformats.org/presentationml/2006/main" preserve="1" userDrawn="1">
   <p:cSld name="7_Title and 2 column">
     <p:bg>
@@ -8981,992 +10359,6 @@
 </p:sldLayout>
 </file>
 
-<file path=ppt/slideLayouts/slideLayout9.xml><?xml version="1.0" encoding="utf-8"?>
-<p:sldLayout xmlns:a="http://schemas.openxmlformats.org/drawingml/2006/main" xmlns:r="http://schemas.openxmlformats.org/officeDocument/2006/relationships" xmlns:p="http://schemas.openxmlformats.org/presentationml/2006/main" preserve="1" userDrawn="1">
-  <p:cSld name="8_Title and 2 column">
-    <p:bg>
-      <p:bgPr>
-        <a:gradFill>
-          <a:gsLst>
-            <a:gs pos="100000">
-              <a:schemeClr val="tx2"/>
-            </a:gs>
-            <a:gs pos="81000">
-              <a:schemeClr val="accent6"/>
-            </a:gs>
-            <a:gs pos="31000">
-              <a:srgbClr val="02090E"/>
-            </a:gs>
-            <a:gs pos="14000">
-              <a:schemeClr val="accent4">
-                <a:lumMod val="75000"/>
-              </a:schemeClr>
-            </a:gs>
-            <a:gs pos="0">
-              <a:schemeClr val="accent4"/>
-            </a:gs>
-          </a:gsLst>
-          <a:lin ang="7800000" scaled="0"/>
-        </a:gradFill>
-        <a:effectLst/>
-      </p:bgPr>
-    </p:bg>
-    <p:spTree>
-      <p:nvGrpSpPr>
-        <p:cNvPr id="1" name=""/>
-        <p:cNvGrpSpPr/>
-        <p:nvPr/>
-      </p:nvGrpSpPr>
-      <p:grpSpPr>
-        <a:xfrm>
-          <a:off x="0" y="0"/>
-          <a:ext cx="0" cy="0"/>
-          <a:chOff x="0" y="0"/>
-          <a:chExt cx="0" cy="0"/>
-        </a:xfrm>
-      </p:grpSpPr>
-      <p:sp>
-        <p:nvSpPr>
-          <p:cNvPr id="3" name="Rectangle 2">
-            <a:extLst>
-              <a:ext uri="{FF2B5EF4-FFF2-40B4-BE49-F238E27FC236}">
-                <a16:creationId xmlns:a16="http://schemas.microsoft.com/office/drawing/2014/main" id="{B3A7247A-846A-F316-B494-69B42CBF34DD}"/>
-              </a:ext>
-              <a:ext uri="{C183D7F6-B498-43B3-948B-1728B52AA6E4}">
-                <adec:decorative xmlns:adec="http://schemas.microsoft.com/office/drawing/2017/decorative" val="1"/>
-              </a:ext>
-            </a:extLst>
-          </p:cNvPr>
-          <p:cNvSpPr/>
-          <p:nvPr userDrawn="1"/>
-        </p:nvSpPr>
-        <p:spPr>
-          <a:xfrm>
-            <a:off x="321869" y="343814"/>
-            <a:ext cx="11550701" cy="6210605"/>
-          </a:xfrm>
-          <a:prstGeom prst="rect">
-            <a:avLst/>
-          </a:prstGeom>
-          <a:solidFill>
-            <a:schemeClr val="tx1">
-              <a:alpha val="70000"/>
-            </a:schemeClr>
-          </a:solidFill>
-          <a:ln>
-            <a:noFill/>
-          </a:ln>
-        </p:spPr>
-        <p:style>
-          <a:lnRef idx="2">
-            <a:schemeClr val="accent1">
-              <a:shade val="50000"/>
-            </a:schemeClr>
-          </a:lnRef>
-          <a:fillRef idx="1">
-            <a:schemeClr val="accent1"/>
-          </a:fillRef>
-          <a:effectRef idx="0">
-            <a:schemeClr val="accent1"/>
-          </a:effectRef>
-          <a:fontRef idx="minor">
-            <a:schemeClr val="lt1"/>
-          </a:fontRef>
-        </p:style>
-        <p:txBody>
-          <a:bodyPr rtlCol="0" anchor="ctr">
-            <a:noAutofit/>
-          </a:bodyPr>
-          <a:lstStyle/>
-          <a:p>
-            <a:pPr algn="ctr"/>
-            <a:endParaRPr lang="en-US" dirty="0"/>
-          </a:p>
-        </p:txBody>
-      </p:sp>
-      <p:cxnSp>
-        <p:nvCxnSpPr>
-          <p:cNvPr id="4" name="Straight Connector 3">
-            <a:extLst>
-              <a:ext uri="{FF2B5EF4-FFF2-40B4-BE49-F238E27FC236}">
-                <a16:creationId xmlns:a16="http://schemas.microsoft.com/office/drawing/2014/main" id="{884B3AF6-983E-0901-0045-6CDF4E93E1BA}"/>
-              </a:ext>
-              <a:ext uri="{C183D7F6-B498-43B3-948B-1728B52AA6E4}">
-                <adec:decorative xmlns:adec="http://schemas.microsoft.com/office/drawing/2017/decorative" val="1"/>
-              </a:ext>
-            </a:extLst>
-          </p:cNvPr>
-          <p:cNvCxnSpPr>
-            <a:cxnSpLocks/>
-          </p:cNvCxnSpPr>
-          <p:nvPr userDrawn="1"/>
-        </p:nvCxnSpPr>
-        <p:spPr>
-          <a:xfrm>
-            <a:off x="807039" y="1983705"/>
-            <a:ext cx="10435630" cy="0"/>
-          </a:xfrm>
-          <a:prstGeom prst="line">
-            <a:avLst/>
-          </a:prstGeom>
-          <a:ln w="25400">
-            <a:gradFill>
-              <a:gsLst>
-                <a:gs pos="0">
-                  <a:schemeClr val="accent4">
-                    <a:lumMod val="50000"/>
-                  </a:schemeClr>
-                </a:gs>
-                <a:gs pos="100000">
-                  <a:schemeClr val="accent6"/>
-                </a:gs>
-              </a:gsLst>
-              <a:lin ang="10800000" scaled="0"/>
-            </a:gradFill>
-          </a:ln>
-        </p:spPr>
-        <p:style>
-          <a:lnRef idx="1">
-            <a:schemeClr val="accent1"/>
-          </a:lnRef>
-          <a:fillRef idx="0">
-            <a:schemeClr val="accent1"/>
-          </a:fillRef>
-          <a:effectRef idx="0">
-            <a:schemeClr val="accent1"/>
-          </a:effectRef>
-          <a:fontRef idx="minor">
-            <a:schemeClr val="tx1"/>
-          </a:fontRef>
-        </p:style>
-      </p:cxnSp>
-      <p:grpSp>
-        <p:nvGrpSpPr>
-          <p:cNvPr id="9" name="Group 8">
-            <a:extLst>
-              <a:ext uri="{FF2B5EF4-FFF2-40B4-BE49-F238E27FC236}">
-                <a16:creationId xmlns:a16="http://schemas.microsoft.com/office/drawing/2014/main" id="{3C5B7647-403E-A66E-6CF4-0D3A99AA5154}"/>
-              </a:ext>
-              <a:ext uri="{C183D7F6-B498-43B3-948B-1728B52AA6E4}">
-                <adec:decorative xmlns:adec="http://schemas.microsoft.com/office/drawing/2017/decorative" val="1"/>
-              </a:ext>
-            </a:extLst>
-          </p:cNvPr>
-          <p:cNvGrpSpPr/>
-          <p:nvPr userDrawn="1"/>
-        </p:nvGrpSpPr>
-        <p:grpSpPr>
-          <a:xfrm rot="10800000" flipH="1">
-            <a:off x="10488530" y="4210019"/>
-            <a:ext cx="754139" cy="1865729"/>
-            <a:chOff x="653351" y="2693558"/>
-            <a:chExt cx="754139" cy="1865729"/>
-          </a:xfrm>
-        </p:grpSpPr>
-        <p:sp>
-          <p:nvSpPr>
-            <p:cNvPr id="10" name="Graphic 15">
-              <a:extLst>
-                <a:ext uri="{FF2B5EF4-FFF2-40B4-BE49-F238E27FC236}">
-                  <a16:creationId xmlns:a16="http://schemas.microsoft.com/office/drawing/2014/main" id="{E48E731E-FEF1-9C59-64B0-9CB6E8853912}"/>
-                </a:ext>
-                <a:ext uri="{C183D7F6-B498-43B3-948B-1728B52AA6E4}">
-                  <adec:decorative xmlns:adec="http://schemas.microsoft.com/office/drawing/2017/decorative" val="1"/>
-                </a:ext>
-              </a:extLst>
-            </p:cNvPr>
-            <p:cNvSpPr/>
-            <p:nvPr/>
-          </p:nvSpPr>
-          <p:spPr>
-            <a:xfrm>
-              <a:off x="1098137" y="2693558"/>
-              <a:ext cx="128016" cy="128016"/>
-            </a:xfrm>
-            <a:custGeom>
-              <a:avLst/>
-              <a:gdLst>
-                <a:gd name="connsiteX0" fmla="*/ 63857 w 127713"/>
-                <a:gd name="connsiteY0" fmla="*/ 18874 h 127713"/>
-                <a:gd name="connsiteX1" fmla="*/ 108839 w 127713"/>
-                <a:gd name="connsiteY1" fmla="*/ 63857 h 127713"/>
-                <a:gd name="connsiteX2" fmla="*/ 63857 w 127713"/>
-                <a:gd name="connsiteY2" fmla="*/ 108839 h 127713"/>
-                <a:gd name="connsiteX3" fmla="*/ 18874 w 127713"/>
-                <a:gd name="connsiteY3" fmla="*/ 63857 h 127713"/>
-                <a:gd name="connsiteX4" fmla="*/ 63857 w 127713"/>
-                <a:gd name="connsiteY4" fmla="*/ 18874 h 127713"/>
-                <a:gd name="connsiteX5" fmla="*/ 63857 w 127713"/>
-                <a:gd name="connsiteY5" fmla="*/ 0 h 127713"/>
-                <a:gd name="connsiteX6" fmla="*/ 0 w 127713"/>
-                <a:gd name="connsiteY6" fmla="*/ 63857 h 127713"/>
-                <a:gd name="connsiteX7" fmla="*/ 63857 w 127713"/>
-                <a:gd name="connsiteY7" fmla="*/ 127713 h 127713"/>
-                <a:gd name="connsiteX8" fmla="*/ 127713 w 127713"/>
-                <a:gd name="connsiteY8" fmla="*/ 63857 h 127713"/>
-                <a:gd name="connsiteX9" fmla="*/ 63857 w 127713"/>
-                <a:gd name="connsiteY9" fmla="*/ 0 h 127713"/>
-              </a:gdLst>
-              <a:ahLst/>
-              <a:cxnLst>
-                <a:cxn ang="0">
-                  <a:pos x="connsiteX0" y="connsiteY0"/>
-                </a:cxn>
-                <a:cxn ang="0">
-                  <a:pos x="connsiteX1" y="connsiteY1"/>
-                </a:cxn>
-                <a:cxn ang="0">
-                  <a:pos x="connsiteX2" y="connsiteY2"/>
-                </a:cxn>
-                <a:cxn ang="0">
-                  <a:pos x="connsiteX3" y="connsiteY3"/>
-                </a:cxn>
-                <a:cxn ang="0">
-                  <a:pos x="connsiteX4" y="connsiteY4"/>
-                </a:cxn>
-                <a:cxn ang="0">
-                  <a:pos x="connsiteX5" y="connsiteY5"/>
-                </a:cxn>
-                <a:cxn ang="0">
-                  <a:pos x="connsiteX6" y="connsiteY6"/>
-                </a:cxn>
-                <a:cxn ang="0">
-                  <a:pos x="connsiteX7" y="connsiteY7"/>
-                </a:cxn>
-                <a:cxn ang="0">
-                  <a:pos x="connsiteX8" y="connsiteY8"/>
-                </a:cxn>
-                <a:cxn ang="0">
-                  <a:pos x="connsiteX9" y="connsiteY9"/>
-                </a:cxn>
-              </a:cxnLst>
-              <a:rect l="l" t="t" r="r" b="b"/>
-              <a:pathLst>
-                <a:path w="127713" h="127713">
-                  <a:moveTo>
-                    <a:pt x="63857" y="18874"/>
-                  </a:moveTo>
-                  <a:cubicBezTo>
-                    <a:pt x="88700" y="18874"/>
-                    <a:pt x="108839" y="39013"/>
-                    <a:pt x="108839" y="63857"/>
-                  </a:cubicBezTo>
-                  <a:cubicBezTo>
-                    <a:pt x="108839" y="88700"/>
-                    <a:pt x="88700" y="108839"/>
-                    <a:pt x="63857" y="108839"/>
-                  </a:cubicBezTo>
-                  <a:cubicBezTo>
-                    <a:pt x="39013" y="108839"/>
-                    <a:pt x="18874" y="88700"/>
-                    <a:pt x="18874" y="63857"/>
-                  </a:cubicBezTo>
-                  <a:cubicBezTo>
-                    <a:pt x="18898" y="39023"/>
-                    <a:pt x="39023" y="18898"/>
-                    <a:pt x="63857" y="18874"/>
-                  </a:cubicBezTo>
-                  <a:moveTo>
-                    <a:pt x="63857" y="0"/>
-                  </a:moveTo>
-                  <a:cubicBezTo>
-                    <a:pt x="28590" y="0"/>
-                    <a:pt x="0" y="28590"/>
-                    <a:pt x="0" y="63857"/>
-                  </a:cubicBezTo>
-                  <a:cubicBezTo>
-                    <a:pt x="0" y="99124"/>
-                    <a:pt x="28590" y="127713"/>
-                    <a:pt x="63857" y="127713"/>
-                  </a:cubicBezTo>
-                  <a:cubicBezTo>
-                    <a:pt x="99124" y="127713"/>
-                    <a:pt x="127713" y="99124"/>
-                    <a:pt x="127713" y="63857"/>
-                  </a:cubicBezTo>
-                  <a:cubicBezTo>
-                    <a:pt x="127713" y="28590"/>
-                    <a:pt x="99124" y="0"/>
-                    <a:pt x="63857" y="0"/>
-                  </a:cubicBezTo>
-                  <a:close/>
-                </a:path>
-              </a:pathLst>
-            </a:custGeom>
-            <a:solidFill>
-              <a:schemeClr val="accent4">
-                <a:lumMod val="60000"/>
-                <a:lumOff val="40000"/>
-                <a:alpha val="49071"/>
-              </a:schemeClr>
-            </a:solidFill>
-            <a:ln w="610" cap="flat">
-              <a:noFill/>
-              <a:prstDash val="solid"/>
-              <a:miter/>
-            </a:ln>
-          </p:spPr>
-          <p:txBody>
-            <a:bodyPr rtlCol="0" anchor="ctr">
-              <a:noAutofit/>
-            </a:bodyPr>
-            <a:lstStyle/>
-            <a:p>
-              <a:endParaRPr lang="en-US" dirty="0"/>
-            </a:p>
-          </p:txBody>
-        </p:sp>
-        <p:sp>
-          <p:nvSpPr>
-            <p:cNvPr id="11" name="Graphic 12">
-              <a:extLst>
-                <a:ext uri="{FF2B5EF4-FFF2-40B4-BE49-F238E27FC236}">
-                  <a16:creationId xmlns:a16="http://schemas.microsoft.com/office/drawing/2014/main" id="{AFE83BB3-4D12-8E20-CA93-1834D7F0A434}"/>
-                </a:ext>
-                <a:ext uri="{C183D7F6-B498-43B3-948B-1728B52AA6E4}">
-                  <adec:decorative xmlns:adec="http://schemas.microsoft.com/office/drawing/2017/decorative" val="1"/>
-                </a:ext>
-              </a:extLst>
-            </p:cNvPr>
-            <p:cNvSpPr/>
-            <p:nvPr/>
-          </p:nvSpPr>
-          <p:spPr>
-            <a:xfrm>
-              <a:off x="1306906" y="3837599"/>
-              <a:ext cx="100584" cy="100584"/>
-            </a:xfrm>
-            <a:custGeom>
-              <a:avLst/>
-              <a:gdLst>
-                <a:gd name="connsiteX0" fmla="*/ 91138 w 91138"/>
-                <a:gd name="connsiteY0" fmla="*/ 45569 h 91138"/>
-                <a:gd name="connsiteX1" fmla="*/ 45569 w 91138"/>
-                <a:gd name="connsiteY1" fmla="*/ 91138 h 91138"/>
-                <a:gd name="connsiteX2" fmla="*/ 0 w 91138"/>
-                <a:gd name="connsiteY2" fmla="*/ 45569 h 91138"/>
-                <a:gd name="connsiteX3" fmla="*/ 45569 w 91138"/>
-                <a:gd name="connsiteY3" fmla="*/ 0 h 91138"/>
-                <a:gd name="connsiteX4" fmla="*/ 91138 w 91138"/>
-                <a:gd name="connsiteY4" fmla="*/ 45569 h 91138"/>
-              </a:gdLst>
-              <a:ahLst/>
-              <a:cxnLst>
-                <a:cxn ang="0">
-                  <a:pos x="connsiteX0" y="connsiteY0"/>
-                </a:cxn>
-                <a:cxn ang="0">
-                  <a:pos x="connsiteX1" y="connsiteY1"/>
-                </a:cxn>
-                <a:cxn ang="0">
-                  <a:pos x="connsiteX2" y="connsiteY2"/>
-                </a:cxn>
-                <a:cxn ang="0">
-                  <a:pos x="connsiteX3" y="connsiteY3"/>
-                </a:cxn>
-                <a:cxn ang="0">
-                  <a:pos x="connsiteX4" y="connsiteY4"/>
-                </a:cxn>
-              </a:cxnLst>
-              <a:rect l="l" t="t" r="r" b="b"/>
-              <a:pathLst>
-                <a:path w="91138" h="91138">
-                  <a:moveTo>
-                    <a:pt x="91138" y="45569"/>
-                  </a:moveTo>
-                  <a:cubicBezTo>
-                    <a:pt x="91138" y="70736"/>
-                    <a:pt x="70736" y="91138"/>
-                    <a:pt x="45569" y="91138"/>
-                  </a:cubicBezTo>
-                  <a:cubicBezTo>
-                    <a:pt x="20402" y="91138"/>
-                    <a:pt x="0" y="70736"/>
-                    <a:pt x="0" y="45569"/>
-                  </a:cubicBezTo>
-                  <a:cubicBezTo>
-                    <a:pt x="0" y="20402"/>
-                    <a:pt x="20402" y="0"/>
-                    <a:pt x="45569" y="0"/>
-                  </a:cubicBezTo>
-                  <a:cubicBezTo>
-                    <a:pt x="70736" y="0"/>
-                    <a:pt x="91138" y="20402"/>
-                    <a:pt x="91138" y="45569"/>
-                  </a:cubicBezTo>
-                  <a:close/>
-                </a:path>
-              </a:pathLst>
-            </a:custGeom>
-            <a:solidFill>
-              <a:schemeClr val="accent4">
-                <a:lumMod val="60000"/>
-                <a:lumOff val="40000"/>
-                <a:alpha val="49071"/>
-              </a:schemeClr>
-            </a:solidFill>
-            <a:ln w="422" cap="flat">
-              <a:noFill/>
-              <a:prstDash val="solid"/>
-              <a:miter/>
-            </a:ln>
-          </p:spPr>
-          <p:txBody>
-            <a:bodyPr rtlCol="0" anchor="ctr">
-              <a:noAutofit/>
-            </a:bodyPr>
-            <a:lstStyle/>
-            <a:p>
-              <a:endParaRPr lang="en-US" dirty="0"/>
-            </a:p>
-          </p:txBody>
-        </p:sp>
-        <p:sp>
-          <p:nvSpPr>
-            <p:cNvPr id="12" name="Graphic 12">
-              <a:extLst>
-                <a:ext uri="{FF2B5EF4-FFF2-40B4-BE49-F238E27FC236}">
-                  <a16:creationId xmlns:a16="http://schemas.microsoft.com/office/drawing/2014/main" id="{3EB1D810-BC05-6C0E-0DE4-3604EBAADCC3}"/>
-                </a:ext>
-                <a:ext uri="{C183D7F6-B498-43B3-948B-1728B52AA6E4}">
-                  <adec:decorative xmlns:adec="http://schemas.microsoft.com/office/drawing/2017/decorative" val="1"/>
-                </a:ext>
-              </a:extLst>
-            </p:cNvPr>
-            <p:cNvSpPr/>
-            <p:nvPr/>
-          </p:nvSpPr>
-          <p:spPr>
-            <a:xfrm>
-              <a:off x="653351" y="4521502"/>
-              <a:ext cx="45719" cy="37785"/>
-            </a:xfrm>
-            <a:custGeom>
-              <a:avLst/>
-              <a:gdLst>
-                <a:gd name="connsiteX0" fmla="*/ 91138 w 91138"/>
-                <a:gd name="connsiteY0" fmla="*/ 45569 h 91138"/>
-                <a:gd name="connsiteX1" fmla="*/ 45569 w 91138"/>
-                <a:gd name="connsiteY1" fmla="*/ 91138 h 91138"/>
-                <a:gd name="connsiteX2" fmla="*/ 0 w 91138"/>
-                <a:gd name="connsiteY2" fmla="*/ 45569 h 91138"/>
-                <a:gd name="connsiteX3" fmla="*/ 45569 w 91138"/>
-                <a:gd name="connsiteY3" fmla="*/ 0 h 91138"/>
-                <a:gd name="connsiteX4" fmla="*/ 91138 w 91138"/>
-                <a:gd name="connsiteY4" fmla="*/ 45569 h 91138"/>
-              </a:gdLst>
-              <a:ahLst/>
-              <a:cxnLst>
-                <a:cxn ang="0">
-                  <a:pos x="connsiteX0" y="connsiteY0"/>
-                </a:cxn>
-                <a:cxn ang="0">
-                  <a:pos x="connsiteX1" y="connsiteY1"/>
-                </a:cxn>
-                <a:cxn ang="0">
-                  <a:pos x="connsiteX2" y="connsiteY2"/>
-                </a:cxn>
-                <a:cxn ang="0">
-                  <a:pos x="connsiteX3" y="connsiteY3"/>
-                </a:cxn>
-                <a:cxn ang="0">
-                  <a:pos x="connsiteX4" y="connsiteY4"/>
-                </a:cxn>
-              </a:cxnLst>
-              <a:rect l="l" t="t" r="r" b="b"/>
-              <a:pathLst>
-                <a:path w="91138" h="91138">
-                  <a:moveTo>
-                    <a:pt x="91138" y="45569"/>
-                  </a:moveTo>
-                  <a:cubicBezTo>
-                    <a:pt x="91138" y="70736"/>
-                    <a:pt x="70736" y="91138"/>
-                    <a:pt x="45569" y="91138"/>
-                  </a:cubicBezTo>
-                  <a:cubicBezTo>
-                    <a:pt x="20402" y="91138"/>
-                    <a:pt x="0" y="70736"/>
-                    <a:pt x="0" y="45569"/>
-                  </a:cubicBezTo>
-                  <a:cubicBezTo>
-                    <a:pt x="0" y="20402"/>
-                    <a:pt x="20402" y="0"/>
-                    <a:pt x="45569" y="0"/>
-                  </a:cubicBezTo>
-                  <a:cubicBezTo>
-                    <a:pt x="70736" y="0"/>
-                    <a:pt x="91138" y="20402"/>
-                    <a:pt x="91138" y="45569"/>
-                  </a:cubicBezTo>
-                  <a:close/>
-                </a:path>
-              </a:pathLst>
-            </a:custGeom>
-            <a:solidFill>
-              <a:schemeClr val="accent4">
-                <a:lumMod val="60000"/>
-                <a:lumOff val="40000"/>
-                <a:alpha val="49071"/>
-              </a:schemeClr>
-            </a:solidFill>
-            <a:ln w="422" cap="flat">
-              <a:noFill/>
-              <a:prstDash val="solid"/>
-              <a:miter/>
-            </a:ln>
-          </p:spPr>
-          <p:txBody>
-            <a:bodyPr rtlCol="0" anchor="ctr">
-              <a:noAutofit/>
-            </a:bodyPr>
-            <a:lstStyle/>
-            <a:p>
-              <a:endParaRPr lang="en-US" dirty="0"/>
-            </a:p>
-          </p:txBody>
-        </p:sp>
-      </p:grpSp>
-      <p:sp>
-        <p:nvSpPr>
-          <p:cNvPr id="2" name="Title 1">
-            <a:extLst>
-              <a:ext uri="{FF2B5EF4-FFF2-40B4-BE49-F238E27FC236}">
-                <a16:creationId xmlns:a16="http://schemas.microsoft.com/office/drawing/2014/main" id="{DF8070BB-B3B5-3A8A-2466-D661C741794F}"/>
-              </a:ext>
-            </a:extLst>
-          </p:cNvPr>
-          <p:cNvSpPr>
-            <a:spLocks noGrp="1"/>
-          </p:cNvSpPr>
-          <p:nvPr>
-            <p:ph type="title" hasCustomPrompt="1"/>
-          </p:nvPr>
-        </p:nvSpPr>
-        <p:spPr>
-          <a:xfrm>
-            <a:off x="741680" y="430482"/>
-            <a:ext cx="10500989" cy="1327464"/>
-          </a:xfrm>
-        </p:spPr>
-        <p:txBody>
-          <a:bodyPr anchor="b">
-            <a:noAutofit/>
-          </a:bodyPr>
-          <a:lstStyle>
-            <a:lvl1pPr algn="l">
-              <a:defRPr sz="3200" cap="all" spc="0" baseline="0">
-                <a:solidFill>
-                  <a:schemeClr val="accent3">
-                    <a:lumMod val="75000"/>
-                  </a:schemeClr>
-                </a:solidFill>
-              </a:defRPr>
-            </a:lvl1pPr>
-          </a:lstStyle>
-          <a:p>
-            <a:r>
-              <a:rPr lang="en-US" dirty="0"/>
-              <a:t>Click to add title</a:t>
-            </a:r>
-          </a:p>
-        </p:txBody>
-      </p:sp>
-      <p:sp>
-        <p:nvSpPr>
-          <p:cNvPr id="5" name="Content Placeholder 4">
-            <a:extLst>
-              <a:ext uri="{FF2B5EF4-FFF2-40B4-BE49-F238E27FC236}">
-                <a16:creationId xmlns:a16="http://schemas.microsoft.com/office/drawing/2014/main" id="{A2003C5A-BF21-DE87-0ED1-3E2D0F32B5D8}"/>
-              </a:ext>
-            </a:extLst>
-          </p:cNvPr>
-          <p:cNvSpPr>
-            <a:spLocks noGrp="1"/>
-          </p:cNvSpPr>
-          <p:nvPr>
-            <p:ph sz="quarter" idx="35" hasCustomPrompt="1"/>
-          </p:nvPr>
-        </p:nvSpPr>
-        <p:spPr>
-          <a:xfrm>
-            <a:off x="807038" y="2465539"/>
-            <a:ext cx="3774587" cy="3723753"/>
-          </a:xfrm>
-        </p:spPr>
-        <p:txBody>
-          <a:bodyPr/>
-          <a:lstStyle>
-            <a:lvl1pPr marL="342900" indent="-342900">
-              <a:lnSpc>
-                <a:spcPct val="120000"/>
-              </a:lnSpc>
-              <a:spcBef>
-                <a:spcPts val="1000"/>
-              </a:spcBef>
-              <a:buClr>
-                <a:schemeClr val="accent3">
-                  <a:lumMod val="75000"/>
-                </a:schemeClr>
-              </a:buClr>
-              <a:buFont typeface="+mj-lt"/>
-              <a:buAutoNum type="arabicPeriod"/>
-              <a:defRPr sz="1800" spc="0" baseline="0">
-                <a:solidFill>
-                  <a:schemeClr val="bg1"/>
-                </a:solidFill>
-                <a:latin typeface="+mn-lt"/>
-              </a:defRPr>
-            </a:lvl1pPr>
-            <a:lvl2pPr marL="626364" indent="-342900">
-              <a:lnSpc>
-                <a:spcPct val="120000"/>
-              </a:lnSpc>
-              <a:spcBef>
-                <a:spcPts val="1000"/>
-              </a:spcBef>
-              <a:buClr>
-                <a:schemeClr val="accent3">
-                  <a:lumMod val="75000"/>
-                </a:schemeClr>
-              </a:buClr>
-              <a:buFont typeface="+mj-lt"/>
-              <a:buAutoNum type="alphaLcPeriod"/>
-              <a:defRPr sz="1800" spc="0">
-                <a:solidFill>
-                  <a:schemeClr val="bg1"/>
-                </a:solidFill>
-                <a:latin typeface="+mn-lt"/>
-              </a:defRPr>
-            </a:lvl2pPr>
-            <a:lvl3pPr marL="918972" indent="-342900">
-              <a:lnSpc>
-                <a:spcPct val="120000"/>
-              </a:lnSpc>
-              <a:spcBef>
-                <a:spcPts val="1000"/>
-              </a:spcBef>
-              <a:buClr>
-                <a:schemeClr val="accent3">
-                  <a:lumMod val="75000"/>
-                </a:schemeClr>
-              </a:buClr>
-              <a:buFont typeface="+mj-lt"/>
-              <a:buAutoNum type="arabicParenR"/>
-              <a:defRPr sz="1800" spc="0">
-                <a:solidFill>
-                  <a:schemeClr val="bg1"/>
-                </a:solidFill>
-                <a:latin typeface="+mn-lt"/>
-              </a:defRPr>
-            </a:lvl3pPr>
-            <a:lvl4pPr marL="1209294" indent="-342900">
-              <a:lnSpc>
-                <a:spcPct val="120000"/>
-              </a:lnSpc>
-              <a:spcBef>
-                <a:spcPts val="1000"/>
-              </a:spcBef>
-              <a:buClr>
-                <a:schemeClr val="accent3">
-                  <a:lumMod val="75000"/>
-                </a:schemeClr>
-              </a:buClr>
-              <a:buFont typeface="+mj-lt"/>
-              <a:buAutoNum type="alphaLcParenR"/>
-              <a:defRPr sz="1800" spc="0">
-                <a:solidFill>
-                  <a:schemeClr val="bg1"/>
-                </a:solidFill>
-                <a:latin typeface="+mn-lt"/>
-              </a:defRPr>
-            </a:lvl4pPr>
-          </a:lstStyle>
-          <a:p>
-            <a:pPr lvl="0"/>
-            <a:r>
-              <a:rPr lang="en-US" dirty="0"/>
-              <a:t>Click to add content</a:t>
-            </a:r>
-          </a:p>
-          <a:p>
-            <a:pPr lvl="1"/>
-            <a:r>
-              <a:rPr lang="en-US" dirty="0"/>
-              <a:t>Second level</a:t>
-            </a:r>
-          </a:p>
-          <a:p>
-            <a:pPr lvl="2"/>
-            <a:r>
-              <a:rPr lang="en-US" dirty="0"/>
-              <a:t>Third level</a:t>
-            </a:r>
-          </a:p>
-          <a:p>
-            <a:pPr lvl="3"/>
-            <a:r>
-              <a:rPr lang="en-US" dirty="0"/>
-              <a:t>Fourth level</a:t>
-            </a:r>
-          </a:p>
-        </p:txBody>
-      </p:sp>
-      <p:sp>
-        <p:nvSpPr>
-          <p:cNvPr id="19" name="Content Placeholder 4">
-            <a:extLst>
-              <a:ext uri="{FF2B5EF4-FFF2-40B4-BE49-F238E27FC236}">
-                <a16:creationId xmlns:a16="http://schemas.microsoft.com/office/drawing/2014/main" id="{39870F08-C2AE-9AF7-58DE-EEA8A48BEDA9}"/>
-              </a:ext>
-            </a:extLst>
-          </p:cNvPr>
-          <p:cNvSpPr>
-            <a:spLocks noGrp="1"/>
-          </p:cNvSpPr>
-          <p:nvPr>
-            <p:ph sz="quarter" idx="36" hasCustomPrompt="1"/>
-          </p:nvPr>
-        </p:nvSpPr>
-        <p:spPr>
-          <a:xfrm>
-            <a:off x="4927600" y="2465539"/>
-            <a:ext cx="6315069" cy="3723753"/>
-          </a:xfrm>
-        </p:spPr>
-        <p:txBody>
-          <a:bodyPr/>
-          <a:lstStyle>
-            <a:lvl1pPr marL="0" indent="0">
-              <a:lnSpc>
-                <a:spcPct val="120000"/>
-              </a:lnSpc>
-              <a:spcBef>
-                <a:spcPts val="1000"/>
-              </a:spcBef>
-              <a:buClr>
-                <a:schemeClr val="accent6"/>
-              </a:buClr>
-              <a:buFont typeface="Arial" panose="020B0604020202020204" pitchFamily="34" charset="0"/>
-              <a:buNone/>
-              <a:defRPr sz="1800" spc="0" baseline="0">
-                <a:solidFill>
-                  <a:schemeClr val="bg1"/>
-                </a:solidFill>
-                <a:latin typeface="+mn-lt"/>
-              </a:defRPr>
-            </a:lvl1pPr>
-            <a:lvl2pPr marL="283464" indent="-285750">
-              <a:lnSpc>
-                <a:spcPct val="120000"/>
-              </a:lnSpc>
-              <a:spcBef>
-                <a:spcPts val="1000"/>
-              </a:spcBef>
-              <a:buClr>
-                <a:schemeClr val="accent3">
-                  <a:lumMod val="75000"/>
-                </a:schemeClr>
-              </a:buClr>
-              <a:buFont typeface="Arial" panose="020B0604020202020204" pitchFamily="34" charset="0"/>
-              <a:buChar char="•"/>
-              <a:defRPr sz="1800" spc="0">
-                <a:solidFill>
-                  <a:schemeClr val="bg1"/>
-                </a:solidFill>
-                <a:latin typeface="+mn-lt"/>
-              </a:defRPr>
-            </a:lvl2pPr>
-            <a:lvl3pPr marL="566928" indent="-285750">
-              <a:lnSpc>
-                <a:spcPct val="120000"/>
-              </a:lnSpc>
-              <a:spcBef>
-                <a:spcPts val="1000"/>
-              </a:spcBef>
-              <a:buClr>
-                <a:schemeClr val="accent3">
-                  <a:lumMod val="75000"/>
-                </a:schemeClr>
-              </a:buClr>
-              <a:buFont typeface="Arial" panose="020B0604020202020204" pitchFamily="34" charset="0"/>
-              <a:buChar char="•"/>
-              <a:defRPr sz="1800" spc="0">
-                <a:solidFill>
-                  <a:schemeClr val="bg1"/>
-                </a:solidFill>
-                <a:latin typeface="+mn-lt"/>
-              </a:defRPr>
-            </a:lvl3pPr>
-            <a:lvl4pPr marL="859536" indent="-285750">
-              <a:lnSpc>
-                <a:spcPct val="120000"/>
-              </a:lnSpc>
-              <a:spcBef>
-                <a:spcPts val="1000"/>
-              </a:spcBef>
-              <a:buClr>
-                <a:schemeClr val="accent3">
-                  <a:lumMod val="75000"/>
-                </a:schemeClr>
-              </a:buClr>
-              <a:buFont typeface="Arial" panose="020B0604020202020204" pitchFamily="34" charset="0"/>
-              <a:buChar char="•"/>
-              <a:defRPr sz="1800" spc="0">
-                <a:solidFill>
-                  <a:schemeClr val="bg1"/>
-                </a:solidFill>
-                <a:latin typeface="+mn-lt"/>
-              </a:defRPr>
-            </a:lvl4pPr>
-          </a:lstStyle>
-          <a:p>
-            <a:pPr lvl="0"/>
-            <a:r>
-              <a:rPr lang="en-US" dirty="0"/>
-              <a:t>Click to add content</a:t>
-            </a:r>
-          </a:p>
-          <a:p>
-            <a:pPr lvl="1"/>
-            <a:r>
-              <a:rPr lang="en-US" dirty="0"/>
-              <a:t>Second level</a:t>
-            </a:r>
-          </a:p>
-          <a:p>
-            <a:pPr lvl="2"/>
-            <a:r>
-              <a:rPr lang="en-US" dirty="0"/>
-              <a:t>Third level</a:t>
-            </a:r>
-          </a:p>
-          <a:p>
-            <a:pPr lvl="3"/>
-            <a:r>
-              <a:rPr lang="en-US" dirty="0"/>
-              <a:t>Fourth level</a:t>
-            </a:r>
-          </a:p>
-        </p:txBody>
-      </p:sp>
-      <p:sp>
-        <p:nvSpPr>
-          <p:cNvPr id="15" name="Footer Placeholder 4">
-            <a:extLst>
-              <a:ext uri="{FF2B5EF4-FFF2-40B4-BE49-F238E27FC236}">
-                <a16:creationId xmlns:a16="http://schemas.microsoft.com/office/drawing/2014/main" id="{B02A6961-FD29-3446-6A70-B0D4EE5D14C5}"/>
-              </a:ext>
-            </a:extLst>
-          </p:cNvPr>
-          <p:cNvSpPr>
-            <a:spLocks noGrp="1"/>
-          </p:cNvSpPr>
-          <p:nvPr>
-            <p:ph type="ftr" sz="quarter" idx="11"/>
-          </p:nvPr>
-        </p:nvSpPr>
-        <p:spPr>
-          <a:xfrm>
-            <a:off x="336405" y="6237287"/>
-            <a:ext cx="4114800" cy="365125"/>
-          </a:xfrm>
-        </p:spPr>
-        <p:txBody>
-          <a:bodyPr>
-            <a:noAutofit/>
-          </a:bodyPr>
-          <a:lstStyle>
-            <a:lvl1pPr algn="l">
-              <a:defRPr sz="1200" spc="0">
-                <a:solidFill>
-                  <a:schemeClr val="bg1"/>
-                </a:solidFill>
-              </a:defRPr>
-            </a:lvl1pPr>
-          </a:lstStyle>
-          <a:p>
-            <a:r>
-              <a:rPr lang="en-US" dirty="0"/>
-              <a:t>Presentation title</a:t>
-            </a:r>
-          </a:p>
-        </p:txBody>
-      </p:sp>
-      <p:sp>
-        <p:nvSpPr>
-          <p:cNvPr id="16" name="Slide Number Placeholder 5">
-            <a:extLst>
-              <a:ext uri="{FF2B5EF4-FFF2-40B4-BE49-F238E27FC236}">
-                <a16:creationId xmlns:a16="http://schemas.microsoft.com/office/drawing/2014/main" id="{68477A85-1CCD-1BF5-8FF0-11B80AE2F6FC}"/>
-              </a:ext>
-            </a:extLst>
-          </p:cNvPr>
-          <p:cNvSpPr>
-            <a:spLocks noGrp="1"/>
-          </p:cNvSpPr>
-          <p:nvPr>
-            <p:ph type="sldNum" sz="quarter" idx="12"/>
-          </p:nvPr>
-        </p:nvSpPr>
-        <p:spPr>
-          <a:xfrm>
-            <a:off x="9140971" y="6226198"/>
-            <a:ext cx="2743200" cy="365125"/>
-          </a:xfrm>
-        </p:spPr>
-        <p:txBody>
-          <a:bodyPr>
-            <a:noAutofit/>
-          </a:bodyPr>
-          <a:lstStyle>
-            <a:lvl1pPr>
-              <a:defRPr sz="1200">
-                <a:solidFill>
-                  <a:schemeClr val="bg1"/>
-                </a:solidFill>
-              </a:defRPr>
-            </a:lvl1pPr>
-          </a:lstStyle>
-          <a:p>
-            <a:fld id="{FE024F78-56A6-7740-B68D-8D4D026EDF3F}" type="slidenum">
-              <a:rPr lang="en-US" smtClean="0"/>
-              <a:pPr/>
-              <a:t>‹#›</a:t>
-            </a:fld>
-            <a:endParaRPr lang="en-US" dirty="0"/>
-          </a:p>
-        </p:txBody>
-      </p:sp>
-    </p:spTree>
-    <p:extLst>
-      <p:ext uri="{BB962C8B-B14F-4D97-AF65-F5344CB8AC3E}">
-        <p14:creationId xmlns:p14="http://schemas.microsoft.com/office/powerpoint/2010/main" val="966222750"/>
-      </p:ext>
-    </p:extLst>
-  </p:cSld>
-  <p:clrMapOvr>
-    <a:masterClrMapping/>
-  </p:clrMapOvr>
-  <p:extLst>
-    <p:ext uri="{DCECCB84-F9BA-43D5-87BE-67443E8EF086}">
-      <p15:sldGuideLst xmlns:p15="http://schemas.microsoft.com/office/powerpoint/2012/main">
-        <p15:guide id="1" orient="horz" pos="2160" userDrawn="1">
-          <p15:clr>
-            <a:srgbClr val="FBAE40"/>
-          </p15:clr>
-        </p15:guide>
-        <p15:guide id="2" pos="3840" userDrawn="1">
-          <p15:clr>
-            <a:srgbClr val="FBAE40"/>
-          </p15:clr>
-        </p15:guide>
-      </p15:sldGuideLst>
-    </p:ext>
-  </p:extLst>
-</p:sldLayout>
-</file>
-
 <file path=ppt/slideMasters/slideMaster1.xml><?xml version="1.0" encoding="utf-8"?>
 <p:sldMaster xmlns:a="http://schemas.openxmlformats.org/drawingml/2006/main" xmlns:r="http://schemas.openxmlformats.org/officeDocument/2006/relationships" xmlns:p="http://schemas.openxmlformats.org/presentationml/2006/main">
   <p:cSld>
@@ -10265,14 +10657,15 @@
     <p:sldLayoutId id="2147483672" r:id="rId4"/>
     <p:sldLayoutId id="2147483673" r:id="rId5"/>
     <p:sldLayoutId id="2147483674" r:id="rId6"/>
-    <p:sldLayoutId id="2147483671" r:id="rId7"/>
-    <p:sldLayoutId id="2147483675" r:id="rId8"/>
-    <p:sldLayoutId id="2147483676" r:id="rId9"/>
-    <p:sldLayoutId id="2147483670" r:id="rId10"/>
-    <p:sldLayoutId id="2147483677" r:id="rId11"/>
-    <p:sldLayoutId id="2147483678" r:id="rId12"/>
-    <p:sldLayoutId id="2147483664" r:id="rId13"/>
-    <p:sldLayoutId id="2147483663" r:id="rId14"/>
+    <p:sldLayoutId id="2147483680" r:id="rId7"/>
+    <p:sldLayoutId id="2147483671" r:id="rId8"/>
+    <p:sldLayoutId id="2147483675" r:id="rId9"/>
+    <p:sldLayoutId id="2147483676" r:id="rId10"/>
+    <p:sldLayoutId id="2147483670" r:id="rId11"/>
+    <p:sldLayoutId id="2147483677" r:id="rId12"/>
+    <p:sldLayoutId id="2147483678" r:id="rId13"/>
+    <p:sldLayoutId id="2147483664" r:id="rId14"/>
+    <p:sldLayoutId id="2147483663" r:id="rId15"/>
   </p:sldLayoutIdLst>
   <p:hf hdr="0" ftr="0" dt="0"/>
   <p:txStyles>
@@ -10691,69 +11084,10 @@
       </p:grpSpPr>
       <p:sp>
         <p:nvSpPr>
-          <p:cNvPr id="3" name="Rectangle 2" hidden="1">
+          <p:cNvPr id="2" name="Title 1">
             <a:extLst>
               <a:ext uri="{FF2B5EF4-FFF2-40B4-BE49-F238E27FC236}">
-                <a16:creationId xmlns:a16="http://schemas.microsoft.com/office/drawing/2014/main" id="{8692FC88-DAD7-F5AD-7831-DE54322108F6}"/>
-              </a:ext>
-              <a:ext uri="{C183D7F6-B498-43B3-948B-1728B52AA6E4}">
-                <adec:decorative xmlns:adec="http://schemas.microsoft.com/office/drawing/2017/decorative" val="1"/>
-              </a:ext>
-            </a:extLst>
-          </p:cNvPr>
-          <p:cNvSpPr/>
-          <p:nvPr/>
-        </p:nvSpPr>
-        <p:spPr>
-          <a:xfrm>
-            <a:off x="1" y="2"/>
-            <a:ext cx="12227942" cy="6857997"/>
-          </a:xfrm>
-          <a:prstGeom prst="rect">
-            <a:avLst/>
-          </a:prstGeom>
-          <a:solidFill>
-            <a:schemeClr val="tx1">
-              <a:alpha val="70000"/>
-            </a:schemeClr>
-          </a:solidFill>
-          <a:ln>
-            <a:noFill/>
-          </a:ln>
-        </p:spPr>
-        <p:style>
-          <a:lnRef idx="2">
-            <a:schemeClr val="accent1">
-              <a:shade val="50000"/>
-            </a:schemeClr>
-          </a:lnRef>
-          <a:fillRef idx="1">
-            <a:schemeClr val="accent1"/>
-          </a:fillRef>
-          <a:effectRef idx="0">
-            <a:schemeClr val="accent1"/>
-          </a:effectRef>
-          <a:fontRef idx="minor">
-            <a:schemeClr val="lt1"/>
-          </a:fontRef>
-        </p:style>
-        <p:txBody>
-          <a:bodyPr rtlCol="0" anchor="ctr">
-            <a:noAutofit/>
-          </a:bodyPr>
-          <a:lstStyle/>
-          <a:p>
-            <a:pPr algn="ctr"/>
-            <a:endParaRPr lang="en-US" dirty="0"/>
-          </a:p>
-        </p:txBody>
-      </p:sp>
-      <p:sp>
-        <p:nvSpPr>
-          <p:cNvPr id="9" name="Title 1">
-            <a:extLst>
-              <a:ext uri="{FF2B5EF4-FFF2-40B4-BE49-F238E27FC236}">
-                <a16:creationId xmlns:a16="http://schemas.microsoft.com/office/drawing/2014/main" id="{0FD6A3FE-1BF6-4C1A-0553-EBD497A69F2D}"/>
+                <a16:creationId xmlns:a16="http://schemas.microsoft.com/office/drawing/2014/main" id="{11883E06-8BEA-1DD3-D0D6-391C08880EBF}"/>
               </a:ext>
             </a:extLst>
           </p:cNvPr>
@@ -10766,34 +11100,28 @@
         </p:nvSpPr>
         <p:spPr>
           <a:xfrm>
-            <a:off x="2932446" y="3657600"/>
-            <a:ext cx="6327105" cy="1458385"/>
+            <a:off x="741680" y="430482"/>
+            <a:ext cx="10500989" cy="1327464"/>
           </a:xfrm>
         </p:spPr>
         <p:txBody>
-          <a:bodyPr anchor="b"/>
+          <a:bodyPr/>
           <a:lstStyle/>
           <a:p>
             <a:r>
-              <a:rPr lang="en-US" dirty="0"/>
-              <a:t>SELECTING</a:t>
-            </a:r>
-            <a:br>
-              <a:rPr lang="en-US" dirty="0"/>
-            </a:br>
-            <a:r>
-              <a:rPr lang="en-US" dirty="0"/>
-              <a:t>VISUAL AIDS</a:t>
-            </a:r>
+              <a:rPr lang="en-IN" dirty="0"/>
+              <a:t>Methodology</a:t>
+            </a:r>
+            <a:endParaRPr lang="en-US" dirty="0"/>
           </a:p>
         </p:txBody>
       </p:sp>
       <p:sp>
         <p:nvSpPr>
-          <p:cNvPr id="6" name="Subtitle 5">
+          <p:cNvPr id="4" name="Content Placeholder 3">
             <a:extLst>
               <a:ext uri="{FF2B5EF4-FFF2-40B4-BE49-F238E27FC236}">
-                <a16:creationId xmlns:a16="http://schemas.microsoft.com/office/drawing/2014/main" id="{C15774B0-D971-67D7-27EB-FDB82B3A58CD}"/>
+                <a16:creationId xmlns:a16="http://schemas.microsoft.com/office/drawing/2014/main" id="{3770D91C-D5C0-248C-26D3-DE7C7C72E632}"/>
               </a:ext>
             </a:extLst>
           </p:cNvPr>
@@ -10801,30 +11129,99 @@
             <a:spLocks noGrp="1"/>
           </p:cNvSpPr>
           <p:nvPr>
-            <p:ph type="subTitle" idx="1"/>
+            <p:ph sz="quarter" idx="36"/>
           </p:nvPr>
         </p:nvSpPr>
         <p:spPr>
           <a:xfrm>
-            <a:off x="2932447" y="2102114"/>
-            <a:ext cx="6327105" cy="834517"/>
+            <a:off x="741680" y="2465539"/>
+            <a:ext cx="10500989" cy="3723753"/>
           </a:xfrm>
         </p:spPr>
         <p:txBody>
           <a:bodyPr/>
           <a:lstStyle/>
           <a:p>
+            <a:pPr marL="285750" indent="-285750">
+              <a:buFont typeface="Arial" panose="020B0604020202020204" pitchFamily="34" charset="0"/>
+              <a:buChar char="•"/>
+            </a:pPr>
             <a:r>
               <a:rPr lang="en-US" dirty="0"/>
-              <a:t>Here comes to ENHANCING YOUR security</a:t>
-            </a:r>
+              <a:t>Research on various encryption and security algorithms.</a:t>
+            </a:r>
+          </a:p>
+          <a:p>
+            <a:pPr marL="285750" indent="-285750">
+              <a:buFont typeface="Arial" panose="020B0604020202020204" pitchFamily="34" charset="0"/>
+              <a:buChar char="•"/>
+            </a:pPr>
+            <a:r>
+              <a:rPr lang="en-US" dirty="0"/>
+              <a:t>Design and implementation of the tool using Python.</a:t>
+            </a:r>
+          </a:p>
+          <a:p>
+            <a:pPr marL="285750" indent="-285750">
+              <a:buFont typeface="Arial" panose="020B0604020202020204" pitchFamily="34" charset="0"/>
+              <a:buChar char="•"/>
+            </a:pPr>
+            <a:r>
+              <a:rPr lang="en-US" dirty="0"/>
+              <a:t>Testing the tool for various use cases and security scenarios.</a:t>
+            </a:r>
+          </a:p>
+          <a:p>
+            <a:pPr marL="285750" indent="-285750">
+              <a:buFont typeface="Arial" panose="020B0604020202020204" pitchFamily="34" charset="0"/>
+              <a:buChar char="•"/>
+            </a:pPr>
+            <a:r>
+              <a:rPr lang="en-US" dirty="0"/>
+              <a:t>Iterative development based on user feedback and testing results.</a:t>
+            </a:r>
+          </a:p>
+        </p:txBody>
+      </p:sp>
+      <p:sp>
+        <p:nvSpPr>
+          <p:cNvPr id="5" name="Slide Number Placeholder 4">
+            <a:extLst>
+              <a:ext uri="{FF2B5EF4-FFF2-40B4-BE49-F238E27FC236}">
+                <a16:creationId xmlns:a16="http://schemas.microsoft.com/office/drawing/2014/main" id="{E87B8B6A-2B28-5C38-80E7-0EBE705FFBBF}"/>
+              </a:ext>
+            </a:extLst>
+          </p:cNvPr>
+          <p:cNvSpPr>
+            <a:spLocks noGrp="1"/>
+          </p:cNvSpPr>
+          <p:nvPr>
+            <p:ph type="sldNum" sz="quarter" idx="12"/>
+          </p:nvPr>
+        </p:nvSpPr>
+        <p:spPr>
+          <a:xfrm>
+            <a:off x="9140971" y="6226198"/>
+            <a:ext cx="2743200" cy="365125"/>
+          </a:xfrm>
+        </p:spPr>
+        <p:txBody>
+          <a:bodyPr/>
+          <a:lstStyle/>
+          <a:p>
+            <a:fld id="{FE024F78-56A6-7740-B68D-8D4D026EDF3F}" type="slidenum">
+              <a:rPr lang="en-US" smtClean="0"/>
+              <a:pPr/>
+              <a:t>10</a:t>
+            </a:fld>
+            <a:endParaRPr lang="en-US" dirty="0"/>
           </a:p>
         </p:txBody>
       </p:sp>
     </p:spTree>
     <p:extLst>
       <p:ext uri="{BB962C8B-B14F-4D97-AF65-F5344CB8AC3E}">
-        <p14:creationId xmlns:p14="http://schemas.microsoft.com/office/powerpoint/2010/main" val="1330733909"/>
+        <p14:creationId xmlns:p14="http://schemas.microsoft.com/office/powerpoint/2010/main" val="2728059627"/>
       </p:ext>
     </p:extLst>
   </p:cSld>
@@ -10856,7 +11253,7 @@
           <p:cNvPr id="2" name="Title 1">
             <a:extLst>
               <a:ext uri="{FF2B5EF4-FFF2-40B4-BE49-F238E27FC236}">
-                <a16:creationId xmlns:a16="http://schemas.microsoft.com/office/drawing/2014/main" id="{6CCA29A4-AAFD-04EE-0732-0671E83D5EF1}"/>
+                <a16:creationId xmlns:a16="http://schemas.microsoft.com/office/drawing/2014/main" id="{E930ED21-56D1-F91B-3E2E-68A625F9D715}"/>
               </a:ext>
             </a:extLst>
           </p:cNvPr>
@@ -10867,19 +11264,14 @@
             <p:ph type="title"/>
           </p:nvPr>
         </p:nvSpPr>
-        <p:spPr>
-          <a:xfrm>
-            <a:off x="2399620" y="162560"/>
-            <a:ext cx="8843050" cy="1616904"/>
-          </a:xfrm>
-        </p:spPr>
+        <p:spPr/>
         <p:txBody>
           <a:bodyPr/>
           <a:lstStyle/>
           <a:p>
             <a:r>
-              <a:rPr lang="en-US" dirty="0"/>
-              <a:t>EFFECTIVE DELIVERY TECHNIQUES</a:t>
+              <a:rPr lang="en-IN" dirty="0"/>
+              <a:t>Requirement Specification and Analysis</a:t>
             </a:r>
           </a:p>
         </p:txBody>
@@ -10889,7 +11281,7 @@
           <p:cNvPr id="3" name="Content Placeholder 2">
             <a:extLst>
               <a:ext uri="{FF2B5EF4-FFF2-40B4-BE49-F238E27FC236}">
-                <a16:creationId xmlns:a16="http://schemas.microsoft.com/office/drawing/2014/main" id="{F09FEE91-E849-1CB0-9E51-A58B99C631C5}"/>
+                <a16:creationId xmlns:a16="http://schemas.microsoft.com/office/drawing/2014/main" id="{B72448FD-DF73-06F1-C5F7-FC655C9AC2BE}"/>
               </a:ext>
             </a:extLst>
           </p:cNvPr>
@@ -10902,99 +11294,60 @@
         </p:nvSpPr>
         <p:spPr>
           <a:xfrm>
-            <a:off x="2373002" y="2474811"/>
-            <a:ext cx="4015098" cy="3528397"/>
+            <a:off x="807038" y="2465539"/>
+            <a:ext cx="4679362" cy="3723753"/>
           </a:xfrm>
         </p:spPr>
         <p:txBody>
           <a:bodyPr/>
           <a:lstStyle/>
           <a:p>
-            <a:r>
-              <a:rPr lang="en-US" dirty="0"/>
-              <a:t>This is a powerful tool in public speaking. It involves varying pitch, tone, and volume to convey emotion, emphasize points, and maintain interest.</a:t>
-            </a:r>
-          </a:p>
-          <a:p>
-            <a:pPr lvl="1"/>
-            <a:r>
-              <a:rPr lang="en-US" dirty="0"/>
-              <a:t>Pitch variation</a:t>
-            </a:r>
-          </a:p>
-          <a:p>
-            <a:pPr lvl="1"/>
-            <a:r>
-              <a:rPr lang="en-US" dirty="0"/>
-              <a:t>Tone inflection</a:t>
-            </a:r>
-          </a:p>
-          <a:p>
-            <a:pPr lvl="1"/>
-            <a:r>
-              <a:rPr lang="en-US" dirty="0"/>
-              <a:t>Volume control</a:t>
-            </a:r>
-          </a:p>
-        </p:txBody>
-      </p:sp>
-      <p:sp>
-        <p:nvSpPr>
-          <p:cNvPr id="4" name="Content Placeholder 3">
-            <a:extLst>
-              <a:ext uri="{FF2B5EF4-FFF2-40B4-BE49-F238E27FC236}">
-                <a16:creationId xmlns:a16="http://schemas.microsoft.com/office/drawing/2014/main" id="{9B774F1A-D233-C240-B22D-F82C6161FAC1}"/>
-              </a:ext>
-            </a:extLst>
-          </p:cNvPr>
-          <p:cNvSpPr>
-            <a:spLocks noGrp="1"/>
-          </p:cNvSpPr>
-          <p:nvPr>
-            <p:ph sz="quarter" idx="36"/>
-          </p:nvPr>
-        </p:nvSpPr>
-        <p:spPr>
-          <a:xfrm>
-            <a:off x="6995159" y="2474811"/>
-            <a:ext cx="4227332" cy="3528397"/>
-          </a:xfrm>
-        </p:spPr>
-        <p:txBody>
-          <a:bodyPr/>
-          <a:lstStyle/>
-          <a:p>
-            <a:r>
-              <a:rPr lang="en-US" dirty="0"/>
-              <a:t>Effective body language enhances your message, making it more impactful and memorable.</a:t>
-            </a:r>
-          </a:p>
-          <a:p>
-            <a:pPr lvl="1"/>
-            <a:r>
-              <a:rPr lang="en-US" dirty="0"/>
-              <a:t>Meaningful eye contact</a:t>
-            </a:r>
-          </a:p>
-          <a:p>
-            <a:pPr lvl="1"/>
-            <a:r>
-              <a:rPr lang="en-US" dirty="0"/>
-              <a:t>Purposeful gestures</a:t>
-            </a:r>
-          </a:p>
-          <a:p>
-            <a:pPr lvl="1"/>
-            <a:r>
-              <a:rPr lang="en-US" dirty="0"/>
-              <a:t>Maintain good posture</a:t>
-            </a:r>
-          </a:p>
-          <a:p>
-            <a:pPr lvl="1"/>
-            <a:r>
-              <a:rPr lang="en-US" dirty="0"/>
-              <a:t>Control your expressions</a:t>
+            <a:pPr marL="0" indent="0">
+              <a:buNone/>
+            </a:pPr>
+            <a:r>
+              <a:rPr lang="en-IN" sz="2400" b="1" dirty="0"/>
+              <a:t>Hardware: </a:t>
+            </a:r>
+          </a:p>
+          <a:p>
+            <a:pPr marL="285750" indent="-285750">
+              <a:buFont typeface="Wingdings" panose="05000000000000000000" pitchFamily="2" charset="2"/>
+              <a:buChar char="ü"/>
+            </a:pPr>
+            <a:r>
+              <a:rPr lang="en-IN" dirty="0"/>
+              <a:t>Standard computer with Python environment setup.</a:t>
+            </a:r>
+          </a:p>
+          <a:p>
+            <a:pPr marL="285750" indent="-285750">
+              <a:buFont typeface="Wingdings" panose="05000000000000000000" pitchFamily="2" charset="2"/>
+              <a:buChar char="ü"/>
+            </a:pPr>
+            <a:endParaRPr lang="en-IN" dirty="0"/>
+          </a:p>
+          <a:p>
+            <a:pPr marL="0" indent="0">
+              <a:buNone/>
+            </a:pPr>
+            <a:r>
+              <a:rPr lang="en-IN" sz="2400" b="1" dirty="0"/>
+              <a:t>Software:</a:t>
+            </a:r>
+            <a:r>
+              <a:rPr lang="en-IN" dirty="0"/>
+              <a:t> </a:t>
+            </a:r>
+          </a:p>
+          <a:p>
+            <a:pPr marL="285750" indent="-285750">
+              <a:buFont typeface="Wingdings" panose="05000000000000000000" pitchFamily="2" charset="2"/>
+              <a:buChar char="ü"/>
+            </a:pPr>
+            <a:r>
+              <a:rPr lang="en-IN" dirty="0"/>
+              <a:t>Python 3, Cryptography libraries, Command-line interface.</a:t>
             </a:r>
           </a:p>
         </p:txBody>
@@ -11004,7 +11357,7 @@
           <p:cNvPr id="5" name="Slide Number Placeholder 4">
             <a:extLst>
               <a:ext uri="{FF2B5EF4-FFF2-40B4-BE49-F238E27FC236}">
-                <a16:creationId xmlns:a16="http://schemas.microsoft.com/office/drawing/2014/main" id="{23E23533-91C6-420C-B7D7-4977ACF73ACF}"/>
+                <a16:creationId xmlns:a16="http://schemas.microsoft.com/office/drawing/2014/main" id="{9C31830B-7A30-BFD7-E664-3FA9DFD7A0D7}"/>
               </a:ext>
             </a:extLst>
           </p:cNvPr>
@@ -11015,12 +11368,7 @@
             <p:ph type="sldNum" sz="quarter" idx="12"/>
           </p:nvPr>
         </p:nvSpPr>
-        <p:spPr>
-          <a:xfrm>
-            <a:off x="9140971" y="6226198"/>
-            <a:ext cx="2743200" cy="365125"/>
-          </a:xfrm>
-        </p:spPr>
+        <p:spPr/>
         <p:txBody>
           <a:bodyPr/>
           <a:lstStyle/>
@@ -11034,10 +11382,271 @@
           </a:p>
         </p:txBody>
       </p:sp>
+      <p:sp>
+        <p:nvSpPr>
+          <p:cNvPr id="9" name="Content Placeholder 2">
+            <a:extLst>
+              <a:ext uri="{FF2B5EF4-FFF2-40B4-BE49-F238E27FC236}">
+                <a16:creationId xmlns:a16="http://schemas.microsoft.com/office/drawing/2014/main" id="{1E21D2B0-1B66-A71C-01A6-6176E659B682}"/>
+              </a:ext>
+            </a:extLst>
+          </p:cNvPr>
+          <p:cNvSpPr txBox="1">
+            <a:spLocks/>
+          </p:cNvSpPr>
+          <p:nvPr/>
+        </p:nvSpPr>
+        <p:spPr>
+          <a:xfrm>
+            <a:off x="6563307" y="2465539"/>
+            <a:ext cx="4679362" cy="3723753"/>
+          </a:xfrm>
+          <a:prstGeom prst="rect">
+            <a:avLst/>
+          </a:prstGeom>
+        </p:spPr>
+        <p:txBody>
+          <a:bodyPr vert="horz" lIns="91440" tIns="45720" rIns="91440" bIns="45720" rtlCol="0">
+            <a:noAutofit/>
+          </a:bodyPr>
+          <a:lstStyle>
+            <a:lvl1pPr marL="342900" indent="-342900" algn="l" defTabSz="914400" rtl="0" eaLnBrk="1" latinLnBrk="0" hangingPunct="1">
+              <a:lnSpc>
+                <a:spcPct val="120000"/>
+              </a:lnSpc>
+              <a:spcBef>
+                <a:spcPts val="1000"/>
+              </a:spcBef>
+              <a:buClr>
+                <a:schemeClr val="accent3">
+                  <a:lumMod val="75000"/>
+                </a:schemeClr>
+              </a:buClr>
+              <a:buFont typeface="+mj-lt"/>
+              <a:buAutoNum type="arabicPeriod"/>
+              <a:defRPr sz="1800" kern="1200" spc="0" baseline="0">
+                <a:solidFill>
+                  <a:schemeClr val="bg1"/>
+                </a:solidFill>
+                <a:latin typeface="+mn-lt"/>
+                <a:ea typeface="+mn-ea"/>
+                <a:cs typeface="Biome" panose="020B0503030204020804" pitchFamily="34" charset="0"/>
+              </a:defRPr>
+            </a:lvl1pPr>
+            <a:lvl2pPr marL="626364" indent="-342900" algn="l" defTabSz="914400" rtl="0" eaLnBrk="1" latinLnBrk="0" hangingPunct="1">
+              <a:lnSpc>
+                <a:spcPct val="120000"/>
+              </a:lnSpc>
+              <a:spcBef>
+                <a:spcPts val="1000"/>
+              </a:spcBef>
+              <a:buClr>
+                <a:schemeClr val="accent3">
+                  <a:lumMod val="75000"/>
+                </a:schemeClr>
+              </a:buClr>
+              <a:buFont typeface="+mj-lt"/>
+              <a:buAutoNum type="alphaLcPeriod"/>
+              <a:defRPr sz="1800" kern="1200" spc="0">
+                <a:solidFill>
+                  <a:schemeClr val="bg1"/>
+                </a:solidFill>
+                <a:latin typeface="+mn-lt"/>
+                <a:ea typeface="+mn-ea"/>
+                <a:cs typeface="+mn-cs"/>
+              </a:defRPr>
+            </a:lvl2pPr>
+            <a:lvl3pPr marL="918972" indent="-342900" algn="l" defTabSz="914400" rtl="0" eaLnBrk="1" latinLnBrk="0" hangingPunct="1">
+              <a:lnSpc>
+                <a:spcPct val="120000"/>
+              </a:lnSpc>
+              <a:spcBef>
+                <a:spcPts val="1000"/>
+              </a:spcBef>
+              <a:buClr>
+                <a:schemeClr val="accent3">
+                  <a:lumMod val="75000"/>
+                </a:schemeClr>
+              </a:buClr>
+              <a:buFont typeface="+mj-lt"/>
+              <a:buAutoNum type="arabicParenR"/>
+              <a:defRPr sz="1800" kern="1200" spc="0">
+                <a:solidFill>
+                  <a:schemeClr val="bg1"/>
+                </a:solidFill>
+                <a:latin typeface="+mn-lt"/>
+                <a:ea typeface="+mn-ea"/>
+                <a:cs typeface="+mn-cs"/>
+              </a:defRPr>
+            </a:lvl3pPr>
+            <a:lvl4pPr marL="1209294" indent="-342900" algn="l" defTabSz="914400" rtl="0" eaLnBrk="1" latinLnBrk="0" hangingPunct="1">
+              <a:lnSpc>
+                <a:spcPct val="120000"/>
+              </a:lnSpc>
+              <a:spcBef>
+                <a:spcPts val="1000"/>
+              </a:spcBef>
+              <a:buClr>
+                <a:schemeClr val="accent3">
+                  <a:lumMod val="75000"/>
+                </a:schemeClr>
+              </a:buClr>
+              <a:buFont typeface="+mj-lt"/>
+              <a:buAutoNum type="alphaLcParenR"/>
+              <a:defRPr sz="1800" kern="1200" spc="0">
+                <a:solidFill>
+                  <a:schemeClr val="bg1"/>
+                </a:solidFill>
+                <a:latin typeface="+mn-lt"/>
+                <a:ea typeface="+mn-ea"/>
+                <a:cs typeface="+mn-cs"/>
+              </a:defRPr>
+            </a:lvl4pPr>
+            <a:lvl5pPr marL="2114550" indent="-285750" algn="l" defTabSz="914400" rtl="0" eaLnBrk="1" latinLnBrk="0" hangingPunct="1">
+              <a:lnSpc>
+                <a:spcPct val="90000"/>
+              </a:lnSpc>
+              <a:spcBef>
+                <a:spcPts val="500"/>
+              </a:spcBef>
+              <a:buClr>
+                <a:schemeClr val="accent6"/>
+              </a:buClr>
+              <a:buFont typeface="Arial" panose="020B0604020202020204" pitchFamily="34" charset="0"/>
+              <a:buChar char="•"/>
+              <a:defRPr sz="1800" kern="1200">
+                <a:solidFill>
+                  <a:schemeClr val="bg1"/>
+                </a:solidFill>
+                <a:latin typeface="+mn-lt"/>
+                <a:ea typeface="+mn-ea"/>
+                <a:cs typeface="+mn-cs"/>
+              </a:defRPr>
+            </a:lvl5pPr>
+            <a:lvl6pPr marL="2514600" indent="-228600" algn="l" defTabSz="914400" rtl="0" eaLnBrk="1" latinLnBrk="0" hangingPunct="1">
+              <a:lnSpc>
+                <a:spcPct val="90000"/>
+              </a:lnSpc>
+              <a:spcBef>
+                <a:spcPts val="500"/>
+              </a:spcBef>
+              <a:buFont typeface="Arial" panose="020B0604020202020204" pitchFamily="34" charset="0"/>
+              <a:buChar char="•"/>
+              <a:defRPr sz="1800" kern="1200">
+                <a:solidFill>
+                  <a:schemeClr val="tx1"/>
+                </a:solidFill>
+                <a:latin typeface="+mn-lt"/>
+                <a:ea typeface="+mn-ea"/>
+                <a:cs typeface="+mn-cs"/>
+              </a:defRPr>
+            </a:lvl6pPr>
+            <a:lvl7pPr marL="2971800" indent="-228600" algn="l" defTabSz="914400" rtl="0" eaLnBrk="1" latinLnBrk="0" hangingPunct="1">
+              <a:lnSpc>
+                <a:spcPct val="90000"/>
+              </a:lnSpc>
+              <a:spcBef>
+                <a:spcPts val="500"/>
+              </a:spcBef>
+              <a:buFont typeface="Arial" panose="020B0604020202020204" pitchFamily="34" charset="0"/>
+              <a:buChar char="•"/>
+              <a:defRPr sz="1800" kern="1200">
+                <a:solidFill>
+                  <a:schemeClr val="tx1"/>
+                </a:solidFill>
+                <a:latin typeface="+mn-lt"/>
+                <a:ea typeface="+mn-ea"/>
+                <a:cs typeface="+mn-cs"/>
+              </a:defRPr>
+            </a:lvl7pPr>
+            <a:lvl8pPr marL="3429000" indent="-228600" algn="l" defTabSz="914400" rtl="0" eaLnBrk="1" latinLnBrk="0" hangingPunct="1">
+              <a:lnSpc>
+                <a:spcPct val="90000"/>
+              </a:lnSpc>
+              <a:spcBef>
+                <a:spcPts val="500"/>
+              </a:spcBef>
+              <a:buFont typeface="Arial" panose="020B0604020202020204" pitchFamily="34" charset="0"/>
+              <a:buChar char="•"/>
+              <a:defRPr sz="1800" kern="1200">
+                <a:solidFill>
+                  <a:schemeClr val="tx1"/>
+                </a:solidFill>
+                <a:latin typeface="+mn-lt"/>
+                <a:ea typeface="+mn-ea"/>
+                <a:cs typeface="+mn-cs"/>
+              </a:defRPr>
+            </a:lvl8pPr>
+            <a:lvl9pPr marL="3886200" indent="-228600" algn="l" defTabSz="914400" rtl="0" eaLnBrk="1" latinLnBrk="0" hangingPunct="1">
+              <a:lnSpc>
+                <a:spcPct val="90000"/>
+              </a:lnSpc>
+              <a:spcBef>
+                <a:spcPts val="500"/>
+              </a:spcBef>
+              <a:buFont typeface="Arial" panose="020B0604020202020204" pitchFamily="34" charset="0"/>
+              <a:buChar char="•"/>
+              <a:defRPr sz="1800" kern="1200">
+                <a:solidFill>
+                  <a:schemeClr val="tx1"/>
+                </a:solidFill>
+                <a:latin typeface="+mn-lt"/>
+                <a:ea typeface="+mn-ea"/>
+                <a:cs typeface="+mn-cs"/>
+              </a:defRPr>
+            </a:lvl9pPr>
+          </a:lstStyle>
+          <a:p>
+            <a:pPr marL="0" indent="0">
+              <a:buNone/>
+            </a:pPr>
+            <a:r>
+              <a:rPr lang="en-IN" sz="2400" b="1" dirty="0"/>
+              <a:t>Functional Requirements:</a:t>
+            </a:r>
+          </a:p>
+          <a:p>
+            <a:pPr marL="285750" indent="-285750">
+              <a:buFont typeface="Wingdings" panose="05000000000000000000" pitchFamily="2" charset="2"/>
+              <a:buChar char="ü"/>
+            </a:pPr>
+            <a:r>
+              <a:rPr lang="en-IN" dirty="0"/>
+              <a:t>File encryption, decryption, steganography, user authentication.</a:t>
+            </a:r>
+          </a:p>
+          <a:p>
+            <a:pPr marL="285750" indent="-285750">
+              <a:buFont typeface="Wingdings" panose="05000000000000000000" pitchFamily="2" charset="2"/>
+              <a:buChar char="ü"/>
+            </a:pPr>
+            <a:endParaRPr lang="en-IN" dirty="0"/>
+          </a:p>
+          <a:p>
+            <a:pPr marL="0" indent="0">
+              <a:buNone/>
+            </a:pPr>
+            <a:r>
+              <a:rPr lang="en-IN" sz="2400" b="1" dirty="0"/>
+              <a:t>Non-functional Requirements:</a:t>
+            </a:r>
+          </a:p>
+          <a:p>
+            <a:pPr marL="285750" indent="-285750">
+              <a:buFont typeface="Wingdings" panose="05000000000000000000" pitchFamily="2" charset="2"/>
+              <a:buChar char="ü"/>
+            </a:pPr>
+            <a:r>
+              <a:rPr lang="en-IN" dirty="0"/>
+              <a:t>Security, performance, usability, scalability.</a:t>
+            </a:r>
+          </a:p>
+        </p:txBody>
+      </p:sp>
     </p:spTree>
     <p:extLst>
       <p:ext uri="{BB962C8B-B14F-4D97-AF65-F5344CB8AC3E}">
-        <p14:creationId xmlns:p14="http://schemas.microsoft.com/office/powerpoint/2010/main" val="1073601555"/>
+        <p14:creationId xmlns:p14="http://schemas.microsoft.com/office/powerpoint/2010/main" val="2039901837"/>
       </p:ext>
     </p:extLst>
   </p:cSld>
@@ -11066,10 +11675,10 @@
       </p:grpSpPr>
       <p:sp>
         <p:nvSpPr>
-          <p:cNvPr id="2" name="Title 1">
+          <p:cNvPr id="3" name="Title 2">
             <a:extLst>
               <a:ext uri="{FF2B5EF4-FFF2-40B4-BE49-F238E27FC236}">
-                <a16:creationId xmlns:a16="http://schemas.microsoft.com/office/drawing/2014/main" id="{11883E06-8BEA-1DD3-D0D6-391C08880EBF}"/>
+                <a16:creationId xmlns:a16="http://schemas.microsoft.com/office/drawing/2014/main" id="{06DE3104-398C-EF95-D86E-630F512487F9}"/>
               </a:ext>
             </a:extLst>
           </p:cNvPr>
@@ -11082,166 +11691,55 @@
         </p:nvSpPr>
         <p:spPr>
           <a:xfrm>
-            <a:off x="741680" y="430482"/>
-            <a:ext cx="10500989" cy="1327464"/>
+            <a:off x="-1" y="2479431"/>
+            <a:ext cx="2356339" cy="1532815"/>
           </a:xfrm>
         </p:spPr>
         <p:txBody>
           <a:bodyPr/>
           <a:lstStyle/>
           <a:p>
-            <a:r>
-              <a:rPr lang="en-US" dirty="0"/>
-              <a:t>NAVIGATING Q&amp;A SESSIONS</a:t>
+            <a:pPr lvl="0"/>
+            <a:r>
+              <a:rPr lang="en-US" noProof="0" dirty="0"/>
+              <a:t>Data flow diagram</a:t>
             </a:r>
           </a:p>
         </p:txBody>
       </p:sp>
-      <p:sp>
-        <p:nvSpPr>
-          <p:cNvPr id="3" name="Content Placeholder 2">
+      <p:pic>
+        <p:nvPicPr>
+          <p:cNvPr id="9" name="Content Placeholder 8">
             <a:extLst>
               <a:ext uri="{FF2B5EF4-FFF2-40B4-BE49-F238E27FC236}">
-                <a16:creationId xmlns:a16="http://schemas.microsoft.com/office/drawing/2014/main" id="{1CF175D3-F3DC-695F-474B-346EDCA5D60F}"/>
+                <a16:creationId xmlns:a16="http://schemas.microsoft.com/office/drawing/2014/main" id="{03D23B13-0C92-DB3B-8C92-43A547428D46}"/>
               </a:ext>
             </a:extLst>
           </p:cNvPr>
-          <p:cNvSpPr>
-            <a:spLocks noGrp="1"/>
-          </p:cNvSpPr>
+          <p:cNvPicPr>
+            <a:picLocks noGrp="1" noChangeAspect="1"/>
+          </p:cNvPicPr>
           <p:nvPr>
-            <p:ph sz="quarter" idx="35"/>
+            <p:ph sz="quarter" idx="31"/>
           </p:nvPr>
-        </p:nvSpPr>
+        </p:nvPicPr>
+        <p:blipFill>
+          <a:blip r:embed="rId3"/>
+          <a:stretch>
+            <a:fillRect/>
+          </a:stretch>
+        </p:blipFill>
         <p:spPr>
           <a:xfrm>
-            <a:off x="807038" y="2465539"/>
-            <a:ext cx="3774587" cy="3723753"/>
+            <a:off x="4597579" y="-17463"/>
+            <a:ext cx="5349516" cy="6854826"/>
           </a:xfrm>
         </p:spPr>
-        <p:txBody>
-          <a:bodyPr/>
-          <a:lstStyle/>
-          <a:p>
-            <a:r>
-              <a:rPr lang="en-US" dirty="0"/>
-              <a:t>Know your material in advance</a:t>
-            </a:r>
-          </a:p>
-          <a:p>
-            <a:r>
-              <a:rPr lang="en-US" dirty="0"/>
-              <a:t>Anticipate common questions</a:t>
-            </a:r>
-          </a:p>
-          <a:p>
-            <a:r>
-              <a:rPr lang="en-US" dirty="0"/>
-              <a:t>Rehearse your responses</a:t>
-            </a:r>
-          </a:p>
-        </p:txBody>
-      </p:sp>
-      <p:sp>
-        <p:nvSpPr>
-          <p:cNvPr id="4" name="Content Placeholder 3">
-            <a:extLst>
-              <a:ext uri="{FF2B5EF4-FFF2-40B4-BE49-F238E27FC236}">
-                <a16:creationId xmlns:a16="http://schemas.microsoft.com/office/drawing/2014/main" id="{3770D91C-D5C0-248C-26D3-DE7C7C72E632}"/>
-              </a:ext>
-            </a:extLst>
-          </p:cNvPr>
-          <p:cNvSpPr>
-            <a:spLocks noGrp="1"/>
-          </p:cNvSpPr>
-          <p:nvPr>
-            <p:ph sz="quarter" idx="36"/>
-          </p:nvPr>
-        </p:nvSpPr>
-        <p:spPr>
-          <a:xfrm>
-            <a:off x="4927600" y="2465539"/>
-            <a:ext cx="6315069" cy="3723753"/>
-          </a:xfrm>
-        </p:spPr>
-        <p:txBody>
-          <a:bodyPr/>
-          <a:lstStyle/>
-          <a:p>
-            <a:r>
-              <a:rPr lang="en-US" dirty="0"/>
-              <a:t>Maintaining composure during the Q&amp;A session is essential for projecting confidence and authority. Consider the following tips for staying composed:</a:t>
-            </a:r>
-          </a:p>
-          <a:p>
-            <a:pPr lvl="1"/>
-            <a:r>
-              <a:rPr lang="en-US" dirty="0"/>
-              <a:t>Stay calm</a:t>
-            </a:r>
-          </a:p>
-          <a:p>
-            <a:pPr lvl="1"/>
-            <a:r>
-              <a:rPr lang="en-US" dirty="0"/>
-              <a:t>Actively listen</a:t>
-            </a:r>
-          </a:p>
-          <a:p>
-            <a:pPr lvl="1"/>
-            <a:r>
-              <a:rPr lang="en-US" dirty="0"/>
-              <a:t>Pause and reflect</a:t>
-            </a:r>
-          </a:p>
-          <a:p>
-            <a:pPr lvl="1"/>
-            <a:r>
-              <a:rPr lang="en-US" dirty="0"/>
-              <a:t>Maintain eye contact</a:t>
-            </a:r>
-          </a:p>
-        </p:txBody>
-      </p:sp>
-      <p:sp>
-        <p:nvSpPr>
-          <p:cNvPr id="5" name="Slide Number Placeholder 4">
-            <a:extLst>
-              <a:ext uri="{FF2B5EF4-FFF2-40B4-BE49-F238E27FC236}">
-                <a16:creationId xmlns:a16="http://schemas.microsoft.com/office/drawing/2014/main" id="{E87B8B6A-2B28-5C38-80E7-0EBE705FFBBF}"/>
-              </a:ext>
-            </a:extLst>
-          </p:cNvPr>
-          <p:cNvSpPr>
-            <a:spLocks noGrp="1"/>
-          </p:cNvSpPr>
-          <p:nvPr>
-            <p:ph type="sldNum" sz="quarter" idx="12"/>
-          </p:nvPr>
-        </p:nvSpPr>
-        <p:spPr>
-          <a:xfrm>
-            <a:off x="9140971" y="6226198"/>
-            <a:ext cx="2743200" cy="365125"/>
-          </a:xfrm>
-        </p:spPr>
-        <p:txBody>
-          <a:bodyPr/>
-          <a:lstStyle/>
-          <a:p>
-            <a:fld id="{FE024F78-56A6-7740-B68D-8D4D026EDF3F}" type="slidenum">
-              <a:rPr lang="en-US" smtClean="0"/>
-              <a:pPr/>
-              <a:t>12</a:t>
-            </a:fld>
-            <a:endParaRPr lang="en-US" dirty="0"/>
-          </a:p>
-        </p:txBody>
-      </p:sp>
+      </p:pic>
     </p:spTree>
     <p:extLst>
       <p:ext uri="{BB962C8B-B14F-4D97-AF65-F5344CB8AC3E}">
-        <p14:creationId xmlns:p14="http://schemas.microsoft.com/office/powerpoint/2010/main" val="2728059627"/>
+        <p14:creationId xmlns:p14="http://schemas.microsoft.com/office/powerpoint/2010/main" val="2170071140"/>
       </p:ext>
     </p:extLst>
   </p:cSld>
@@ -11270,10 +11768,10 @@
       </p:grpSpPr>
       <p:sp>
         <p:nvSpPr>
-          <p:cNvPr id="2" name="Title 1">
+          <p:cNvPr id="5" name="Title 4">
             <a:extLst>
               <a:ext uri="{FF2B5EF4-FFF2-40B4-BE49-F238E27FC236}">
-                <a16:creationId xmlns:a16="http://schemas.microsoft.com/office/drawing/2014/main" id="{D543EB8B-0AB9-7554-AEEA-E8D744959E9A}"/>
+                <a16:creationId xmlns:a16="http://schemas.microsoft.com/office/drawing/2014/main" id="{C10CEC9A-7AA2-B2B0-853F-3898BB00FAE4}"/>
               </a:ext>
             </a:extLst>
           </p:cNvPr>
@@ -11284,94 +11782,16 @@
             <p:ph type="title"/>
           </p:nvPr>
         </p:nvSpPr>
-        <p:spPr>
-          <a:xfrm>
-            <a:off x="6889627" y="173736"/>
-            <a:ext cx="4352662" cy="2203704"/>
-          </a:xfrm>
-        </p:spPr>
+        <p:spPr/>
         <p:txBody>
           <a:bodyPr/>
           <a:lstStyle/>
           <a:p>
-            <a:pPr lvl="0"/>
-            <a:r>
-              <a:rPr lang="en-US" noProof="0" dirty="0"/>
-              <a:t>SPEAKING IMPACT</a:t>
-            </a:r>
-          </a:p>
-        </p:txBody>
-      </p:sp>
-      <p:pic>
-        <p:nvPicPr>
-          <p:cNvPr id="6" name="Picture Placeholder 5" descr="A blue and purple spiral">
-            <a:extLst>
-              <a:ext uri="{FF2B5EF4-FFF2-40B4-BE49-F238E27FC236}">
-                <a16:creationId xmlns:a16="http://schemas.microsoft.com/office/drawing/2014/main" id="{05B64636-376E-96D4-B550-D764B2C6A6A7}"/>
-              </a:ext>
-            </a:extLst>
-          </p:cNvPr>
-          <p:cNvPicPr>
-            <a:picLocks noGrp="1" noChangeAspect="1"/>
-          </p:cNvPicPr>
-          <p:nvPr>
-            <p:ph type="pic" sz="quarter" idx="37"/>
-          </p:nvPr>
-        </p:nvPicPr>
-        <p:blipFill rotWithShape="1">
-          <a:blip r:embed="rId3" cstate="screen">
-            <a:extLst>
-              <a:ext uri="{28A0092B-C50C-407E-A947-70E740481C1C}">
-                <a14:useLocalDpi xmlns:a14="http://schemas.microsoft.com/office/drawing/2010/main"/>
-              </a:ext>
-            </a:extLst>
-          </a:blip>
-          <a:srcRect t="202" b="202"/>
-          <a:stretch/>
-        </p:blipFill>
-        <p:spPr>
-          <a:xfrm>
-            <a:off x="336550" y="336550"/>
-            <a:ext cx="5303640" cy="6184900"/>
-          </a:xfrm>
-        </p:spPr>
-      </p:pic>
-      <p:sp>
-        <p:nvSpPr>
-          <p:cNvPr id="3" name="Content Placeholder 2">
-            <a:extLst>
-              <a:ext uri="{FF2B5EF4-FFF2-40B4-BE49-F238E27FC236}">
-                <a16:creationId xmlns:a16="http://schemas.microsoft.com/office/drawing/2014/main" id="{FB2F5F9A-B16D-CA49-7F40-A0142E41DC56}"/>
-              </a:ext>
-            </a:extLst>
-          </p:cNvPr>
-          <p:cNvSpPr>
-            <a:spLocks noGrp="1"/>
-          </p:cNvSpPr>
-          <p:nvPr>
-            <p:ph sz="quarter" idx="36"/>
-          </p:nvPr>
-        </p:nvSpPr>
-        <p:spPr>
-          <a:xfrm>
-            <a:off x="6889627" y="3104277"/>
-            <a:ext cx="4371560" cy="3022201"/>
-          </a:xfrm>
-        </p:spPr>
-        <p:txBody>
-          <a:bodyPr/>
-          <a:lstStyle/>
-          <a:p>
             <a:r>
               <a:rPr lang="en-US" dirty="0"/>
-              <a:t>Your ability to communicate effectively will leave a lasting impact on your audience</a:t>
-            </a:r>
-          </a:p>
-          <a:p>
-            <a:r>
-              <a:rPr lang="en-US" dirty="0"/>
-              <a:t>Effectively communicating involves not only delivering a message but also resonating with the experiences, values, and emotions of those listening </a:t>
-            </a:r>
+              <a:t>Software features</a:t>
+            </a:r>
+            <a:endParaRPr lang="en-IN" dirty="0"/>
           </a:p>
         </p:txBody>
       </p:sp>
@@ -11380,7 +11800,7 @@
           <p:cNvPr id="4" name="Slide Number Placeholder 3">
             <a:extLst>
               <a:ext uri="{FF2B5EF4-FFF2-40B4-BE49-F238E27FC236}">
-                <a16:creationId xmlns:a16="http://schemas.microsoft.com/office/drawing/2014/main" id="{921DB868-BEE2-49F7-9AC5-A3B143880250}"/>
+                <a16:creationId xmlns:a16="http://schemas.microsoft.com/office/drawing/2014/main" id="{53228FED-BE84-F258-51C7-DBB425C5B22E}"/>
               </a:ext>
             </a:extLst>
           </p:cNvPr>
@@ -11391,12 +11811,7 @@
             <p:ph type="sldNum" sz="quarter" idx="12"/>
           </p:nvPr>
         </p:nvSpPr>
-        <p:spPr>
-          <a:xfrm>
-            <a:off x="9140971" y="6226198"/>
-            <a:ext cx="2743200" cy="365125"/>
-          </a:xfrm>
-        </p:spPr>
+        <p:spPr/>
         <p:txBody>
           <a:bodyPr/>
           <a:lstStyle/>
@@ -11410,10 +11825,373 @@
           </a:p>
         </p:txBody>
       </p:sp>
+      <p:sp>
+        <p:nvSpPr>
+          <p:cNvPr id="8" name="Content Placeholder 3">
+            <a:extLst>
+              <a:ext uri="{FF2B5EF4-FFF2-40B4-BE49-F238E27FC236}">
+                <a16:creationId xmlns:a16="http://schemas.microsoft.com/office/drawing/2014/main" id="{8850396C-9F67-13C9-FFE2-1383702D3890}"/>
+              </a:ext>
+            </a:extLst>
+          </p:cNvPr>
+          <p:cNvSpPr txBox="1">
+            <a:spLocks/>
+          </p:cNvSpPr>
+          <p:nvPr/>
+        </p:nvSpPr>
+        <p:spPr>
+          <a:xfrm>
+            <a:off x="741680" y="2360032"/>
+            <a:ext cx="10500989" cy="3866166"/>
+          </a:xfrm>
+          <a:prstGeom prst="rect">
+            <a:avLst/>
+          </a:prstGeom>
+        </p:spPr>
+        <p:txBody>
+          <a:bodyPr/>
+          <a:lstStyle>
+            <a:lvl1pPr marL="0" indent="0" algn="l" defTabSz="914400" rtl="0" eaLnBrk="1" latinLnBrk="0" hangingPunct="1">
+              <a:lnSpc>
+                <a:spcPct val="90000"/>
+              </a:lnSpc>
+              <a:spcBef>
+                <a:spcPts val="1000"/>
+              </a:spcBef>
+              <a:buFont typeface="Arial" panose="020B0604020202020204" pitchFamily="34" charset="0"/>
+              <a:buNone/>
+              <a:defRPr sz="2800" kern="1200">
+                <a:solidFill>
+                  <a:schemeClr val="accent3"/>
+                </a:solidFill>
+                <a:latin typeface="+mj-lt"/>
+                <a:ea typeface="+mn-ea"/>
+                <a:cs typeface="Biome" panose="020B0503030204020804" pitchFamily="34" charset="0"/>
+              </a:defRPr>
+            </a:lvl1pPr>
+            <a:lvl2pPr marL="800100" indent="-342900" algn="l" defTabSz="914400" rtl="0" eaLnBrk="1" latinLnBrk="0" hangingPunct="1">
+              <a:lnSpc>
+                <a:spcPct val="90000"/>
+              </a:lnSpc>
+              <a:spcBef>
+                <a:spcPts val="500"/>
+              </a:spcBef>
+              <a:buClr>
+                <a:schemeClr val="accent6"/>
+              </a:buClr>
+              <a:buFont typeface="Arial" panose="020B0604020202020204" pitchFamily="34" charset="0"/>
+              <a:buChar char="•"/>
+              <a:defRPr sz="2400" kern="1200">
+                <a:solidFill>
+                  <a:schemeClr val="bg1"/>
+                </a:solidFill>
+                <a:latin typeface="+mn-lt"/>
+                <a:ea typeface="+mn-ea"/>
+                <a:cs typeface="+mn-cs"/>
+              </a:defRPr>
+            </a:lvl2pPr>
+            <a:lvl3pPr marL="1257300" indent="-342900" algn="l" defTabSz="914400" rtl="0" eaLnBrk="1" latinLnBrk="0" hangingPunct="1">
+              <a:lnSpc>
+                <a:spcPct val="90000"/>
+              </a:lnSpc>
+              <a:spcBef>
+                <a:spcPts val="500"/>
+              </a:spcBef>
+              <a:buClr>
+                <a:schemeClr val="accent6"/>
+              </a:buClr>
+              <a:buFont typeface="Arial" panose="020B0604020202020204" pitchFamily="34" charset="0"/>
+              <a:buChar char="•"/>
+              <a:defRPr sz="2000" kern="1200">
+                <a:solidFill>
+                  <a:schemeClr val="bg1"/>
+                </a:solidFill>
+                <a:latin typeface="+mn-lt"/>
+                <a:ea typeface="+mn-ea"/>
+                <a:cs typeface="+mn-cs"/>
+              </a:defRPr>
+            </a:lvl3pPr>
+            <a:lvl4pPr marL="1657350" indent="-285750" algn="l" defTabSz="914400" rtl="0" eaLnBrk="1" latinLnBrk="0" hangingPunct="1">
+              <a:lnSpc>
+                <a:spcPct val="90000"/>
+              </a:lnSpc>
+              <a:spcBef>
+                <a:spcPts val="500"/>
+              </a:spcBef>
+              <a:buClr>
+                <a:schemeClr val="accent6"/>
+              </a:buClr>
+              <a:buFont typeface="Arial" panose="020B0604020202020204" pitchFamily="34" charset="0"/>
+              <a:buChar char="•"/>
+              <a:defRPr sz="1800" kern="1200">
+                <a:solidFill>
+                  <a:schemeClr val="bg1"/>
+                </a:solidFill>
+                <a:latin typeface="+mn-lt"/>
+                <a:ea typeface="+mn-ea"/>
+                <a:cs typeface="+mn-cs"/>
+              </a:defRPr>
+            </a:lvl4pPr>
+            <a:lvl5pPr marL="2114550" indent="-285750" algn="l" defTabSz="914400" rtl="0" eaLnBrk="1" latinLnBrk="0" hangingPunct="1">
+              <a:lnSpc>
+                <a:spcPct val="90000"/>
+              </a:lnSpc>
+              <a:spcBef>
+                <a:spcPts val="500"/>
+              </a:spcBef>
+              <a:buClr>
+                <a:schemeClr val="accent6"/>
+              </a:buClr>
+              <a:buFont typeface="Arial" panose="020B0604020202020204" pitchFamily="34" charset="0"/>
+              <a:buChar char="•"/>
+              <a:defRPr sz="1800" kern="1200">
+                <a:solidFill>
+                  <a:schemeClr val="bg1"/>
+                </a:solidFill>
+                <a:latin typeface="+mn-lt"/>
+                <a:ea typeface="+mn-ea"/>
+                <a:cs typeface="+mn-cs"/>
+              </a:defRPr>
+            </a:lvl5pPr>
+            <a:lvl6pPr marL="2514600" indent="-228600" algn="l" defTabSz="914400" rtl="0" eaLnBrk="1" latinLnBrk="0" hangingPunct="1">
+              <a:lnSpc>
+                <a:spcPct val="90000"/>
+              </a:lnSpc>
+              <a:spcBef>
+                <a:spcPts val="500"/>
+              </a:spcBef>
+              <a:buFont typeface="Arial" panose="020B0604020202020204" pitchFamily="34" charset="0"/>
+              <a:buChar char="•"/>
+              <a:defRPr sz="1800" kern="1200">
+                <a:solidFill>
+                  <a:schemeClr val="tx1"/>
+                </a:solidFill>
+                <a:latin typeface="+mn-lt"/>
+                <a:ea typeface="+mn-ea"/>
+                <a:cs typeface="+mn-cs"/>
+              </a:defRPr>
+            </a:lvl6pPr>
+            <a:lvl7pPr marL="2971800" indent="-228600" algn="l" defTabSz="914400" rtl="0" eaLnBrk="1" latinLnBrk="0" hangingPunct="1">
+              <a:lnSpc>
+                <a:spcPct val="90000"/>
+              </a:lnSpc>
+              <a:spcBef>
+                <a:spcPts val="500"/>
+              </a:spcBef>
+              <a:buFont typeface="Arial" panose="020B0604020202020204" pitchFamily="34" charset="0"/>
+              <a:buChar char="•"/>
+              <a:defRPr sz="1800" kern="1200">
+                <a:solidFill>
+                  <a:schemeClr val="tx1"/>
+                </a:solidFill>
+                <a:latin typeface="+mn-lt"/>
+                <a:ea typeface="+mn-ea"/>
+                <a:cs typeface="+mn-cs"/>
+              </a:defRPr>
+            </a:lvl7pPr>
+            <a:lvl8pPr marL="3429000" indent="-228600" algn="l" defTabSz="914400" rtl="0" eaLnBrk="1" latinLnBrk="0" hangingPunct="1">
+              <a:lnSpc>
+                <a:spcPct val="90000"/>
+              </a:lnSpc>
+              <a:spcBef>
+                <a:spcPts val="500"/>
+              </a:spcBef>
+              <a:buFont typeface="Arial" panose="020B0604020202020204" pitchFamily="34" charset="0"/>
+              <a:buChar char="•"/>
+              <a:defRPr sz="1800" kern="1200">
+                <a:solidFill>
+                  <a:schemeClr val="tx1"/>
+                </a:solidFill>
+                <a:latin typeface="+mn-lt"/>
+                <a:ea typeface="+mn-ea"/>
+                <a:cs typeface="+mn-cs"/>
+              </a:defRPr>
+            </a:lvl8pPr>
+            <a:lvl9pPr marL="3886200" indent="-228600" algn="l" defTabSz="914400" rtl="0" eaLnBrk="1" latinLnBrk="0" hangingPunct="1">
+              <a:lnSpc>
+                <a:spcPct val="90000"/>
+              </a:lnSpc>
+              <a:spcBef>
+                <a:spcPts val="500"/>
+              </a:spcBef>
+              <a:buFont typeface="Arial" panose="020B0604020202020204" pitchFamily="34" charset="0"/>
+              <a:buChar char="•"/>
+              <a:defRPr sz="1800" kern="1200">
+                <a:solidFill>
+                  <a:schemeClr val="tx1"/>
+                </a:solidFill>
+                <a:latin typeface="+mn-lt"/>
+                <a:ea typeface="+mn-ea"/>
+                <a:cs typeface="+mn-cs"/>
+              </a:defRPr>
+            </a:lvl9pPr>
+          </a:lstStyle>
+          <a:p>
+            <a:pPr marL="285750" indent="-285750">
+              <a:lnSpc>
+                <a:spcPct val="120000"/>
+              </a:lnSpc>
+              <a:buClr>
+                <a:schemeClr val="accent3">
+                  <a:lumMod val="75000"/>
+                </a:schemeClr>
+              </a:buClr>
+              <a:buFont typeface="Wingdings" panose="05000000000000000000" pitchFamily="2" charset="2"/>
+              <a:buChar char="ü"/>
+            </a:pPr>
+            <a:r>
+              <a:rPr lang="en-US" sz="1800" b="1" dirty="0">
+                <a:solidFill>
+                  <a:schemeClr val="bg1"/>
+                </a:solidFill>
+                <a:latin typeface="+mn-lt"/>
+              </a:rPr>
+              <a:t>Key Management: </a:t>
+            </a:r>
+            <a:r>
+              <a:rPr lang="en-US" sz="1800" dirty="0">
+                <a:solidFill>
+                  <a:schemeClr val="bg1"/>
+                </a:solidFill>
+                <a:latin typeface="+mn-lt"/>
+              </a:rPr>
+              <a:t>Automatically manage cryptographic keys with a default key folder, simplifying the key handling process for users.</a:t>
+            </a:r>
+          </a:p>
+          <a:p>
+            <a:pPr marL="285750" indent="-285750">
+              <a:lnSpc>
+                <a:spcPct val="120000"/>
+              </a:lnSpc>
+              <a:buClr>
+                <a:schemeClr val="accent3">
+                  <a:lumMod val="75000"/>
+                </a:schemeClr>
+              </a:buClr>
+              <a:buFont typeface="Wingdings" panose="05000000000000000000" pitchFamily="2" charset="2"/>
+              <a:buChar char="ü"/>
+            </a:pPr>
+            <a:r>
+              <a:rPr lang="en-US" sz="1800" b="1" dirty="0">
+                <a:solidFill>
+                  <a:schemeClr val="bg1"/>
+                </a:solidFill>
+                <a:latin typeface="+mn-lt"/>
+              </a:rPr>
+              <a:t>User-Friendly Command-Line Interface: </a:t>
+            </a:r>
+            <a:r>
+              <a:rPr lang="en-US" sz="1800" dirty="0">
+                <a:solidFill>
+                  <a:schemeClr val="bg1"/>
+                </a:solidFill>
+                <a:latin typeface="+mn-lt"/>
+              </a:rPr>
+              <a:t>Provide a comprehensive and intuitive command-line interface to facilitate easy interaction with KeyGuardian’s features.</a:t>
+            </a:r>
+          </a:p>
+          <a:p>
+            <a:pPr marL="285750" indent="-285750">
+              <a:lnSpc>
+                <a:spcPct val="120000"/>
+              </a:lnSpc>
+              <a:buClr>
+                <a:schemeClr val="accent3">
+                  <a:lumMod val="75000"/>
+                </a:schemeClr>
+              </a:buClr>
+              <a:buFont typeface="Wingdings" panose="05000000000000000000" pitchFamily="2" charset="2"/>
+              <a:buChar char="ü"/>
+            </a:pPr>
+            <a:r>
+              <a:rPr lang="en-US" sz="1800" b="1" dirty="0">
+                <a:solidFill>
+                  <a:schemeClr val="bg1"/>
+                </a:solidFill>
+                <a:latin typeface="+mn-lt"/>
+              </a:rPr>
+              <a:t>Secure Storage Solutions: </a:t>
+            </a:r>
+            <a:r>
+              <a:rPr lang="en-US" sz="1800" dirty="0">
+                <a:solidFill>
+                  <a:schemeClr val="bg1"/>
+                </a:solidFill>
+                <a:latin typeface="+mn-lt"/>
+              </a:rPr>
+              <a:t>Offer options for secure, decentralized storage of encrypted data to protect against unauthorized access</a:t>
+            </a:r>
+          </a:p>
+          <a:p>
+            <a:pPr marL="285750" indent="-285750">
+              <a:lnSpc>
+                <a:spcPct val="120000"/>
+              </a:lnSpc>
+              <a:buClr>
+                <a:schemeClr val="accent3">
+                  <a:lumMod val="75000"/>
+                </a:schemeClr>
+              </a:buClr>
+              <a:buFont typeface="Wingdings" panose="05000000000000000000" pitchFamily="2" charset="2"/>
+              <a:buChar char="ü"/>
+            </a:pPr>
+            <a:r>
+              <a:rPr lang="en-US" sz="1800" b="1" dirty="0">
+                <a:solidFill>
+                  <a:schemeClr val="bg1"/>
+                </a:solidFill>
+                <a:latin typeface="+mn-lt"/>
+              </a:rPr>
+              <a:t>Offline Functionality: </a:t>
+            </a:r>
+            <a:r>
+              <a:rPr lang="en-US" sz="1800" dirty="0">
+                <a:solidFill>
+                  <a:schemeClr val="bg1"/>
+                </a:solidFill>
+                <a:latin typeface="+mn-lt"/>
+              </a:rPr>
+              <a:t>Provide offline functionality to enable users to perform encryption and decryption tasks without an internet connection.</a:t>
+            </a:r>
+          </a:p>
+          <a:p>
+            <a:pPr marL="285750" indent="-285750">
+              <a:lnSpc>
+                <a:spcPct val="120000"/>
+              </a:lnSpc>
+              <a:buClr>
+                <a:schemeClr val="accent3">
+                  <a:lumMod val="75000"/>
+                </a:schemeClr>
+              </a:buClr>
+              <a:buFont typeface="Wingdings" panose="05000000000000000000" pitchFamily="2" charset="2"/>
+              <a:buChar char="ü"/>
+            </a:pPr>
+            <a:r>
+              <a:rPr lang="en-US" sz="1800" b="1" dirty="0">
+                <a:solidFill>
+                  <a:schemeClr val="bg1"/>
+                </a:solidFill>
+                <a:latin typeface="+mn-lt"/>
+              </a:rPr>
+              <a:t>Community Integration: </a:t>
+            </a:r>
+            <a:r>
+              <a:rPr lang="en-US" sz="1800" dirty="0">
+                <a:solidFill>
+                  <a:schemeClr val="bg1"/>
+                </a:solidFill>
+                <a:latin typeface="+mn-lt"/>
+              </a:rPr>
+              <a:t>Facilitate a user community for sharing best practices, tips, and collaborative problem-solving.</a:t>
+            </a:r>
+          </a:p>
+        </p:txBody>
+      </p:sp>
     </p:spTree>
     <p:extLst>
       <p:ext uri="{BB962C8B-B14F-4D97-AF65-F5344CB8AC3E}">
-        <p14:creationId xmlns:p14="http://schemas.microsoft.com/office/powerpoint/2010/main" val="910315636"/>
+        <p14:creationId xmlns:p14="http://schemas.microsoft.com/office/powerpoint/2010/main" val="454670496"/>
       </p:ext>
     </p:extLst>
   </p:cSld>
@@ -11442,10 +12220,10 @@
       </p:grpSpPr>
       <p:sp>
         <p:nvSpPr>
-          <p:cNvPr id="3" name="Title 2">
+          <p:cNvPr id="9" name="Title 8">
             <a:extLst>
               <a:ext uri="{FF2B5EF4-FFF2-40B4-BE49-F238E27FC236}">
-                <a16:creationId xmlns:a16="http://schemas.microsoft.com/office/drawing/2014/main" id="{06DE3104-398C-EF95-D86E-630F512487F9}"/>
+                <a16:creationId xmlns:a16="http://schemas.microsoft.com/office/drawing/2014/main" id="{EE265A4F-F61F-2565-0398-8724DC384B2C}"/>
               </a:ext>
             </a:extLst>
           </p:cNvPr>
@@ -11458,28 +12236,29 @@
         </p:nvSpPr>
         <p:spPr>
           <a:xfrm>
-            <a:off x="835370" y="171396"/>
-            <a:ext cx="3736630" cy="2202350"/>
+            <a:off x="1230923" y="242093"/>
+            <a:ext cx="6327105" cy="702994"/>
           </a:xfrm>
         </p:spPr>
         <p:txBody>
           <a:bodyPr/>
           <a:lstStyle/>
           <a:p>
-            <a:pPr lvl="0"/>
-            <a:r>
-              <a:rPr lang="en-US" noProof="0" dirty="0"/>
-              <a:t>DYNAMIC DELIVERY</a:t>
-            </a:r>
+            <a:pPr algn="l"/>
+            <a:r>
+              <a:rPr lang="en-US" dirty="0"/>
+              <a:t>Future scope</a:t>
+            </a:r>
+            <a:endParaRPr lang="en-IN" dirty="0"/>
           </a:p>
         </p:txBody>
       </p:sp>
       <p:sp>
         <p:nvSpPr>
-          <p:cNvPr id="4" name="Content Placeholder 3">
+          <p:cNvPr id="10" name="Subtitle 9">
             <a:extLst>
               <a:ext uri="{FF2B5EF4-FFF2-40B4-BE49-F238E27FC236}">
-                <a16:creationId xmlns:a16="http://schemas.microsoft.com/office/drawing/2014/main" id="{67328E6B-D306-C2F9-54E9-FD35599AC24B}"/>
+                <a16:creationId xmlns:a16="http://schemas.microsoft.com/office/drawing/2014/main" id="{286209DA-1D1F-ED44-E69B-E643AC8EF91E}"/>
               </a:ext>
             </a:extLst>
           </p:cNvPr>
@@ -11487,2291 +12266,176 @@
             <a:spLocks noGrp="1"/>
           </p:cNvSpPr>
           <p:nvPr>
-            <p:ph sz="quarter" idx="36"/>
+            <p:ph type="subTitle" idx="1"/>
           </p:nvPr>
         </p:nvSpPr>
         <p:spPr>
           <a:xfrm>
-            <a:off x="841716" y="3078480"/>
-            <a:ext cx="3108193" cy="3047997"/>
+            <a:off x="1230923" y="1494695"/>
+            <a:ext cx="7975876" cy="5314644"/>
           </a:xfrm>
         </p:spPr>
         <p:txBody>
           <a:bodyPr/>
           <a:lstStyle/>
           <a:p>
-            <a:r>
-              <a:rPr lang="en-US" dirty="0"/>
-              <a:t>Learn to infuse energy into your delivery to leave a lasting impression</a:t>
-            </a:r>
-          </a:p>
-          <a:p>
-            <a:r>
-              <a:rPr lang="en-US" dirty="0"/>
-              <a:t>One of the goals of effective communication is to motivate your audience</a:t>
+            <a:pPr marL="285750" indent="-285750" algn="l">
+              <a:buFont typeface="Wingdings" panose="05000000000000000000" pitchFamily="2" charset="2"/>
+              <a:buChar char="ü"/>
+            </a:pPr>
+            <a:r>
+              <a:rPr lang="en-IN" dirty="0"/>
+              <a:t>User Login and Authentication: Adding user login for multiple user control and authentication.</a:t>
+            </a:r>
+          </a:p>
+          <a:p>
+            <a:pPr marL="285750" indent="-285750" algn="l">
+              <a:buFont typeface="Wingdings" panose="05000000000000000000" pitchFamily="2" charset="2"/>
+              <a:buChar char="ü"/>
+            </a:pPr>
+            <a:endParaRPr lang="en-IN" dirty="0"/>
+          </a:p>
+          <a:p>
+            <a:pPr marL="285750" indent="-285750" algn="l">
+              <a:buFont typeface="Wingdings" panose="05000000000000000000" pitchFamily="2" charset="2"/>
+              <a:buChar char="ü"/>
+            </a:pPr>
+            <a:r>
+              <a:rPr lang="en-IN" dirty="0"/>
+              <a:t>Enhanced Encryption Methods: Adding extra cryptographic methods to encrypt files and folders.</a:t>
+            </a:r>
+          </a:p>
+          <a:p>
+            <a:pPr marL="285750" indent="-285750" algn="l">
+              <a:buFont typeface="Wingdings" panose="05000000000000000000" pitchFamily="2" charset="2"/>
+              <a:buChar char="ü"/>
+            </a:pPr>
+            <a:endParaRPr lang="en-IN" dirty="0"/>
+          </a:p>
+          <a:p>
+            <a:pPr marL="285750" indent="-285750" algn="l">
+              <a:buFont typeface="Wingdings" panose="05000000000000000000" pitchFamily="2" charset="2"/>
+              <a:buChar char="ü"/>
+            </a:pPr>
+            <a:r>
+              <a:rPr lang="en-IN" dirty="0"/>
+              <a:t>Steganography Support: Incorporating steganography for hiding information within files.</a:t>
+            </a:r>
+          </a:p>
+          <a:p>
+            <a:pPr marL="285750" indent="-285750" algn="l">
+              <a:buFont typeface="Wingdings" panose="05000000000000000000" pitchFamily="2" charset="2"/>
+              <a:buChar char="ü"/>
+            </a:pPr>
+            <a:endParaRPr lang="en-IN" dirty="0"/>
+          </a:p>
+          <a:p>
+            <a:pPr marL="285750" indent="-285750" algn="l">
+              <a:buFont typeface="Wingdings" panose="05000000000000000000" pitchFamily="2" charset="2"/>
+              <a:buChar char="ü"/>
+            </a:pPr>
+            <a:r>
+              <a:rPr lang="en-IN" dirty="0"/>
+              <a:t>API Support: Adding API support for web linking and integration with other applications.</a:t>
             </a:r>
           </a:p>
         </p:txBody>
       </p:sp>
-      <p:graphicFrame>
-        <p:nvGraphicFramePr>
-          <p:cNvPr id="5" name="Table Placeholder 2">
+      <p:sp>
+        <p:nvSpPr>
+          <p:cNvPr id="4" name="Slide Number Placeholder 3">
             <a:extLst>
               <a:ext uri="{FF2B5EF4-FFF2-40B4-BE49-F238E27FC236}">
-                <a16:creationId xmlns:a16="http://schemas.microsoft.com/office/drawing/2014/main" id="{67588EB3-ED1D-6AD3-5960-55BD64293774}"/>
+                <a16:creationId xmlns:a16="http://schemas.microsoft.com/office/drawing/2014/main" id="{4B0ACFAC-CBB2-9F2F-F7F1-95BF3480109D}"/>
               </a:ext>
             </a:extLst>
           </p:cNvPr>
-          <p:cNvGraphicFramePr>
-            <a:graphicFrameLocks noGrp="1"/>
-          </p:cNvGraphicFramePr>
+          <p:cNvSpPr>
+            <a:spLocks noGrp="1"/>
+          </p:cNvSpPr>
           <p:nvPr>
-            <p:ph type="tbl" sz="quarter" idx="37"/>
-            <p:extLst>
-              <p:ext uri="{D42A27DB-BD31-4B8C-83A1-F6EECF244321}">
-                <p14:modId xmlns:p14="http://schemas.microsoft.com/office/powerpoint/2010/main" val="1366282485"/>
-              </p:ext>
-            </p:extLst>
+            <p:ph type="sldNum" sz="quarter" idx="4294967295"/>
           </p:nvPr>
-        </p:nvGraphicFramePr>
-        <p:xfrm>
-          <a:off x="5067300" y="404813"/>
-          <a:ext cx="6705602" cy="6049480"/>
-        </p:xfrm>
-        <a:graphic>
-          <a:graphicData uri="http://schemas.openxmlformats.org/drawingml/2006/table">
-            <a:tbl>
-              <a:tblPr firstRow="1" bandRow="1">
-                <a:tableStyleId>{10A1B5D5-9B99-4C35-A422-299274C87663}</a:tableStyleId>
-              </a:tblPr>
-              <a:tblGrid>
-                <a:gridCol w="1676400">
-                  <a:extLst>
-                    <a:ext uri="{9D8B030D-6E8A-4147-A177-3AD203B41FA5}">
-                      <a16:colId xmlns:a16="http://schemas.microsoft.com/office/drawing/2014/main" val="127040821"/>
-                    </a:ext>
-                  </a:extLst>
-                </a:gridCol>
-                <a:gridCol w="1932147">
-                  <a:extLst>
-                    <a:ext uri="{9D8B030D-6E8A-4147-A177-3AD203B41FA5}">
-                      <a16:colId xmlns:a16="http://schemas.microsoft.com/office/drawing/2014/main" val="149845700"/>
-                    </a:ext>
-                  </a:extLst>
-                </a:gridCol>
-                <a:gridCol w="1420655">
-                  <a:extLst>
-                    <a:ext uri="{9D8B030D-6E8A-4147-A177-3AD203B41FA5}">
-                      <a16:colId xmlns:a16="http://schemas.microsoft.com/office/drawing/2014/main" val="3119692462"/>
-                    </a:ext>
-                  </a:extLst>
-                </a:gridCol>
-                <a:gridCol w="1676400">
-                  <a:extLst>
-                    <a:ext uri="{9D8B030D-6E8A-4147-A177-3AD203B41FA5}">
-                      <a16:colId xmlns:a16="http://schemas.microsoft.com/office/drawing/2014/main" val="3472639139"/>
-                    </a:ext>
-                  </a:extLst>
-                </a:gridCol>
-              </a:tblGrid>
-              <a:tr h="924240">
-                <a:tc>
-                  <a:txBody>
-                    <a:bodyPr/>
-                    <a:lstStyle>
-                      <a:lvl1pPr marL="0" algn="l" defTabSz="914400" rtl="0" eaLnBrk="1" latinLnBrk="0" hangingPunct="1">
-                        <a:defRPr sz="1800" b="1" kern="1200">
-                          <a:solidFill>
-                            <a:schemeClr val="lt1"/>
-                          </a:solidFill>
-                          <a:latin typeface="Tenorite "/>
-                        </a:defRPr>
-                      </a:lvl1pPr>
-                      <a:lvl2pPr marL="457200" algn="l" defTabSz="914400" rtl="0" eaLnBrk="1" latinLnBrk="0" hangingPunct="1">
-                        <a:defRPr sz="1800" b="1" kern="1200">
-                          <a:solidFill>
-                            <a:schemeClr val="lt1"/>
-                          </a:solidFill>
-                          <a:latin typeface="Tenorite "/>
-                        </a:defRPr>
-                      </a:lvl2pPr>
-                      <a:lvl3pPr marL="914400" algn="l" defTabSz="914400" rtl="0" eaLnBrk="1" latinLnBrk="0" hangingPunct="1">
-                        <a:defRPr sz="1800" b="1" kern="1200">
-                          <a:solidFill>
-                            <a:schemeClr val="lt1"/>
-                          </a:solidFill>
-                          <a:latin typeface="Tenorite "/>
-                        </a:defRPr>
-                      </a:lvl3pPr>
-                      <a:lvl4pPr marL="1371600" algn="l" defTabSz="914400" rtl="0" eaLnBrk="1" latinLnBrk="0" hangingPunct="1">
-                        <a:defRPr sz="1800" b="1" kern="1200">
-                          <a:solidFill>
-                            <a:schemeClr val="lt1"/>
-                          </a:solidFill>
-                          <a:latin typeface="Tenorite "/>
-                        </a:defRPr>
-                      </a:lvl4pPr>
-                      <a:lvl5pPr marL="1828800" algn="l" defTabSz="914400" rtl="0" eaLnBrk="1" latinLnBrk="0" hangingPunct="1">
-                        <a:defRPr sz="1800" b="1" kern="1200">
-                          <a:solidFill>
-                            <a:schemeClr val="lt1"/>
-                          </a:solidFill>
-                          <a:latin typeface="Tenorite "/>
-                        </a:defRPr>
-                      </a:lvl5pPr>
-                      <a:lvl6pPr marL="2286000" algn="l" defTabSz="914400" rtl="0" eaLnBrk="1" latinLnBrk="0" hangingPunct="1">
-                        <a:defRPr sz="1800" b="1" kern="1200">
-                          <a:solidFill>
-                            <a:schemeClr val="lt1"/>
-                          </a:solidFill>
-                          <a:latin typeface="Tenorite "/>
-                        </a:defRPr>
-                      </a:lvl6pPr>
-                      <a:lvl7pPr marL="2743200" algn="l" defTabSz="914400" rtl="0" eaLnBrk="1" latinLnBrk="0" hangingPunct="1">
-                        <a:defRPr sz="1800" b="1" kern="1200">
-                          <a:solidFill>
-                            <a:schemeClr val="lt1"/>
-                          </a:solidFill>
-                          <a:latin typeface="Tenorite "/>
-                        </a:defRPr>
-                      </a:lvl7pPr>
-                      <a:lvl8pPr marL="3200400" algn="l" defTabSz="914400" rtl="0" eaLnBrk="1" latinLnBrk="0" hangingPunct="1">
-                        <a:defRPr sz="1800" b="1" kern="1200">
-                          <a:solidFill>
-                            <a:schemeClr val="lt1"/>
-                          </a:solidFill>
-                          <a:latin typeface="Tenorite "/>
-                        </a:defRPr>
-                      </a:lvl8pPr>
-                      <a:lvl9pPr marL="3657600" algn="l" defTabSz="914400" rtl="0" eaLnBrk="1" latinLnBrk="0" hangingPunct="1">
-                        <a:defRPr sz="1800" b="1" kern="1200">
-                          <a:solidFill>
-                            <a:schemeClr val="lt1"/>
-                          </a:solidFill>
-                          <a:latin typeface="Tenorite "/>
-                        </a:defRPr>
-                      </a:lvl9pPr>
-                    </a:lstStyle>
-                    <a:p>
-                      <a:pPr algn="ctr"/>
-                      <a:r>
-                        <a:rPr lang="en-US" dirty="0">
-                          <a:latin typeface="+mn-lt"/>
-                        </a:rPr>
-                        <a:t>METRIC</a:t>
-                      </a:r>
-                      <a:endParaRPr lang="en-US" b="0" dirty="0">
-                        <a:latin typeface="+mn-lt"/>
-                      </a:endParaRPr>
-                    </a:p>
-                  </a:txBody>
-                  <a:tcPr anchor="ctr"/>
-                </a:tc>
-                <a:tc>
-                  <a:txBody>
-                    <a:bodyPr/>
-                    <a:lstStyle>
-                      <a:lvl1pPr marL="0" algn="l" defTabSz="914400" rtl="0" eaLnBrk="1" latinLnBrk="0" hangingPunct="1">
-                        <a:defRPr sz="1800" b="1" kern="1200">
-                          <a:solidFill>
-                            <a:schemeClr val="lt1"/>
-                          </a:solidFill>
-                          <a:latin typeface="Tenorite "/>
-                        </a:defRPr>
-                      </a:lvl1pPr>
-                      <a:lvl2pPr marL="457200" algn="l" defTabSz="914400" rtl="0" eaLnBrk="1" latinLnBrk="0" hangingPunct="1">
-                        <a:defRPr sz="1800" b="1" kern="1200">
-                          <a:solidFill>
-                            <a:schemeClr val="lt1"/>
-                          </a:solidFill>
-                          <a:latin typeface="Tenorite "/>
-                        </a:defRPr>
-                      </a:lvl2pPr>
-                      <a:lvl3pPr marL="914400" algn="l" defTabSz="914400" rtl="0" eaLnBrk="1" latinLnBrk="0" hangingPunct="1">
-                        <a:defRPr sz="1800" b="1" kern="1200">
-                          <a:solidFill>
-                            <a:schemeClr val="lt1"/>
-                          </a:solidFill>
-                          <a:latin typeface="Tenorite "/>
-                        </a:defRPr>
-                      </a:lvl3pPr>
-                      <a:lvl4pPr marL="1371600" algn="l" defTabSz="914400" rtl="0" eaLnBrk="1" latinLnBrk="0" hangingPunct="1">
-                        <a:defRPr sz="1800" b="1" kern="1200">
-                          <a:solidFill>
-                            <a:schemeClr val="lt1"/>
-                          </a:solidFill>
-                          <a:latin typeface="Tenorite "/>
-                        </a:defRPr>
-                      </a:lvl4pPr>
-                      <a:lvl5pPr marL="1828800" algn="l" defTabSz="914400" rtl="0" eaLnBrk="1" latinLnBrk="0" hangingPunct="1">
-                        <a:defRPr sz="1800" b="1" kern="1200">
-                          <a:solidFill>
-                            <a:schemeClr val="lt1"/>
-                          </a:solidFill>
-                          <a:latin typeface="Tenorite "/>
-                        </a:defRPr>
-                      </a:lvl5pPr>
-                      <a:lvl6pPr marL="2286000" algn="l" defTabSz="914400" rtl="0" eaLnBrk="1" latinLnBrk="0" hangingPunct="1">
-                        <a:defRPr sz="1800" b="1" kern="1200">
-                          <a:solidFill>
-                            <a:schemeClr val="lt1"/>
-                          </a:solidFill>
-                          <a:latin typeface="Tenorite "/>
-                        </a:defRPr>
-                      </a:lvl6pPr>
-                      <a:lvl7pPr marL="2743200" algn="l" defTabSz="914400" rtl="0" eaLnBrk="1" latinLnBrk="0" hangingPunct="1">
-                        <a:defRPr sz="1800" b="1" kern="1200">
-                          <a:solidFill>
-                            <a:schemeClr val="lt1"/>
-                          </a:solidFill>
-                          <a:latin typeface="Tenorite "/>
-                        </a:defRPr>
-                      </a:lvl7pPr>
-                      <a:lvl8pPr marL="3200400" algn="l" defTabSz="914400" rtl="0" eaLnBrk="1" latinLnBrk="0" hangingPunct="1">
-                        <a:defRPr sz="1800" b="1" kern="1200">
-                          <a:solidFill>
-                            <a:schemeClr val="lt1"/>
-                          </a:solidFill>
-                          <a:latin typeface="Tenorite "/>
-                        </a:defRPr>
-                      </a:lvl8pPr>
-                      <a:lvl9pPr marL="3657600" algn="l" defTabSz="914400" rtl="0" eaLnBrk="1" latinLnBrk="0" hangingPunct="1">
-                        <a:defRPr sz="1800" b="1" kern="1200">
-                          <a:solidFill>
-                            <a:schemeClr val="lt1"/>
-                          </a:solidFill>
-                          <a:latin typeface="Tenorite "/>
-                        </a:defRPr>
-                      </a:lvl9pPr>
-                    </a:lstStyle>
-                    <a:p>
-                      <a:pPr algn="ctr"/>
-                      <a:r>
-                        <a:rPr lang="en-US" dirty="0">
-                          <a:latin typeface="+mn-lt"/>
-                        </a:rPr>
-                        <a:t>MEASUREMENT</a:t>
-                      </a:r>
-                      <a:endParaRPr lang="en-US" b="0" dirty="0">
-                        <a:latin typeface="+mn-lt"/>
-                      </a:endParaRPr>
-                    </a:p>
-                  </a:txBody>
-                  <a:tcPr anchor="ctr"/>
-                </a:tc>
-                <a:tc>
-                  <a:txBody>
-                    <a:bodyPr/>
-                    <a:lstStyle>
-                      <a:lvl1pPr marL="0" algn="l" defTabSz="914400" rtl="0" eaLnBrk="1" latinLnBrk="0" hangingPunct="1">
-                        <a:defRPr sz="1800" b="1" kern="1200">
-                          <a:solidFill>
-                            <a:schemeClr val="lt1"/>
-                          </a:solidFill>
-                          <a:latin typeface="Tenorite "/>
-                        </a:defRPr>
-                      </a:lvl1pPr>
-                      <a:lvl2pPr marL="457200" algn="l" defTabSz="914400" rtl="0" eaLnBrk="1" latinLnBrk="0" hangingPunct="1">
-                        <a:defRPr sz="1800" b="1" kern="1200">
-                          <a:solidFill>
-                            <a:schemeClr val="lt1"/>
-                          </a:solidFill>
-                          <a:latin typeface="Tenorite "/>
-                        </a:defRPr>
-                      </a:lvl2pPr>
-                      <a:lvl3pPr marL="914400" algn="l" defTabSz="914400" rtl="0" eaLnBrk="1" latinLnBrk="0" hangingPunct="1">
-                        <a:defRPr sz="1800" b="1" kern="1200">
-                          <a:solidFill>
-                            <a:schemeClr val="lt1"/>
-                          </a:solidFill>
-                          <a:latin typeface="Tenorite "/>
-                        </a:defRPr>
-                      </a:lvl3pPr>
-                      <a:lvl4pPr marL="1371600" algn="l" defTabSz="914400" rtl="0" eaLnBrk="1" latinLnBrk="0" hangingPunct="1">
-                        <a:defRPr sz="1800" b="1" kern="1200">
-                          <a:solidFill>
-                            <a:schemeClr val="lt1"/>
-                          </a:solidFill>
-                          <a:latin typeface="Tenorite "/>
-                        </a:defRPr>
-                      </a:lvl4pPr>
-                      <a:lvl5pPr marL="1828800" algn="l" defTabSz="914400" rtl="0" eaLnBrk="1" latinLnBrk="0" hangingPunct="1">
-                        <a:defRPr sz="1800" b="1" kern="1200">
-                          <a:solidFill>
-                            <a:schemeClr val="lt1"/>
-                          </a:solidFill>
-                          <a:latin typeface="Tenorite "/>
-                        </a:defRPr>
-                      </a:lvl5pPr>
-                      <a:lvl6pPr marL="2286000" algn="l" defTabSz="914400" rtl="0" eaLnBrk="1" latinLnBrk="0" hangingPunct="1">
-                        <a:defRPr sz="1800" b="1" kern="1200">
-                          <a:solidFill>
-                            <a:schemeClr val="lt1"/>
-                          </a:solidFill>
-                          <a:latin typeface="Tenorite "/>
-                        </a:defRPr>
-                      </a:lvl6pPr>
-                      <a:lvl7pPr marL="2743200" algn="l" defTabSz="914400" rtl="0" eaLnBrk="1" latinLnBrk="0" hangingPunct="1">
-                        <a:defRPr sz="1800" b="1" kern="1200">
-                          <a:solidFill>
-                            <a:schemeClr val="lt1"/>
-                          </a:solidFill>
-                          <a:latin typeface="Tenorite "/>
-                        </a:defRPr>
-                      </a:lvl7pPr>
-                      <a:lvl8pPr marL="3200400" algn="l" defTabSz="914400" rtl="0" eaLnBrk="1" latinLnBrk="0" hangingPunct="1">
-                        <a:defRPr sz="1800" b="1" kern="1200">
-                          <a:solidFill>
-                            <a:schemeClr val="lt1"/>
-                          </a:solidFill>
-                          <a:latin typeface="Tenorite "/>
-                        </a:defRPr>
-                      </a:lvl8pPr>
-                      <a:lvl9pPr marL="3657600" algn="l" defTabSz="914400" rtl="0" eaLnBrk="1" latinLnBrk="0" hangingPunct="1">
-                        <a:defRPr sz="1800" b="1" kern="1200">
-                          <a:solidFill>
-                            <a:schemeClr val="lt1"/>
-                          </a:solidFill>
-                          <a:latin typeface="Tenorite "/>
-                        </a:defRPr>
-                      </a:lvl9pPr>
-                    </a:lstStyle>
-                    <a:p>
-                      <a:pPr algn="ctr"/>
-                      <a:r>
-                        <a:rPr lang="en-US" dirty="0">
-                          <a:latin typeface="+mn-lt"/>
-                        </a:rPr>
-                        <a:t>TARGET</a:t>
-                      </a:r>
-                      <a:endParaRPr lang="en-US" b="0" dirty="0">
-                        <a:latin typeface="+mn-lt"/>
-                      </a:endParaRPr>
-                    </a:p>
-                  </a:txBody>
-                  <a:tcPr anchor="ctr"/>
-                </a:tc>
-                <a:tc>
-                  <a:txBody>
-                    <a:bodyPr/>
-                    <a:lstStyle>
-                      <a:lvl1pPr marL="0" algn="l" defTabSz="914400" rtl="0" eaLnBrk="1" latinLnBrk="0" hangingPunct="1">
-                        <a:defRPr sz="1800" b="1" kern="1200">
-                          <a:solidFill>
-                            <a:schemeClr val="lt1"/>
-                          </a:solidFill>
-                          <a:latin typeface="Tenorite "/>
-                        </a:defRPr>
-                      </a:lvl1pPr>
-                      <a:lvl2pPr marL="457200" algn="l" defTabSz="914400" rtl="0" eaLnBrk="1" latinLnBrk="0" hangingPunct="1">
-                        <a:defRPr sz="1800" b="1" kern="1200">
-                          <a:solidFill>
-                            <a:schemeClr val="lt1"/>
-                          </a:solidFill>
-                          <a:latin typeface="Tenorite "/>
-                        </a:defRPr>
-                      </a:lvl2pPr>
-                      <a:lvl3pPr marL="914400" algn="l" defTabSz="914400" rtl="0" eaLnBrk="1" latinLnBrk="0" hangingPunct="1">
-                        <a:defRPr sz="1800" b="1" kern="1200">
-                          <a:solidFill>
-                            <a:schemeClr val="lt1"/>
-                          </a:solidFill>
-                          <a:latin typeface="Tenorite "/>
-                        </a:defRPr>
-                      </a:lvl3pPr>
-                      <a:lvl4pPr marL="1371600" algn="l" defTabSz="914400" rtl="0" eaLnBrk="1" latinLnBrk="0" hangingPunct="1">
-                        <a:defRPr sz="1800" b="1" kern="1200">
-                          <a:solidFill>
-                            <a:schemeClr val="lt1"/>
-                          </a:solidFill>
-                          <a:latin typeface="Tenorite "/>
-                        </a:defRPr>
-                      </a:lvl4pPr>
-                      <a:lvl5pPr marL="1828800" algn="l" defTabSz="914400" rtl="0" eaLnBrk="1" latinLnBrk="0" hangingPunct="1">
-                        <a:defRPr sz="1800" b="1" kern="1200">
-                          <a:solidFill>
-                            <a:schemeClr val="lt1"/>
-                          </a:solidFill>
-                          <a:latin typeface="Tenorite "/>
-                        </a:defRPr>
-                      </a:lvl5pPr>
-                      <a:lvl6pPr marL="2286000" algn="l" defTabSz="914400" rtl="0" eaLnBrk="1" latinLnBrk="0" hangingPunct="1">
-                        <a:defRPr sz="1800" b="1" kern="1200">
-                          <a:solidFill>
-                            <a:schemeClr val="lt1"/>
-                          </a:solidFill>
-                          <a:latin typeface="Tenorite "/>
-                        </a:defRPr>
-                      </a:lvl6pPr>
-                      <a:lvl7pPr marL="2743200" algn="l" defTabSz="914400" rtl="0" eaLnBrk="1" latinLnBrk="0" hangingPunct="1">
-                        <a:defRPr sz="1800" b="1" kern="1200">
-                          <a:solidFill>
-                            <a:schemeClr val="lt1"/>
-                          </a:solidFill>
-                          <a:latin typeface="Tenorite "/>
-                        </a:defRPr>
-                      </a:lvl7pPr>
-                      <a:lvl8pPr marL="3200400" algn="l" defTabSz="914400" rtl="0" eaLnBrk="1" latinLnBrk="0" hangingPunct="1">
-                        <a:defRPr sz="1800" b="1" kern="1200">
-                          <a:solidFill>
-                            <a:schemeClr val="lt1"/>
-                          </a:solidFill>
-                          <a:latin typeface="Tenorite "/>
-                        </a:defRPr>
-                      </a:lvl8pPr>
-                      <a:lvl9pPr marL="3657600" algn="l" defTabSz="914400" rtl="0" eaLnBrk="1" latinLnBrk="0" hangingPunct="1">
-                        <a:defRPr sz="1800" b="1" kern="1200">
-                          <a:solidFill>
-                            <a:schemeClr val="lt1"/>
-                          </a:solidFill>
-                          <a:latin typeface="Tenorite "/>
-                        </a:defRPr>
-                      </a:lvl9pPr>
-                    </a:lstStyle>
-                    <a:p>
-                      <a:pPr algn="ctr"/>
-                      <a:r>
-                        <a:rPr lang="en-US" dirty="0">
-                          <a:latin typeface="+mn-lt"/>
-                        </a:rPr>
-                        <a:t>ACTUAL</a:t>
-                      </a:r>
-                      <a:endParaRPr lang="en-US" b="0" dirty="0">
-                        <a:latin typeface="+mn-lt"/>
-                      </a:endParaRPr>
-                    </a:p>
-                  </a:txBody>
-                  <a:tcPr anchor="ctr"/>
-                </a:tc>
-                <a:extLst>
-                  <a:ext uri="{0D108BD9-81ED-4DB2-BD59-A6C34878D82A}">
-                    <a16:rowId xmlns:a16="http://schemas.microsoft.com/office/drawing/2014/main" val="3298013591"/>
-                  </a:ext>
-                </a:extLst>
-              </a:tr>
-              <a:tr h="1015099">
-                <a:tc>
-                  <a:txBody>
-                    <a:bodyPr/>
-                    <a:lstStyle>
-                      <a:lvl1pPr marL="0" algn="l" defTabSz="914400" rtl="0" eaLnBrk="1" latinLnBrk="0" hangingPunct="1">
-                        <a:defRPr sz="1800" kern="1200">
-                          <a:solidFill>
-                            <a:schemeClr val="dk1"/>
-                          </a:solidFill>
-                          <a:latin typeface="Tenorite "/>
-                        </a:defRPr>
-                      </a:lvl1pPr>
-                      <a:lvl2pPr marL="457200" algn="l" defTabSz="914400" rtl="0" eaLnBrk="1" latinLnBrk="0" hangingPunct="1">
-                        <a:defRPr sz="1800" kern="1200">
-                          <a:solidFill>
-                            <a:schemeClr val="dk1"/>
-                          </a:solidFill>
-                          <a:latin typeface="Tenorite "/>
-                        </a:defRPr>
-                      </a:lvl2pPr>
-                      <a:lvl3pPr marL="914400" algn="l" defTabSz="914400" rtl="0" eaLnBrk="1" latinLnBrk="0" hangingPunct="1">
-                        <a:defRPr sz="1800" kern="1200">
-                          <a:solidFill>
-                            <a:schemeClr val="dk1"/>
-                          </a:solidFill>
-                          <a:latin typeface="Tenorite "/>
-                        </a:defRPr>
-                      </a:lvl3pPr>
-                      <a:lvl4pPr marL="1371600" algn="l" defTabSz="914400" rtl="0" eaLnBrk="1" latinLnBrk="0" hangingPunct="1">
-                        <a:defRPr sz="1800" kern="1200">
-                          <a:solidFill>
-                            <a:schemeClr val="dk1"/>
-                          </a:solidFill>
-                          <a:latin typeface="Tenorite "/>
-                        </a:defRPr>
-                      </a:lvl4pPr>
-                      <a:lvl5pPr marL="1828800" algn="l" defTabSz="914400" rtl="0" eaLnBrk="1" latinLnBrk="0" hangingPunct="1">
-                        <a:defRPr sz="1800" kern="1200">
-                          <a:solidFill>
-                            <a:schemeClr val="dk1"/>
-                          </a:solidFill>
-                          <a:latin typeface="Tenorite "/>
-                        </a:defRPr>
-                      </a:lvl5pPr>
-                      <a:lvl6pPr marL="2286000" algn="l" defTabSz="914400" rtl="0" eaLnBrk="1" latinLnBrk="0" hangingPunct="1">
-                        <a:defRPr sz="1800" kern="1200">
-                          <a:solidFill>
-                            <a:schemeClr val="dk1"/>
-                          </a:solidFill>
-                          <a:latin typeface="Tenorite "/>
-                        </a:defRPr>
-                      </a:lvl6pPr>
-                      <a:lvl7pPr marL="2743200" algn="l" defTabSz="914400" rtl="0" eaLnBrk="1" latinLnBrk="0" hangingPunct="1">
-                        <a:defRPr sz="1800" kern="1200">
-                          <a:solidFill>
-                            <a:schemeClr val="dk1"/>
-                          </a:solidFill>
-                          <a:latin typeface="Tenorite "/>
-                        </a:defRPr>
-                      </a:lvl7pPr>
-                      <a:lvl8pPr marL="3200400" algn="l" defTabSz="914400" rtl="0" eaLnBrk="1" latinLnBrk="0" hangingPunct="1">
-                        <a:defRPr sz="1800" kern="1200">
-                          <a:solidFill>
-                            <a:schemeClr val="dk1"/>
-                          </a:solidFill>
-                          <a:latin typeface="Tenorite "/>
-                        </a:defRPr>
-                      </a:lvl8pPr>
-                      <a:lvl9pPr marL="3657600" algn="l" defTabSz="914400" rtl="0" eaLnBrk="1" latinLnBrk="0" hangingPunct="1">
-                        <a:defRPr sz="1800" kern="1200">
-                          <a:solidFill>
-                            <a:schemeClr val="dk1"/>
-                          </a:solidFill>
-                          <a:latin typeface="Tenorite "/>
-                        </a:defRPr>
-                      </a:lvl9pPr>
-                    </a:lstStyle>
-                    <a:p>
-                      <a:pPr algn="ctr"/>
-                      <a:r>
-                        <a:rPr lang="en-US" dirty="0">
-                          <a:latin typeface="+mn-lt"/>
-                        </a:rPr>
-                        <a:t>Audience attendance</a:t>
-                      </a:r>
-                    </a:p>
-                  </a:txBody>
-                  <a:tcPr anchor="ctr"/>
-                </a:tc>
-                <a:tc>
-                  <a:txBody>
-                    <a:bodyPr/>
-                    <a:lstStyle>
-                      <a:lvl1pPr marL="0" algn="l" defTabSz="914400" rtl="0" eaLnBrk="1" latinLnBrk="0" hangingPunct="1">
-                        <a:defRPr sz="1800" kern="1200">
-                          <a:solidFill>
-                            <a:schemeClr val="dk1"/>
-                          </a:solidFill>
-                          <a:latin typeface="Tenorite "/>
-                        </a:defRPr>
-                      </a:lvl1pPr>
-                      <a:lvl2pPr marL="457200" algn="l" defTabSz="914400" rtl="0" eaLnBrk="1" latinLnBrk="0" hangingPunct="1">
-                        <a:defRPr sz="1800" kern="1200">
-                          <a:solidFill>
-                            <a:schemeClr val="dk1"/>
-                          </a:solidFill>
-                          <a:latin typeface="Tenorite "/>
-                        </a:defRPr>
-                      </a:lvl2pPr>
-                      <a:lvl3pPr marL="914400" algn="l" defTabSz="914400" rtl="0" eaLnBrk="1" latinLnBrk="0" hangingPunct="1">
-                        <a:defRPr sz="1800" kern="1200">
-                          <a:solidFill>
-                            <a:schemeClr val="dk1"/>
-                          </a:solidFill>
-                          <a:latin typeface="Tenorite "/>
-                        </a:defRPr>
-                      </a:lvl3pPr>
-                      <a:lvl4pPr marL="1371600" algn="l" defTabSz="914400" rtl="0" eaLnBrk="1" latinLnBrk="0" hangingPunct="1">
-                        <a:defRPr sz="1800" kern="1200">
-                          <a:solidFill>
-                            <a:schemeClr val="dk1"/>
-                          </a:solidFill>
-                          <a:latin typeface="Tenorite "/>
-                        </a:defRPr>
-                      </a:lvl4pPr>
-                      <a:lvl5pPr marL="1828800" algn="l" defTabSz="914400" rtl="0" eaLnBrk="1" latinLnBrk="0" hangingPunct="1">
-                        <a:defRPr sz="1800" kern="1200">
-                          <a:solidFill>
-                            <a:schemeClr val="dk1"/>
-                          </a:solidFill>
-                          <a:latin typeface="Tenorite "/>
-                        </a:defRPr>
-                      </a:lvl5pPr>
-                      <a:lvl6pPr marL="2286000" algn="l" defTabSz="914400" rtl="0" eaLnBrk="1" latinLnBrk="0" hangingPunct="1">
-                        <a:defRPr sz="1800" kern="1200">
-                          <a:solidFill>
-                            <a:schemeClr val="dk1"/>
-                          </a:solidFill>
-                          <a:latin typeface="Tenorite "/>
-                        </a:defRPr>
-                      </a:lvl6pPr>
-                      <a:lvl7pPr marL="2743200" algn="l" defTabSz="914400" rtl="0" eaLnBrk="1" latinLnBrk="0" hangingPunct="1">
-                        <a:defRPr sz="1800" kern="1200">
-                          <a:solidFill>
-                            <a:schemeClr val="dk1"/>
-                          </a:solidFill>
-                          <a:latin typeface="Tenorite "/>
-                        </a:defRPr>
-                      </a:lvl7pPr>
-                      <a:lvl8pPr marL="3200400" algn="l" defTabSz="914400" rtl="0" eaLnBrk="1" latinLnBrk="0" hangingPunct="1">
-                        <a:defRPr sz="1800" kern="1200">
-                          <a:solidFill>
-                            <a:schemeClr val="dk1"/>
-                          </a:solidFill>
-                          <a:latin typeface="Tenorite "/>
-                        </a:defRPr>
-                      </a:lvl8pPr>
-                      <a:lvl9pPr marL="3657600" algn="l" defTabSz="914400" rtl="0" eaLnBrk="1" latinLnBrk="0" hangingPunct="1">
-                        <a:defRPr sz="1800" kern="1200">
-                          <a:solidFill>
-                            <a:schemeClr val="dk1"/>
-                          </a:solidFill>
-                          <a:latin typeface="Tenorite "/>
-                        </a:defRPr>
-                      </a:lvl9pPr>
-                    </a:lstStyle>
-                    <a:p>
-                      <a:pPr algn="ctr"/>
-                      <a:r>
-                        <a:rPr lang="en-US" dirty="0">
-                          <a:latin typeface="+mn-lt"/>
-                        </a:rPr>
-                        <a:t># of attendees</a:t>
-                      </a:r>
-                    </a:p>
-                  </a:txBody>
-                  <a:tcPr anchor="ctr"/>
-                </a:tc>
-                <a:tc>
-                  <a:txBody>
-                    <a:bodyPr/>
-                    <a:lstStyle>
-                      <a:lvl1pPr marL="0" algn="l" defTabSz="914400" rtl="0" eaLnBrk="1" latinLnBrk="0" hangingPunct="1">
-                        <a:defRPr sz="1800" kern="1200">
-                          <a:solidFill>
-                            <a:schemeClr val="dk1"/>
-                          </a:solidFill>
-                          <a:latin typeface="Tenorite "/>
-                        </a:defRPr>
-                      </a:lvl1pPr>
-                      <a:lvl2pPr marL="457200" algn="l" defTabSz="914400" rtl="0" eaLnBrk="1" latinLnBrk="0" hangingPunct="1">
-                        <a:defRPr sz="1800" kern="1200">
-                          <a:solidFill>
-                            <a:schemeClr val="dk1"/>
-                          </a:solidFill>
-                          <a:latin typeface="Tenorite "/>
-                        </a:defRPr>
-                      </a:lvl2pPr>
-                      <a:lvl3pPr marL="914400" algn="l" defTabSz="914400" rtl="0" eaLnBrk="1" latinLnBrk="0" hangingPunct="1">
-                        <a:defRPr sz="1800" kern="1200">
-                          <a:solidFill>
-                            <a:schemeClr val="dk1"/>
-                          </a:solidFill>
-                          <a:latin typeface="Tenorite "/>
-                        </a:defRPr>
-                      </a:lvl3pPr>
-                      <a:lvl4pPr marL="1371600" algn="l" defTabSz="914400" rtl="0" eaLnBrk="1" latinLnBrk="0" hangingPunct="1">
-                        <a:defRPr sz="1800" kern="1200">
-                          <a:solidFill>
-                            <a:schemeClr val="dk1"/>
-                          </a:solidFill>
-                          <a:latin typeface="Tenorite "/>
-                        </a:defRPr>
-                      </a:lvl4pPr>
-                      <a:lvl5pPr marL="1828800" algn="l" defTabSz="914400" rtl="0" eaLnBrk="1" latinLnBrk="0" hangingPunct="1">
-                        <a:defRPr sz="1800" kern="1200">
-                          <a:solidFill>
-                            <a:schemeClr val="dk1"/>
-                          </a:solidFill>
-                          <a:latin typeface="Tenorite "/>
-                        </a:defRPr>
-                      </a:lvl5pPr>
-                      <a:lvl6pPr marL="2286000" algn="l" defTabSz="914400" rtl="0" eaLnBrk="1" latinLnBrk="0" hangingPunct="1">
-                        <a:defRPr sz="1800" kern="1200">
-                          <a:solidFill>
-                            <a:schemeClr val="dk1"/>
-                          </a:solidFill>
-                          <a:latin typeface="Tenorite "/>
-                        </a:defRPr>
-                      </a:lvl6pPr>
-                      <a:lvl7pPr marL="2743200" algn="l" defTabSz="914400" rtl="0" eaLnBrk="1" latinLnBrk="0" hangingPunct="1">
-                        <a:defRPr sz="1800" kern="1200">
-                          <a:solidFill>
-                            <a:schemeClr val="dk1"/>
-                          </a:solidFill>
-                          <a:latin typeface="Tenorite "/>
-                        </a:defRPr>
-                      </a:lvl7pPr>
-                      <a:lvl8pPr marL="3200400" algn="l" defTabSz="914400" rtl="0" eaLnBrk="1" latinLnBrk="0" hangingPunct="1">
-                        <a:defRPr sz="1800" kern="1200">
-                          <a:solidFill>
-                            <a:schemeClr val="dk1"/>
-                          </a:solidFill>
-                          <a:latin typeface="Tenorite "/>
-                        </a:defRPr>
-                      </a:lvl8pPr>
-                      <a:lvl9pPr marL="3657600" algn="l" defTabSz="914400" rtl="0" eaLnBrk="1" latinLnBrk="0" hangingPunct="1">
-                        <a:defRPr sz="1800" kern="1200">
-                          <a:solidFill>
-                            <a:schemeClr val="dk1"/>
-                          </a:solidFill>
-                          <a:latin typeface="Tenorite "/>
-                        </a:defRPr>
-                      </a:lvl9pPr>
-                    </a:lstStyle>
-                    <a:p>
-                      <a:pPr algn="ctr"/>
-                      <a:r>
-                        <a:rPr lang="en-US" dirty="0">
-                          <a:latin typeface="+mn-lt"/>
-                        </a:rPr>
-                        <a:t>150</a:t>
-                      </a:r>
-                    </a:p>
-                  </a:txBody>
-                  <a:tcPr anchor="ctr"/>
-                </a:tc>
-                <a:tc>
-                  <a:txBody>
-                    <a:bodyPr/>
-                    <a:lstStyle>
-                      <a:lvl1pPr marL="0" algn="l" defTabSz="914400" rtl="0" eaLnBrk="1" latinLnBrk="0" hangingPunct="1">
-                        <a:defRPr sz="1800" kern="1200">
-                          <a:solidFill>
-                            <a:schemeClr val="dk1"/>
-                          </a:solidFill>
-                          <a:latin typeface="Tenorite "/>
-                        </a:defRPr>
-                      </a:lvl1pPr>
-                      <a:lvl2pPr marL="457200" algn="l" defTabSz="914400" rtl="0" eaLnBrk="1" latinLnBrk="0" hangingPunct="1">
-                        <a:defRPr sz="1800" kern="1200">
-                          <a:solidFill>
-                            <a:schemeClr val="dk1"/>
-                          </a:solidFill>
-                          <a:latin typeface="Tenorite "/>
-                        </a:defRPr>
-                      </a:lvl2pPr>
-                      <a:lvl3pPr marL="914400" algn="l" defTabSz="914400" rtl="0" eaLnBrk="1" latinLnBrk="0" hangingPunct="1">
-                        <a:defRPr sz="1800" kern="1200">
-                          <a:solidFill>
-                            <a:schemeClr val="dk1"/>
-                          </a:solidFill>
-                          <a:latin typeface="Tenorite "/>
-                        </a:defRPr>
-                      </a:lvl3pPr>
-                      <a:lvl4pPr marL="1371600" algn="l" defTabSz="914400" rtl="0" eaLnBrk="1" latinLnBrk="0" hangingPunct="1">
-                        <a:defRPr sz="1800" kern="1200">
-                          <a:solidFill>
-                            <a:schemeClr val="dk1"/>
-                          </a:solidFill>
-                          <a:latin typeface="Tenorite "/>
-                        </a:defRPr>
-                      </a:lvl4pPr>
-                      <a:lvl5pPr marL="1828800" algn="l" defTabSz="914400" rtl="0" eaLnBrk="1" latinLnBrk="0" hangingPunct="1">
-                        <a:defRPr sz="1800" kern="1200">
-                          <a:solidFill>
-                            <a:schemeClr val="dk1"/>
-                          </a:solidFill>
-                          <a:latin typeface="Tenorite "/>
-                        </a:defRPr>
-                      </a:lvl5pPr>
-                      <a:lvl6pPr marL="2286000" algn="l" defTabSz="914400" rtl="0" eaLnBrk="1" latinLnBrk="0" hangingPunct="1">
-                        <a:defRPr sz="1800" kern="1200">
-                          <a:solidFill>
-                            <a:schemeClr val="dk1"/>
-                          </a:solidFill>
-                          <a:latin typeface="Tenorite "/>
-                        </a:defRPr>
-                      </a:lvl6pPr>
-                      <a:lvl7pPr marL="2743200" algn="l" defTabSz="914400" rtl="0" eaLnBrk="1" latinLnBrk="0" hangingPunct="1">
-                        <a:defRPr sz="1800" kern="1200">
-                          <a:solidFill>
-                            <a:schemeClr val="dk1"/>
-                          </a:solidFill>
-                          <a:latin typeface="Tenorite "/>
-                        </a:defRPr>
-                      </a:lvl7pPr>
-                      <a:lvl8pPr marL="3200400" algn="l" defTabSz="914400" rtl="0" eaLnBrk="1" latinLnBrk="0" hangingPunct="1">
-                        <a:defRPr sz="1800" kern="1200">
-                          <a:solidFill>
-                            <a:schemeClr val="dk1"/>
-                          </a:solidFill>
-                          <a:latin typeface="Tenorite "/>
-                        </a:defRPr>
-                      </a:lvl8pPr>
-                      <a:lvl9pPr marL="3657600" algn="l" defTabSz="914400" rtl="0" eaLnBrk="1" latinLnBrk="0" hangingPunct="1">
-                        <a:defRPr sz="1800" kern="1200">
-                          <a:solidFill>
-                            <a:schemeClr val="dk1"/>
-                          </a:solidFill>
-                          <a:latin typeface="Tenorite "/>
-                        </a:defRPr>
-                      </a:lvl9pPr>
-                    </a:lstStyle>
-                    <a:p>
-                      <a:pPr algn="ctr"/>
-                      <a:r>
-                        <a:rPr lang="en-US" dirty="0">
-                          <a:latin typeface="+mn-lt"/>
-                        </a:rPr>
-                        <a:t>120</a:t>
-                      </a:r>
-                    </a:p>
-                  </a:txBody>
-                  <a:tcPr anchor="ctr"/>
-                </a:tc>
-                <a:extLst>
-                  <a:ext uri="{0D108BD9-81ED-4DB2-BD59-A6C34878D82A}">
-                    <a16:rowId xmlns:a16="http://schemas.microsoft.com/office/drawing/2014/main" val="3873867931"/>
-                  </a:ext>
-                </a:extLst>
-              </a:tr>
-              <a:tr h="1015099">
-                <a:tc>
-                  <a:txBody>
-                    <a:bodyPr/>
-                    <a:lstStyle>
-                      <a:lvl1pPr marL="0" algn="l" defTabSz="914400" rtl="0" eaLnBrk="1" latinLnBrk="0" hangingPunct="1">
-                        <a:defRPr sz="1800" kern="1200">
-                          <a:solidFill>
-                            <a:schemeClr val="dk1"/>
-                          </a:solidFill>
-                          <a:latin typeface="Tenorite "/>
-                        </a:defRPr>
-                      </a:lvl1pPr>
-                      <a:lvl2pPr marL="457200" algn="l" defTabSz="914400" rtl="0" eaLnBrk="1" latinLnBrk="0" hangingPunct="1">
-                        <a:defRPr sz="1800" kern="1200">
-                          <a:solidFill>
-                            <a:schemeClr val="dk1"/>
-                          </a:solidFill>
-                          <a:latin typeface="Tenorite "/>
-                        </a:defRPr>
-                      </a:lvl2pPr>
-                      <a:lvl3pPr marL="914400" algn="l" defTabSz="914400" rtl="0" eaLnBrk="1" latinLnBrk="0" hangingPunct="1">
-                        <a:defRPr sz="1800" kern="1200">
-                          <a:solidFill>
-                            <a:schemeClr val="dk1"/>
-                          </a:solidFill>
-                          <a:latin typeface="Tenorite "/>
-                        </a:defRPr>
-                      </a:lvl3pPr>
-                      <a:lvl4pPr marL="1371600" algn="l" defTabSz="914400" rtl="0" eaLnBrk="1" latinLnBrk="0" hangingPunct="1">
-                        <a:defRPr sz="1800" kern="1200">
-                          <a:solidFill>
-                            <a:schemeClr val="dk1"/>
-                          </a:solidFill>
-                          <a:latin typeface="Tenorite "/>
-                        </a:defRPr>
-                      </a:lvl4pPr>
-                      <a:lvl5pPr marL="1828800" algn="l" defTabSz="914400" rtl="0" eaLnBrk="1" latinLnBrk="0" hangingPunct="1">
-                        <a:defRPr sz="1800" kern="1200">
-                          <a:solidFill>
-                            <a:schemeClr val="dk1"/>
-                          </a:solidFill>
-                          <a:latin typeface="Tenorite "/>
-                        </a:defRPr>
-                      </a:lvl5pPr>
-                      <a:lvl6pPr marL="2286000" algn="l" defTabSz="914400" rtl="0" eaLnBrk="1" latinLnBrk="0" hangingPunct="1">
-                        <a:defRPr sz="1800" kern="1200">
-                          <a:solidFill>
-                            <a:schemeClr val="dk1"/>
-                          </a:solidFill>
-                          <a:latin typeface="Tenorite "/>
-                        </a:defRPr>
-                      </a:lvl6pPr>
-                      <a:lvl7pPr marL="2743200" algn="l" defTabSz="914400" rtl="0" eaLnBrk="1" latinLnBrk="0" hangingPunct="1">
-                        <a:defRPr sz="1800" kern="1200">
-                          <a:solidFill>
-                            <a:schemeClr val="dk1"/>
-                          </a:solidFill>
-                          <a:latin typeface="Tenorite "/>
-                        </a:defRPr>
-                      </a:lvl7pPr>
-                      <a:lvl8pPr marL="3200400" algn="l" defTabSz="914400" rtl="0" eaLnBrk="1" latinLnBrk="0" hangingPunct="1">
-                        <a:defRPr sz="1800" kern="1200">
-                          <a:solidFill>
-                            <a:schemeClr val="dk1"/>
-                          </a:solidFill>
-                          <a:latin typeface="Tenorite "/>
-                        </a:defRPr>
-                      </a:lvl8pPr>
-                      <a:lvl9pPr marL="3657600" algn="l" defTabSz="914400" rtl="0" eaLnBrk="1" latinLnBrk="0" hangingPunct="1">
-                        <a:defRPr sz="1800" kern="1200">
-                          <a:solidFill>
-                            <a:schemeClr val="dk1"/>
-                          </a:solidFill>
-                          <a:latin typeface="Tenorite "/>
-                        </a:defRPr>
-                      </a:lvl9pPr>
-                    </a:lstStyle>
-                    <a:p>
-                      <a:pPr algn="ctr"/>
-                      <a:r>
-                        <a:rPr lang="en-US" dirty="0">
-                          <a:latin typeface="+mn-lt"/>
-                        </a:rPr>
-                        <a:t>Engagement duration</a:t>
-                      </a:r>
-                    </a:p>
-                  </a:txBody>
-                  <a:tcPr anchor="ctr"/>
-                </a:tc>
-                <a:tc>
-                  <a:txBody>
-                    <a:bodyPr/>
-                    <a:lstStyle>
-                      <a:lvl1pPr marL="0" algn="l" defTabSz="914400" rtl="0" eaLnBrk="1" latinLnBrk="0" hangingPunct="1">
-                        <a:defRPr sz="1800" kern="1200">
-                          <a:solidFill>
-                            <a:schemeClr val="dk1"/>
-                          </a:solidFill>
-                          <a:latin typeface="Tenorite "/>
-                        </a:defRPr>
-                      </a:lvl1pPr>
-                      <a:lvl2pPr marL="457200" algn="l" defTabSz="914400" rtl="0" eaLnBrk="1" latinLnBrk="0" hangingPunct="1">
-                        <a:defRPr sz="1800" kern="1200">
-                          <a:solidFill>
-                            <a:schemeClr val="dk1"/>
-                          </a:solidFill>
-                          <a:latin typeface="Tenorite "/>
-                        </a:defRPr>
-                      </a:lvl2pPr>
-                      <a:lvl3pPr marL="914400" algn="l" defTabSz="914400" rtl="0" eaLnBrk="1" latinLnBrk="0" hangingPunct="1">
-                        <a:defRPr sz="1800" kern="1200">
-                          <a:solidFill>
-                            <a:schemeClr val="dk1"/>
-                          </a:solidFill>
-                          <a:latin typeface="Tenorite "/>
-                        </a:defRPr>
-                      </a:lvl3pPr>
-                      <a:lvl4pPr marL="1371600" algn="l" defTabSz="914400" rtl="0" eaLnBrk="1" latinLnBrk="0" hangingPunct="1">
-                        <a:defRPr sz="1800" kern="1200">
-                          <a:solidFill>
-                            <a:schemeClr val="dk1"/>
-                          </a:solidFill>
-                          <a:latin typeface="Tenorite "/>
-                        </a:defRPr>
-                      </a:lvl4pPr>
-                      <a:lvl5pPr marL="1828800" algn="l" defTabSz="914400" rtl="0" eaLnBrk="1" latinLnBrk="0" hangingPunct="1">
-                        <a:defRPr sz="1800" kern="1200">
-                          <a:solidFill>
-                            <a:schemeClr val="dk1"/>
-                          </a:solidFill>
-                          <a:latin typeface="Tenorite "/>
-                        </a:defRPr>
-                      </a:lvl5pPr>
-                      <a:lvl6pPr marL="2286000" algn="l" defTabSz="914400" rtl="0" eaLnBrk="1" latinLnBrk="0" hangingPunct="1">
-                        <a:defRPr sz="1800" kern="1200">
-                          <a:solidFill>
-                            <a:schemeClr val="dk1"/>
-                          </a:solidFill>
-                          <a:latin typeface="Tenorite "/>
-                        </a:defRPr>
-                      </a:lvl6pPr>
-                      <a:lvl7pPr marL="2743200" algn="l" defTabSz="914400" rtl="0" eaLnBrk="1" latinLnBrk="0" hangingPunct="1">
-                        <a:defRPr sz="1800" kern="1200">
-                          <a:solidFill>
-                            <a:schemeClr val="dk1"/>
-                          </a:solidFill>
-                          <a:latin typeface="Tenorite "/>
-                        </a:defRPr>
-                      </a:lvl7pPr>
-                      <a:lvl8pPr marL="3200400" algn="l" defTabSz="914400" rtl="0" eaLnBrk="1" latinLnBrk="0" hangingPunct="1">
-                        <a:defRPr sz="1800" kern="1200">
-                          <a:solidFill>
-                            <a:schemeClr val="dk1"/>
-                          </a:solidFill>
-                          <a:latin typeface="Tenorite "/>
-                        </a:defRPr>
-                      </a:lvl8pPr>
-                      <a:lvl9pPr marL="3657600" algn="l" defTabSz="914400" rtl="0" eaLnBrk="1" latinLnBrk="0" hangingPunct="1">
-                        <a:defRPr sz="1800" kern="1200">
-                          <a:solidFill>
-                            <a:schemeClr val="dk1"/>
-                          </a:solidFill>
-                          <a:latin typeface="Tenorite "/>
-                        </a:defRPr>
-                      </a:lvl9pPr>
-                    </a:lstStyle>
-                    <a:p>
-                      <a:pPr algn="ctr"/>
-                      <a:r>
-                        <a:rPr lang="en-US" dirty="0">
-                          <a:latin typeface="+mn-lt"/>
-                        </a:rPr>
-                        <a:t>Minutes</a:t>
-                      </a:r>
-                    </a:p>
-                  </a:txBody>
-                  <a:tcPr anchor="ctr"/>
-                </a:tc>
-                <a:tc>
-                  <a:txBody>
-                    <a:bodyPr/>
-                    <a:lstStyle>
-                      <a:lvl1pPr marL="0" algn="l" defTabSz="914400" rtl="0" eaLnBrk="1" latinLnBrk="0" hangingPunct="1">
-                        <a:defRPr sz="1800" kern="1200">
-                          <a:solidFill>
-                            <a:schemeClr val="dk1"/>
-                          </a:solidFill>
-                          <a:latin typeface="Tenorite "/>
-                        </a:defRPr>
-                      </a:lvl1pPr>
-                      <a:lvl2pPr marL="457200" algn="l" defTabSz="914400" rtl="0" eaLnBrk="1" latinLnBrk="0" hangingPunct="1">
-                        <a:defRPr sz="1800" kern="1200">
-                          <a:solidFill>
-                            <a:schemeClr val="dk1"/>
-                          </a:solidFill>
-                          <a:latin typeface="Tenorite "/>
-                        </a:defRPr>
-                      </a:lvl2pPr>
-                      <a:lvl3pPr marL="914400" algn="l" defTabSz="914400" rtl="0" eaLnBrk="1" latinLnBrk="0" hangingPunct="1">
-                        <a:defRPr sz="1800" kern="1200">
-                          <a:solidFill>
-                            <a:schemeClr val="dk1"/>
-                          </a:solidFill>
-                          <a:latin typeface="Tenorite "/>
-                        </a:defRPr>
-                      </a:lvl3pPr>
-                      <a:lvl4pPr marL="1371600" algn="l" defTabSz="914400" rtl="0" eaLnBrk="1" latinLnBrk="0" hangingPunct="1">
-                        <a:defRPr sz="1800" kern="1200">
-                          <a:solidFill>
-                            <a:schemeClr val="dk1"/>
-                          </a:solidFill>
-                          <a:latin typeface="Tenorite "/>
-                        </a:defRPr>
-                      </a:lvl4pPr>
-                      <a:lvl5pPr marL="1828800" algn="l" defTabSz="914400" rtl="0" eaLnBrk="1" latinLnBrk="0" hangingPunct="1">
-                        <a:defRPr sz="1800" kern="1200">
-                          <a:solidFill>
-                            <a:schemeClr val="dk1"/>
-                          </a:solidFill>
-                          <a:latin typeface="Tenorite "/>
-                        </a:defRPr>
-                      </a:lvl5pPr>
-                      <a:lvl6pPr marL="2286000" algn="l" defTabSz="914400" rtl="0" eaLnBrk="1" latinLnBrk="0" hangingPunct="1">
-                        <a:defRPr sz="1800" kern="1200">
-                          <a:solidFill>
-                            <a:schemeClr val="dk1"/>
-                          </a:solidFill>
-                          <a:latin typeface="Tenorite "/>
-                        </a:defRPr>
-                      </a:lvl6pPr>
-                      <a:lvl7pPr marL="2743200" algn="l" defTabSz="914400" rtl="0" eaLnBrk="1" latinLnBrk="0" hangingPunct="1">
-                        <a:defRPr sz="1800" kern="1200">
-                          <a:solidFill>
-                            <a:schemeClr val="dk1"/>
-                          </a:solidFill>
-                          <a:latin typeface="Tenorite "/>
-                        </a:defRPr>
-                      </a:lvl7pPr>
-                      <a:lvl8pPr marL="3200400" algn="l" defTabSz="914400" rtl="0" eaLnBrk="1" latinLnBrk="0" hangingPunct="1">
-                        <a:defRPr sz="1800" kern="1200">
-                          <a:solidFill>
-                            <a:schemeClr val="dk1"/>
-                          </a:solidFill>
-                          <a:latin typeface="Tenorite "/>
-                        </a:defRPr>
-                      </a:lvl8pPr>
-                      <a:lvl9pPr marL="3657600" algn="l" defTabSz="914400" rtl="0" eaLnBrk="1" latinLnBrk="0" hangingPunct="1">
-                        <a:defRPr sz="1800" kern="1200">
-                          <a:solidFill>
-                            <a:schemeClr val="dk1"/>
-                          </a:solidFill>
-                          <a:latin typeface="Tenorite "/>
-                        </a:defRPr>
-                      </a:lvl9pPr>
-                    </a:lstStyle>
-                    <a:p>
-                      <a:pPr algn="ctr"/>
-                      <a:r>
-                        <a:rPr lang="en-US" dirty="0">
-                          <a:latin typeface="+mn-lt"/>
-                        </a:rPr>
-                        <a:t>60</a:t>
-                      </a:r>
-                    </a:p>
-                  </a:txBody>
-                  <a:tcPr anchor="ctr"/>
-                </a:tc>
-                <a:tc>
-                  <a:txBody>
-                    <a:bodyPr/>
-                    <a:lstStyle>
-                      <a:lvl1pPr marL="0" algn="l" defTabSz="914400" rtl="0" eaLnBrk="1" latinLnBrk="0" hangingPunct="1">
-                        <a:defRPr sz="1800" kern="1200">
-                          <a:solidFill>
-                            <a:schemeClr val="dk1"/>
-                          </a:solidFill>
-                          <a:latin typeface="Tenorite "/>
-                        </a:defRPr>
-                      </a:lvl1pPr>
-                      <a:lvl2pPr marL="457200" algn="l" defTabSz="914400" rtl="0" eaLnBrk="1" latinLnBrk="0" hangingPunct="1">
-                        <a:defRPr sz="1800" kern="1200">
-                          <a:solidFill>
-                            <a:schemeClr val="dk1"/>
-                          </a:solidFill>
-                          <a:latin typeface="Tenorite "/>
-                        </a:defRPr>
-                      </a:lvl2pPr>
-                      <a:lvl3pPr marL="914400" algn="l" defTabSz="914400" rtl="0" eaLnBrk="1" latinLnBrk="0" hangingPunct="1">
-                        <a:defRPr sz="1800" kern="1200">
-                          <a:solidFill>
-                            <a:schemeClr val="dk1"/>
-                          </a:solidFill>
-                          <a:latin typeface="Tenorite "/>
-                        </a:defRPr>
-                      </a:lvl3pPr>
-                      <a:lvl4pPr marL="1371600" algn="l" defTabSz="914400" rtl="0" eaLnBrk="1" latinLnBrk="0" hangingPunct="1">
-                        <a:defRPr sz="1800" kern="1200">
-                          <a:solidFill>
-                            <a:schemeClr val="dk1"/>
-                          </a:solidFill>
-                          <a:latin typeface="Tenorite "/>
-                        </a:defRPr>
-                      </a:lvl4pPr>
-                      <a:lvl5pPr marL="1828800" algn="l" defTabSz="914400" rtl="0" eaLnBrk="1" latinLnBrk="0" hangingPunct="1">
-                        <a:defRPr sz="1800" kern="1200">
-                          <a:solidFill>
-                            <a:schemeClr val="dk1"/>
-                          </a:solidFill>
-                          <a:latin typeface="Tenorite "/>
-                        </a:defRPr>
-                      </a:lvl5pPr>
-                      <a:lvl6pPr marL="2286000" algn="l" defTabSz="914400" rtl="0" eaLnBrk="1" latinLnBrk="0" hangingPunct="1">
-                        <a:defRPr sz="1800" kern="1200">
-                          <a:solidFill>
-                            <a:schemeClr val="dk1"/>
-                          </a:solidFill>
-                          <a:latin typeface="Tenorite "/>
-                        </a:defRPr>
-                      </a:lvl6pPr>
-                      <a:lvl7pPr marL="2743200" algn="l" defTabSz="914400" rtl="0" eaLnBrk="1" latinLnBrk="0" hangingPunct="1">
-                        <a:defRPr sz="1800" kern="1200">
-                          <a:solidFill>
-                            <a:schemeClr val="dk1"/>
-                          </a:solidFill>
-                          <a:latin typeface="Tenorite "/>
-                        </a:defRPr>
-                      </a:lvl7pPr>
-                      <a:lvl8pPr marL="3200400" algn="l" defTabSz="914400" rtl="0" eaLnBrk="1" latinLnBrk="0" hangingPunct="1">
-                        <a:defRPr sz="1800" kern="1200">
-                          <a:solidFill>
-                            <a:schemeClr val="dk1"/>
-                          </a:solidFill>
-                          <a:latin typeface="Tenorite "/>
-                        </a:defRPr>
-                      </a:lvl8pPr>
-                      <a:lvl9pPr marL="3657600" algn="l" defTabSz="914400" rtl="0" eaLnBrk="1" latinLnBrk="0" hangingPunct="1">
-                        <a:defRPr sz="1800" kern="1200">
-                          <a:solidFill>
-                            <a:schemeClr val="dk1"/>
-                          </a:solidFill>
-                          <a:latin typeface="Tenorite "/>
-                        </a:defRPr>
-                      </a:lvl9pPr>
-                    </a:lstStyle>
-                    <a:p>
-                      <a:pPr algn="ctr"/>
-                      <a:r>
-                        <a:rPr lang="en-US" dirty="0">
-                          <a:latin typeface="+mn-lt"/>
-                        </a:rPr>
-                        <a:t>75</a:t>
-                      </a:r>
-                    </a:p>
-                  </a:txBody>
-                  <a:tcPr anchor="ctr"/>
-                </a:tc>
-                <a:extLst>
-                  <a:ext uri="{0D108BD9-81ED-4DB2-BD59-A6C34878D82A}">
-                    <a16:rowId xmlns:a16="http://schemas.microsoft.com/office/drawing/2014/main" val="85209771"/>
-                  </a:ext>
-                </a:extLst>
-              </a:tr>
-              <a:tr h="1015099">
-                <a:tc>
-                  <a:txBody>
-                    <a:bodyPr/>
-                    <a:lstStyle>
-                      <a:lvl1pPr marL="0" algn="l" defTabSz="914400" rtl="0" eaLnBrk="1" latinLnBrk="0" hangingPunct="1">
-                        <a:defRPr sz="1800" kern="1200">
-                          <a:solidFill>
-                            <a:schemeClr val="dk1"/>
-                          </a:solidFill>
-                          <a:latin typeface="Tenorite "/>
-                        </a:defRPr>
-                      </a:lvl1pPr>
-                      <a:lvl2pPr marL="457200" algn="l" defTabSz="914400" rtl="0" eaLnBrk="1" latinLnBrk="0" hangingPunct="1">
-                        <a:defRPr sz="1800" kern="1200">
-                          <a:solidFill>
-                            <a:schemeClr val="dk1"/>
-                          </a:solidFill>
-                          <a:latin typeface="Tenorite "/>
-                        </a:defRPr>
-                      </a:lvl2pPr>
-                      <a:lvl3pPr marL="914400" algn="l" defTabSz="914400" rtl="0" eaLnBrk="1" latinLnBrk="0" hangingPunct="1">
-                        <a:defRPr sz="1800" kern="1200">
-                          <a:solidFill>
-                            <a:schemeClr val="dk1"/>
-                          </a:solidFill>
-                          <a:latin typeface="Tenorite "/>
-                        </a:defRPr>
-                      </a:lvl3pPr>
-                      <a:lvl4pPr marL="1371600" algn="l" defTabSz="914400" rtl="0" eaLnBrk="1" latinLnBrk="0" hangingPunct="1">
-                        <a:defRPr sz="1800" kern="1200">
-                          <a:solidFill>
-                            <a:schemeClr val="dk1"/>
-                          </a:solidFill>
-                          <a:latin typeface="Tenorite "/>
-                        </a:defRPr>
-                      </a:lvl4pPr>
-                      <a:lvl5pPr marL="1828800" algn="l" defTabSz="914400" rtl="0" eaLnBrk="1" latinLnBrk="0" hangingPunct="1">
-                        <a:defRPr sz="1800" kern="1200">
-                          <a:solidFill>
-                            <a:schemeClr val="dk1"/>
-                          </a:solidFill>
-                          <a:latin typeface="Tenorite "/>
-                        </a:defRPr>
-                      </a:lvl5pPr>
-                      <a:lvl6pPr marL="2286000" algn="l" defTabSz="914400" rtl="0" eaLnBrk="1" latinLnBrk="0" hangingPunct="1">
-                        <a:defRPr sz="1800" kern="1200">
-                          <a:solidFill>
-                            <a:schemeClr val="dk1"/>
-                          </a:solidFill>
-                          <a:latin typeface="Tenorite "/>
-                        </a:defRPr>
-                      </a:lvl6pPr>
-                      <a:lvl7pPr marL="2743200" algn="l" defTabSz="914400" rtl="0" eaLnBrk="1" latinLnBrk="0" hangingPunct="1">
-                        <a:defRPr sz="1800" kern="1200">
-                          <a:solidFill>
-                            <a:schemeClr val="dk1"/>
-                          </a:solidFill>
-                          <a:latin typeface="Tenorite "/>
-                        </a:defRPr>
-                      </a:lvl7pPr>
-                      <a:lvl8pPr marL="3200400" algn="l" defTabSz="914400" rtl="0" eaLnBrk="1" latinLnBrk="0" hangingPunct="1">
-                        <a:defRPr sz="1800" kern="1200">
-                          <a:solidFill>
-                            <a:schemeClr val="dk1"/>
-                          </a:solidFill>
-                          <a:latin typeface="Tenorite "/>
-                        </a:defRPr>
-                      </a:lvl8pPr>
-                      <a:lvl9pPr marL="3657600" algn="l" defTabSz="914400" rtl="0" eaLnBrk="1" latinLnBrk="0" hangingPunct="1">
-                        <a:defRPr sz="1800" kern="1200">
-                          <a:solidFill>
-                            <a:schemeClr val="dk1"/>
-                          </a:solidFill>
-                          <a:latin typeface="Tenorite "/>
-                        </a:defRPr>
-                      </a:lvl9pPr>
-                    </a:lstStyle>
-                    <a:p>
-                      <a:pPr algn="ctr"/>
-                      <a:r>
-                        <a:rPr lang="en-US" dirty="0">
-                          <a:latin typeface="+mn-lt"/>
-                        </a:rPr>
-                        <a:t>Q&amp;A interaction</a:t>
-                      </a:r>
-                    </a:p>
-                  </a:txBody>
-                  <a:tcPr anchor="ctr"/>
-                </a:tc>
-                <a:tc>
-                  <a:txBody>
-                    <a:bodyPr/>
-                    <a:lstStyle>
-                      <a:lvl1pPr marL="0" algn="l" defTabSz="914400" rtl="0" eaLnBrk="1" latinLnBrk="0" hangingPunct="1">
-                        <a:defRPr sz="1800" kern="1200">
-                          <a:solidFill>
-                            <a:schemeClr val="dk1"/>
-                          </a:solidFill>
-                          <a:latin typeface="Tenorite "/>
-                        </a:defRPr>
-                      </a:lvl1pPr>
-                      <a:lvl2pPr marL="457200" algn="l" defTabSz="914400" rtl="0" eaLnBrk="1" latinLnBrk="0" hangingPunct="1">
-                        <a:defRPr sz="1800" kern="1200">
-                          <a:solidFill>
-                            <a:schemeClr val="dk1"/>
-                          </a:solidFill>
-                          <a:latin typeface="Tenorite "/>
-                        </a:defRPr>
-                      </a:lvl2pPr>
-                      <a:lvl3pPr marL="914400" algn="l" defTabSz="914400" rtl="0" eaLnBrk="1" latinLnBrk="0" hangingPunct="1">
-                        <a:defRPr sz="1800" kern="1200">
-                          <a:solidFill>
-                            <a:schemeClr val="dk1"/>
-                          </a:solidFill>
-                          <a:latin typeface="Tenorite "/>
-                        </a:defRPr>
-                      </a:lvl3pPr>
-                      <a:lvl4pPr marL="1371600" algn="l" defTabSz="914400" rtl="0" eaLnBrk="1" latinLnBrk="0" hangingPunct="1">
-                        <a:defRPr sz="1800" kern="1200">
-                          <a:solidFill>
-                            <a:schemeClr val="dk1"/>
-                          </a:solidFill>
-                          <a:latin typeface="Tenorite "/>
-                        </a:defRPr>
-                      </a:lvl4pPr>
-                      <a:lvl5pPr marL="1828800" algn="l" defTabSz="914400" rtl="0" eaLnBrk="1" latinLnBrk="0" hangingPunct="1">
-                        <a:defRPr sz="1800" kern="1200">
-                          <a:solidFill>
-                            <a:schemeClr val="dk1"/>
-                          </a:solidFill>
-                          <a:latin typeface="Tenorite "/>
-                        </a:defRPr>
-                      </a:lvl5pPr>
-                      <a:lvl6pPr marL="2286000" algn="l" defTabSz="914400" rtl="0" eaLnBrk="1" latinLnBrk="0" hangingPunct="1">
-                        <a:defRPr sz="1800" kern="1200">
-                          <a:solidFill>
-                            <a:schemeClr val="dk1"/>
-                          </a:solidFill>
-                          <a:latin typeface="Tenorite "/>
-                        </a:defRPr>
-                      </a:lvl6pPr>
-                      <a:lvl7pPr marL="2743200" algn="l" defTabSz="914400" rtl="0" eaLnBrk="1" latinLnBrk="0" hangingPunct="1">
-                        <a:defRPr sz="1800" kern="1200">
-                          <a:solidFill>
-                            <a:schemeClr val="dk1"/>
-                          </a:solidFill>
-                          <a:latin typeface="Tenorite "/>
-                        </a:defRPr>
-                      </a:lvl7pPr>
-                      <a:lvl8pPr marL="3200400" algn="l" defTabSz="914400" rtl="0" eaLnBrk="1" latinLnBrk="0" hangingPunct="1">
-                        <a:defRPr sz="1800" kern="1200">
-                          <a:solidFill>
-                            <a:schemeClr val="dk1"/>
-                          </a:solidFill>
-                          <a:latin typeface="Tenorite "/>
-                        </a:defRPr>
-                      </a:lvl8pPr>
-                      <a:lvl9pPr marL="3657600" algn="l" defTabSz="914400" rtl="0" eaLnBrk="1" latinLnBrk="0" hangingPunct="1">
-                        <a:defRPr sz="1800" kern="1200">
-                          <a:solidFill>
-                            <a:schemeClr val="dk1"/>
-                          </a:solidFill>
-                          <a:latin typeface="Tenorite "/>
-                        </a:defRPr>
-                      </a:lvl9pPr>
-                    </a:lstStyle>
-                    <a:p>
-                      <a:pPr algn="ctr"/>
-                      <a:r>
-                        <a:rPr lang="en-US" dirty="0">
-                          <a:latin typeface="+mn-lt"/>
-                        </a:rPr>
-                        <a:t># of questions</a:t>
-                      </a:r>
-                    </a:p>
-                  </a:txBody>
-                  <a:tcPr anchor="ctr"/>
-                </a:tc>
-                <a:tc>
-                  <a:txBody>
-                    <a:bodyPr/>
-                    <a:lstStyle>
-                      <a:lvl1pPr marL="0" algn="l" defTabSz="914400" rtl="0" eaLnBrk="1" latinLnBrk="0" hangingPunct="1">
-                        <a:defRPr sz="1800" kern="1200">
-                          <a:solidFill>
-                            <a:schemeClr val="dk1"/>
-                          </a:solidFill>
-                          <a:latin typeface="Tenorite "/>
-                        </a:defRPr>
-                      </a:lvl1pPr>
-                      <a:lvl2pPr marL="457200" algn="l" defTabSz="914400" rtl="0" eaLnBrk="1" latinLnBrk="0" hangingPunct="1">
-                        <a:defRPr sz="1800" kern="1200">
-                          <a:solidFill>
-                            <a:schemeClr val="dk1"/>
-                          </a:solidFill>
-                          <a:latin typeface="Tenorite "/>
-                        </a:defRPr>
-                      </a:lvl2pPr>
-                      <a:lvl3pPr marL="914400" algn="l" defTabSz="914400" rtl="0" eaLnBrk="1" latinLnBrk="0" hangingPunct="1">
-                        <a:defRPr sz="1800" kern="1200">
-                          <a:solidFill>
-                            <a:schemeClr val="dk1"/>
-                          </a:solidFill>
-                          <a:latin typeface="Tenorite "/>
-                        </a:defRPr>
-                      </a:lvl3pPr>
-                      <a:lvl4pPr marL="1371600" algn="l" defTabSz="914400" rtl="0" eaLnBrk="1" latinLnBrk="0" hangingPunct="1">
-                        <a:defRPr sz="1800" kern="1200">
-                          <a:solidFill>
-                            <a:schemeClr val="dk1"/>
-                          </a:solidFill>
-                          <a:latin typeface="Tenorite "/>
-                        </a:defRPr>
-                      </a:lvl4pPr>
-                      <a:lvl5pPr marL="1828800" algn="l" defTabSz="914400" rtl="0" eaLnBrk="1" latinLnBrk="0" hangingPunct="1">
-                        <a:defRPr sz="1800" kern="1200">
-                          <a:solidFill>
-                            <a:schemeClr val="dk1"/>
-                          </a:solidFill>
-                          <a:latin typeface="Tenorite "/>
-                        </a:defRPr>
-                      </a:lvl5pPr>
-                      <a:lvl6pPr marL="2286000" algn="l" defTabSz="914400" rtl="0" eaLnBrk="1" latinLnBrk="0" hangingPunct="1">
-                        <a:defRPr sz="1800" kern="1200">
-                          <a:solidFill>
-                            <a:schemeClr val="dk1"/>
-                          </a:solidFill>
-                          <a:latin typeface="Tenorite "/>
-                        </a:defRPr>
-                      </a:lvl6pPr>
-                      <a:lvl7pPr marL="2743200" algn="l" defTabSz="914400" rtl="0" eaLnBrk="1" latinLnBrk="0" hangingPunct="1">
-                        <a:defRPr sz="1800" kern="1200">
-                          <a:solidFill>
-                            <a:schemeClr val="dk1"/>
-                          </a:solidFill>
-                          <a:latin typeface="Tenorite "/>
-                        </a:defRPr>
-                      </a:lvl7pPr>
-                      <a:lvl8pPr marL="3200400" algn="l" defTabSz="914400" rtl="0" eaLnBrk="1" latinLnBrk="0" hangingPunct="1">
-                        <a:defRPr sz="1800" kern="1200">
-                          <a:solidFill>
-                            <a:schemeClr val="dk1"/>
-                          </a:solidFill>
-                          <a:latin typeface="Tenorite "/>
-                        </a:defRPr>
-                      </a:lvl8pPr>
-                      <a:lvl9pPr marL="3657600" algn="l" defTabSz="914400" rtl="0" eaLnBrk="1" latinLnBrk="0" hangingPunct="1">
-                        <a:defRPr sz="1800" kern="1200">
-                          <a:solidFill>
-                            <a:schemeClr val="dk1"/>
-                          </a:solidFill>
-                          <a:latin typeface="Tenorite "/>
-                        </a:defRPr>
-                      </a:lvl9pPr>
-                    </a:lstStyle>
-                    <a:p>
-                      <a:pPr algn="ctr"/>
-                      <a:r>
-                        <a:rPr lang="en-US" dirty="0">
-                          <a:latin typeface="+mn-lt"/>
-                        </a:rPr>
-                        <a:t>10</a:t>
-                      </a:r>
-                    </a:p>
-                  </a:txBody>
-                  <a:tcPr anchor="ctr"/>
-                </a:tc>
-                <a:tc>
-                  <a:txBody>
-                    <a:bodyPr/>
-                    <a:lstStyle>
-                      <a:lvl1pPr marL="0" algn="l" defTabSz="914400" rtl="0" eaLnBrk="1" latinLnBrk="0" hangingPunct="1">
-                        <a:defRPr sz="1800" kern="1200">
-                          <a:solidFill>
-                            <a:schemeClr val="dk1"/>
-                          </a:solidFill>
-                          <a:latin typeface="Tenorite "/>
-                        </a:defRPr>
-                      </a:lvl1pPr>
-                      <a:lvl2pPr marL="457200" algn="l" defTabSz="914400" rtl="0" eaLnBrk="1" latinLnBrk="0" hangingPunct="1">
-                        <a:defRPr sz="1800" kern="1200">
-                          <a:solidFill>
-                            <a:schemeClr val="dk1"/>
-                          </a:solidFill>
-                          <a:latin typeface="Tenorite "/>
-                        </a:defRPr>
-                      </a:lvl2pPr>
-                      <a:lvl3pPr marL="914400" algn="l" defTabSz="914400" rtl="0" eaLnBrk="1" latinLnBrk="0" hangingPunct="1">
-                        <a:defRPr sz="1800" kern="1200">
-                          <a:solidFill>
-                            <a:schemeClr val="dk1"/>
-                          </a:solidFill>
-                          <a:latin typeface="Tenorite "/>
-                        </a:defRPr>
-                      </a:lvl3pPr>
-                      <a:lvl4pPr marL="1371600" algn="l" defTabSz="914400" rtl="0" eaLnBrk="1" latinLnBrk="0" hangingPunct="1">
-                        <a:defRPr sz="1800" kern="1200">
-                          <a:solidFill>
-                            <a:schemeClr val="dk1"/>
-                          </a:solidFill>
-                          <a:latin typeface="Tenorite "/>
-                        </a:defRPr>
-                      </a:lvl4pPr>
-                      <a:lvl5pPr marL="1828800" algn="l" defTabSz="914400" rtl="0" eaLnBrk="1" latinLnBrk="0" hangingPunct="1">
-                        <a:defRPr sz="1800" kern="1200">
-                          <a:solidFill>
-                            <a:schemeClr val="dk1"/>
-                          </a:solidFill>
-                          <a:latin typeface="Tenorite "/>
-                        </a:defRPr>
-                      </a:lvl5pPr>
-                      <a:lvl6pPr marL="2286000" algn="l" defTabSz="914400" rtl="0" eaLnBrk="1" latinLnBrk="0" hangingPunct="1">
-                        <a:defRPr sz="1800" kern="1200">
-                          <a:solidFill>
-                            <a:schemeClr val="dk1"/>
-                          </a:solidFill>
-                          <a:latin typeface="Tenorite "/>
-                        </a:defRPr>
-                      </a:lvl6pPr>
-                      <a:lvl7pPr marL="2743200" algn="l" defTabSz="914400" rtl="0" eaLnBrk="1" latinLnBrk="0" hangingPunct="1">
-                        <a:defRPr sz="1800" kern="1200">
-                          <a:solidFill>
-                            <a:schemeClr val="dk1"/>
-                          </a:solidFill>
-                          <a:latin typeface="Tenorite "/>
-                        </a:defRPr>
-                      </a:lvl7pPr>
-                      <a:lvl8pPr marL="3200400" algn="l" defTabSz="914400" rtl="0" eaLnBrk="1" latinLnBrk="0" hangingPunct="1">
-                        <a:defRPr sz="1800" kern="1200">
-                          <a:solidFill>
-                            <a:schemeClr val="dk1"/>
-                          </a:solidFill>
-                          <a:latin typeface="Tenorite "/>
-                        </a:defRPr>
-                      </a:lvl8pPr>
-                      <a:lvl9pPr marL="3657600" algn="l" defTabSz="914400" rtl="0" eaLnBrk="1" latinLnBrk="0" hangingPunct="1">
-                        <a:defRPr sz="1800" kern="1200">
-                          <a:solidFill>
-                            <a:schemeClr val="dk1"/>
-                          </a:solidFill>
-                          <a:latin typeface="Tenorite "/>
-                        </a:defRPr>
-                      </a:lvl9pPr>
-                    </a:lstStyle>
-                    <a:p>
-                      <a:pPr algn="ctr"/>
-                      <a:r>
-                        <a:rPr lang="en-US" dirty="0">
-                          <a:latin typeface="+mn-lt"/>
-                        </a:rPr>
-                        <a:t>15</a:t>
-                      </a:r>
-                    </a:p>
-                  </a:txBody>
-                  <a:tcPr anchor="ctr"/>
-                </a:tc>
-                <a:extLst>
-                  <a:ext uri="{0D108BD9-81ED-4DB2-BD59-A6C34878D82A}">
-                    <a16:rowId xmlns:a16="http://schemas.microsoft.com/office/drawing/2014/main" val="4061031278"/>
-                  </a:ext>
-                </a:extLst>
-              </a:tr>
-              <a:tr h="1015099">
-                <a:tc>
-                  <a:txBody>
-                    <a:bodyPr/>
-                    <a:lstStyle>
-                      <a:lvl1pPr marL="0" algn="l" defTabSz="914400" rtl="0" eaLnBrk="1" latinLnBrk="0" hangingPunct="1">
-                        <a:defRPr sz="1800" kern="1200">
-                          <a:solidFill>
-                            <a:schemeClr val="dk1"/>
-                          </a:solidFill>
-                          <a:latin typeface="Tenorite "/>
-                        </a:defRPr>
-                      </a:lvl1pPr>
-                      <a:lvl2pPr marL="457200" algn="l" defTabSz="914400" rtl="0" eaLnBrk="1" latinLnBrk="0" hangingPunct="1">
-                        <a:defRPr sz="1800" kern="1200">
-                          <a:solidFill>
-                            <a:schemeClr val="dk1"/>
-                          </a:solidFill>
-                          <a:latin typeface="Tenorite "/>
-                        </a:defRPr>
-                      </a:lvl2pPr>
-                      <a:lvl3pPr marL="914400" algn="l" defTabSz="914400" rtl="0" eaLnBrk="1" latinLnBrk="0" hangingPunct="1">
-                        <a:defRPr sz="1800" kern="1200">
-                          <a:solidFill>
-                            <a:schemeClr val="dk1"/>
-                          </a:solidFill>
-                          <a:latin typeface="Tenorite "/>
-                        </a:defRPr>
-                      </a:lvl3pPr>
-                      <a:lvl4pPr marL="1371600" algn="l" defTabSz="914400" rtl="0" eaLnBrk="1" latinLnBrk="0" hangingPunct="1">
-                        <a:defRPr sz="1800" kern="1200">
-                          <a:solidFill>
-                            <a:schemeClr val="dk1"/>
-                          </a:solidFill>
-                          <a:latin typeface="Tenorite "/>
-                        </a:defRPr>
-                      </a:lvl4pPr>
-                      <a:lvl5pPr marL="1828800" algn="l" defTabSz="914400" rtl="0" eaLnBrk="1" latinLnBrk="0" hangingPunct="1">
-                        <a:defRPr sz="1800" kern="1200">
-                          <a:solidFill>
-                            <a:schemeClr val="dk1"/>
-                          </a:solidFill>
-                          <a:latin typeface="Tenorite "/>
-                        </a:defRPr>
-                      </a:lvl5pPr>
-                      <a:lvl6pPr marL="2286000" algn="l" defTabSz="914400" rtl="0" eaLnBrk="1" latinLnBrk="0" hangingPunct="1">
-                        <a:defRPr sz="1800" kern="1200">
-                          <a:solidFill>
-                            <a:schemeClr val="dk1"/>
-                          </a:solidFill>
-                          <a:latin typeface="Tenorite "/>
-                        </a:defRPr>
-                      </a:lvl6pPr>
-                      <a:lvl7pPr marL="2743200" algn="l" defTabSz="914400" rtl="0" eaLnBrk="1" latinLnBrk="0" hangingPunct="1">
-                        <a:defRPr sz="1800" kern="1200">
-                          <a:solidFill>
-                            <a:schemeClr val="dk1"/>
-                          </a:solidFill>
-                          <a:latin typeface="Tenorite "/>
-                        </a:defRPr>
-                      </a:lvl7pPr>
-                      <a:lvl8pPr marL="3200400" algn="l" defTabSz="914400" rtl="0" eaLnBrk="1" latinLnBrk="0" hangingPunct="1">
-                        <a:defRPr sz="1800" kern="1200">
-                          <a:solidFill>
-                            <a:schemeClr val="dk1"/>
-                          </a:solidFill>
-                          <a:latin typeface="Tenorite "/>
-                        </a:defRPr>
-                      </a:lvl8pPr>
-                      <a:lvl9pPr marL="3657600" algn="l" defTabSz="914400" rtl="0" eaLnBrk="1" latinLnBrk="0" hangingPunct="1">
-                        <a:defRPr sz="1800" kern="1200">
-                          <a:solidFill>
-                            <a:schemeClr val="dk1"/>
-                          </a:solidFill>
-                          <a:latin typeface="Tenorite "/>
-                        </a:defRPr>
-                      </a:lvl9pPr>
-                    </a:lstStyle>
-                    <a:p>
-                      <a:pPr algn="ctr"/>
-                      <a:r>
-                        <a:rPr lang="en-US" dirty="0">
-                          <a:latin typeface="+mn-lt"/>
-                        </a:rPr>
-                        <a:t>Positive feedback</a:t>
-                      </a:r>
-                    </a:p>
-                  </a:txBody>
-                  <a:tcPr anchor="ctr"/>
-                </a:tc>
-                <a:tc>
-                  <a:txBody>
-                    <a:bodyPr/>
-                    <a:lstStyle>
-                      <a:lvl1pPr marL="0" algn="l" defTabSz="914400" rtl="0" eaLnBrk="1" latinLnBrk="0" hangingPunct="1">
-                        <a:defRPr sz="1800" kern="1200">
-                          <a:solidFill>
-                            <a:schemeClr val="dk1"/>
-                          </a:solidFill>
-                          <a:latin typeface="Tenorite "/>
-                        </a:defRPr>
-                      </a:lvl1pPr>
-                      <a:lvl2pPr marL="457200" algn="l" defTabSz="914400" rtl="0" eaLnBrk="1" latinLnBrk="0" hangingPunct="1">
-                        <a:defRPr sz="1800" kern="1200">
-                          <a:solidFill>
-                            <a:schemeClr val="dk1"/>
-                          </a:solidFill>
-                          <a:latin typeface="Tenorite "/>
-                        </a:defRPr>
-                      </a:lvl2pPr>
-                      <a:lvl3pPr marL="914400" algn="l" defTabSz="914400" rtl="0" eaLnBrk="1" latinLnBrk="0" hangingPunct="1">
-                        <a:defRPr sz="1800" kern="1200">
-                          <a:solidFill>
-                            <a:schemeClr val="dk1"/>
-                          </a:solidFill>
-                          <a:latin typeface="Tenorite "/>
-                        </a:defRPr>
-                      </a:lvl3pPr>
-                      <a:lvl4pPr marL="1371600" algn="l" defTabSz="914400" rtl="0" eaLnBrk="1" latinLnBrk="0" hangingPunct="1">
-                        <a:defRPr sz="1800" kern="1200">
-                          <a:solidFill>
-                            <a:schemeClr val="dk1"/>
-                          </a:solidFill>
-                          <a:latin typeface="Tenorite "/>
-                        </a:defRPr>
-                      </a:lvl4pPr>
-                      <a:lvl5pPr marL="1828800" algn="l" defTabSz="914400" rtl="0" eaLnBrk="1" latinLnBrk="0" hangingPunct="1">
-                        <a:defRPr sz="1800" kern="1200">
-                          <a:solidFill>
-                            <a:schemeClr val="dk1"/>
-                          </a:solidFill>
-                          <a:latin typeface="Tenorite "/>
-                        </a:defRPr>
-                      </a:lvl5pPr>
-                      <a:lvl6pPr marL="2286000" algn="l" defTabSz="914400" rtl="0" eaLnBrk="1" latinLnBrk="0" hangingPunct="1">
-                        <a:defRPr sz="1800" kern="1200">
-                          <a:solidFill>
-                            <a:schemeClr val="dk1"/>
-                          </a:solidFill>
-                          <a:latin typeface="Tenorite "/>
-                        </a:defRPr>
-                      </a:lvl6pPr>
-                      <a:lvl7pPr marL="2743200" algn="l" defTabSz="914400" rtl="0" eaLnBrk="1" latinLnBrk="0" hangingPunct="1">
-                        <a:defRPr sz="1800" kern="1200">
-                          <a:solidFill>
-                            <a:schemeClr val="dk1"/>
-                          </a:solidFill>
-                          <a:latin typeface="Tenorite "/>
-                        </a:defRPr>
-                      </a:lvl7pPr>
-                      <a:lvl8pPr marL="3200400" algn="l" defTabSz="914400" rtl="0" eaLnBrk="1" latinLnBrk="0" hangingPunct="1">
-                        <a:defRPr sz="1800" kern="1200">
-                          <a:solidFill>
-                            <a:schemeClr val="dk1"/>
-                          </a:solidFill>
-                          <a:latin typeface="Tenorite "/>
-                        </a:defRPr>
-                      </a:lvl8pPr>
-                      <a:lvl9pPr marL="3657600" algn="l" defTabSz="914400" rtl="0" eaLnBrk="1" latinLnBrk="0" hangingPunct="1">
-                        <a:defRPr sz="1800" kern="1200">
-                          <a:solidFill>
-                            <a:schemeClr val="dk1"/>
-                          </a:solidFill>
-                          <a:latin typeface="Tenorite "/>
-                        </a:defRPr>
-                      </a:lvl9pPr>
-                    </a:lstStyle>
-                    <a:p>
-                      <a:pPr algn="ctr"/>
-                      <a:r>
-                        <a:rPr lang="en-US" dirty="0">
-                          <a:latin typeface="+mn-lt"/>
-                        </a:rPr>
-                        <a:t>Percentage (%)</a:t>
-                      </a:r>
-                    </a:p>
-                  </a:txBody>
-                  <a:tcPr anchor="ctr"/>
-                </a:tc>
-                <a:tc>
-                  <a:txBody>
-                    <a:bodyPr/>
-                    <a:lstStyle>
-                      <a:lvl1pPr marL="0" algn="l" defTabSz="914400" rtl="0" eaLnBrk="1" latinLnBrk="0" hangingPunct="1">
-                        <a:defRPr sz="1800" kern="1200">
-                          <a:solidFill>
-                            <a:schemeClr val="dk1"/>
-                          </a:solidFill>
-                          <a:latin typeface="Tenorite "/>
-                        </a:defRPr>
-                      </a:lvl1pPr>
-                      <a:lvl2pPr marL="457200" algn="l" defTabSz="914400" rtl="0" eaLnBrk="1" latinLnBrk="0" hangingPunct="1">
-                        <a:defRPr sz="1800" kern="1200">
-                          <a:solidFill>
-                            <a:schemeClr val="dk1"/>
-                          </a:solidFill>
-                          <a:latin typeface="Tenorite "/>
-                        </a:defRPr>
-                      </a:lvl2pPr>
-                      <a:lvl3pPr marL="914400" algn="l" defTabSz="914400" rtl="0" eaLnBrk="1" latinLnBrk="0" hangingPunct="1">
-                        <a:defRPr sz="1800" kern="1200">
-                          <a:solidFill>
-                            <a:schemeClr val="dk1"/>
-                          </a:solidFill>
-                          <a:latin typeface="Tenorite "/>
-                        </a:defRPr>
-                      </a:lvl3pPr>
-                      <a:lvl4pPr marL="1371600" algn="l" defTabSz="914400" rtl="0" eaLnBrk="1" latinLnBrk="0" hangingPunct="1">
-                        <a:defRPr sz="1800" kern="1200">
-                          <a:solidFill>
-                            <a:schemeClr val="dk1"/>
-                          </a:solidFill>
-                          <a:latin typeface="Tenorite "/>
-                        </a:defRPr>
-                      </a:lvl4pPr>
-                      <a:lvl5pPr marL="1828800" algn="l" defTabSz="914400" rtl="0" eaLnBrk="1" latinLnBrk="0" hangingPunct="1">
-                        <a:defRPr sz="1800" kern="1200">
-                          <a:solidFill>
-                            <a:schemeClr val="dk1"/>
-                          </a:solidFill>
-                          <a:latin typeface="Tenorite "/>
-                        </a:defRPr>
-                      </a:lvl5pPr>
-                      <a:lvl6pPr marL="2286000" algn="l" defTabSz="914400" rtl="0" eaLnBrk="1" latinLnBrk="0" hangingPunct="1">
-                        <a:defRPr sz="1800" kern="1200">
-                          <a:solidFill>
-                            <a:schemeClr val="dk1"/>
-                          </a:solidFill>
-                          <a:latin typeface="Tenorite "/>
-                        </a:defRPr>
-                      </a:lvl6pPr>
-                      <a:lvl7pPr marL="2743200" algn="l" defTabSz="914400" rtl="0" eaLnBrk="1" latinLnBrk="0" hangingPunct="1">
-                        <a:defRPr sz="1800" kern="1200">
-                          <a:solidFill>
-                            <a:schemeClr val="dk1"/>
-                          </a:solidFill>
-                          <a:latin typeface="Tenorite "/>
-                        </a:defRPr>
-                      </a:lvl7pPr>
-                      <a:lvl8pPr marL="3200400" algn="l" defTabSz="914400" rtl="0" eaLnBrk="1" latinLnBrk="0" hangingPunct="1">
-                        <a:defRPr sz="1800" kern="1200">
-                          <a:solidFill>
-                            <a:schemeClr val="dk1"/>
-                          </a:solidFill>
-                          <a:latin typeface="Tenorite "/>
-                        </a:defRPr>
-                      </a:lvl8pPr>
-                      <a:lvl9pPr marL="3657600" algn="l" defTabSz="914400" rtl="0" eaLnBrk="1" latinLnBrk="0" hangingPunct="1">
-                        <a:defRPr sz="1800" kern="1200">
-                          <a:solidFill>
-                            <a:schemeClr val="dk1"/>
-                          </a:solidFill>
-                          <a:latin typeface="Tenorite "/>
-                        </a:defRPr>
-                      </a:lvl9pPr>
-                    </a:lstStyle>
-                    <a:p>
-                      <a:pPr algn="ctr"/>
-                      <a:r>
-                        <a:rPr lang="en-US" dirty="0">
-                          <a:latin typeface="+mn-lt"/>
-                        </a:rPr>
-                        <a:t>90</a:t>
-                      </a:r>
-                    </a:p>
-                  </a:txBody>
-                  <a:tcPr anchor="ctr"/>
-                </a:tc>
-                <a:tc>
-                  <a:txBody>
-                    <a:bodyPr/>
-                    <a:lstStyle>
-                      <a:lvl1pPr marL="0" algn="l" defTabSz="914400" rtl="0" eaLnBrk="1" latinLnBrk="0" hangingPunct="1">
-                        <a:defRPr sz="1800" kern="1200">
-                          <a:solidFill>
-                            <a:schemeClr val="dk1"/>
-                          </a:solidFill>
-                          <a:latin typeface="Tenorite "/>
-                        </a:defRPr>
-                      </a:lvl1pPr>
-                      <a:lvl2pPr marL="457200" algn="l" defTabSz="914400" rtl="0" eaLnBrk="1" latinLnBrk="0" hangingPunct="1">
-                        <a:defRPr sz="1800" kern="1200">
-                          <a:solidFill>
-                            <a:schemeClr val="dk1"/>
-                          </a:solidFill>
-                          <a:latin typeface="Tenorite "/>
-                        </a:defRPr>
-                      </a:lvl2pPr>
-                      <a:lvl3pPr marL="914400" algn="l" defTabSz="914400" rtl="0" eaLnBrk="1" latinLnBrk="0" hangingPunct="1">
-                        <a:defRPr sz="1800" kern="1200">
-                          <a:solidFill>
-                            <a:schemeClr val="dk1"/>
-                          </a:solidFill>
-                          <a:latin typeface="Tenorite "/>
-                        </a:defRPr>
-                      </a:lvl3pPr>
-                      <a:lvl4pPr marL="1371600" algn="l" defTabSz="914400" rtl="0" eaLnBrk="1" latinLnBrk="0" hangingPunct="1">
-                        <a:defRPr sz="1800" kern="1200">
-                          <a:solidFill>
-                            <a:schemeClr val="dk1"/>
-                          </a:solidFill>
-                          <a:latin typeface="Tenorite "/>
-                        </a:defRPr>
-                      </a:lvl4pPr>
-                      <a:lvl5pPr marL="1828800" algn="l" defTabSz="914400" rtl="0" eaLnBrk="1" latinLnBrk="0" hangingPunct="1">
-                        <a:defRPr sz="1800" kern="1200">
-                          <a:solidFill>
-                            <a:schemeClr val="dk1"/>
-                          </a:solidFill>
-                          <a:latin typeface="Tenorite "/>
-                        </a:defRPr>
-                      </a:lvl5pPr>
-                      <a:lvl6pPr marL="2286000" algn="l" defTabSz="914400" rtl="0" eaLnBrk="1" latinLnBrk="0" hangingPunct="1">
-                        <a:defRPr sz="1800" kern="1200">
-                          <a:solidFill>
-                            <a:schemeClr val="dk1"/>
-                          </a:solidFill>
-                          <a:latin typeface="Tenorite "/>
-                        </a:defRPr>
-                      </a:lvl6pPr>
-                      <a:lvl7pPr marL="2743200" algn="l" defTabSz="914400" rtl="0" eaLnBrk="1" latinLnBrk="0" hangingPunct="1">
-                        <a:defRPr sz="1800" kern="1200">
-                          <a:solidFill>
-                            <a:schemeClr val="dk1"/>
-                          </a:solidFill>
-                          <a:latin typeface="Tenorite "/>
-                        </a:defRPr>
-                      </a:lvl7pPr>
-                      <a:lvl8pPr marL="3200400" algn="l" defTabSz="914400" rtl="0" eaLnBrk="1" latinLnBrk="0" hangingPunct="1">
-                        <a:defRPr sz="1800" kern="1200">
-                          <a:solidFill>
-                            <a:schemeClr val="dk1"/>
-                          </a:solidFill>
-                          <a:latin typeface="Tenorite "/>
-                        </a:defRPr>
-                      </a:lvl8pPr>
-                      <a:lvl9pPr marL="3657600" algn="l" defTabSz="914400" rtl="0" eaLnBrk="1" latinLnBrk="0" hangingPunct="1">
-                        <a:defRPr sz="1800" kern="1200">
-                          <a:solidFill>
-                            <a:schemeClr val="dk1"/>
-                          </a:solidFill>
-                          <a:latin typeface="Tenorite "/>
-                        </a:defRPr>
-                      </a:lvl9pPr>
-                    </a:lstStyle>
-                    <a:p>
-                      <a:pPr algn="ctr"/>
-                      <a:r>
-                        <a:rPr lang="en-US" dirty="0">
-                          <a:latin typeface="+mn-lt"/>
-                        </a:rPr>
-                        <a:t>95</a:t>
-                      </a:r>
-                    </a:p>
-                  </a:txBody>
-                  <a:tcPr anchor="ctr"/>
-                </a:tc>
-                <a:extLst>
-                  <a:ext uri="{0D108BD9-81ED-4DB2-BD59-A6C34878D82A}">
-                    <a16:rowId xmlns:a16="http://schemas.microsoft.com/office/drawing/2014/main" val="3591840781"/>
-                  </a:ext>
-                </a:extLst>
-              </a:tr>
-              <a:tr h="1064844">
-                <a:tc>
-                  <a:txBody>
-                    <a:bodyPr/>
-                    <a:lstStyle>
-                      <a:lvl1pPr marL="0" algn="l" defTabSz="914400" rtl="0" eaLnBrk="1" latinLnBrk="0" hangingPunct="1">
-                        <a:defRPr sz="1800" kern="1200">
-                          <a:solidFill>
-                            <a:schemeClr val="dk1"/>
-                          </a:solidFill>
-                          <a:latin typeface="Tenorite "/>
-                        </a:defRPr>
-                      </a:lvl1pPr>
-                      <a:lvl2pPr marL="457200" algn="l" defTabSz="914400" rtl="0" eaLnBrk="1" latinLnBrk="0" hangingPunct="1">
-                        <a:defRPr sz="1800" kern="1200">
-                          <a:solidFill>
-                            <a:schemeClr val="dk1"/>
-                          </a:solidFill>
-                          <a:latin typeface="Tenorite "/>
-                        </a:defRPr>
-                      </a:lvl2pPr>
-                      <a:lvl3pPr marL="914400" algn="l" defTabSz="914400" rtl="0" eaLnBrk="1" latinLnBrk="0" hangingPunct="1">
-                        <a:defRPr sz="1800" kern="1200">
-                          <a:solidFill>
-                            <a:schemeClr val="dk1"/>
-                          </a:solidFill>
-                          <a:latin typeface="Tenorite "/>
-                        </a:defRPr>
-                      </a:lvl3pPr>
-                      <a:lvl4pPr marL="1371600" algn="l" defTabSz="914400" rtl="0" eaLnBrk="1" latinLnBrk="0" hangingPunct="1">
-                        <a:defRPr sz="1800" kern="1200">
-                          <a:solidFill>
-                            <a:schemeClr val="dk1"/>
-                          </a:solidFill>
-                          <a:latin typeface="Tenorite "/>
-                        </a:defRPr>
-                      </a:lvl4pPr>
-                      <a:lvl5pPr marL="1828800" algn="l" defTabSz="914400" rtl="0" eaLnBrk="1" latinLnBrk="0" hangingPunct="1">
-                        <a:defRPr sz="1800" kern="1200">
-                          <a:solidFill>
-                            <a:schemeClr val="dk1"/>
-                          </a:solidFill>
-                          <a:latin typeface="Tenorite "/>
-                        </a:defRPr>
-                      </a:lvl5pPr>
-                      <a:lvl6pPr marL="2286000" algn="l" defTabSz="914400" rtl="0" eaLnBrk="1" latinLnBrk="0" hangingPunct="1">
-                        <a:defRPr sz="1800" kern="1200">
-                          <a:solidFill>
-                            <a:schemeClr val="dk1"/>
-                          </a:solidFill>
-                          <a:latin typeface="Tenorite "/>
-                        </a:defRPr>
-                      </a:lvl6pPr>
-                      <a:lvl7pPr marL="2743200" algn="l" defTabSz="914400" rtl="0" eaLnBrk="1" latinLnBrk="0" hangingPunct="1">
-                        <a:defRPr sz="1800" kern="1200">
-                          <a:solidFill>
-                            <a:schemeClr val="dk1"/>
-                          </a:solidFill>
-                          <a:latin typeface="Tenorite "/>
-                        </a:defRPr>
-                      </a:lvl7pPr>
-                      <a:lvl8pPr marL="3200400" algn="l" defTabSz="914400" rtl="0" eaLnBrk="1" latinLnBrk="0" hangingPunct="1">
-                        <a:defRPr sz="1800" kern="1200">
-                          <a:solidFill>
-                            <a:schemeClr val="dk1"/>
-                          </a:solidFill>
-                          <a:latin typeface="Tenorite "/>
-                        </a:defRPr>
-                      </a:lvl8pPr>
-                      <a:lvl9pPr marL="3657600" algn="l" defTabSz="914400" rtl="0" eaLnBrk="1" latinLnBrk="0" hangingPunct="1">
-                        <a:defRPr sz="1800" kern="1200">
-                          <a:solidFill>
-                            <a:schemeClr val="dk1"/>
-                          </a:solidFill>
-                          <a:latin typeface="Tenorite "/>
-                        </a:defRPr>
-                      </a:lvl9pPr>
-                    </a:lstStyle>
-                    <a:p>
-                      <a:pPr algn="ctr"/>
-                      <a:r>
-                        <a:rPr lang="en-US" dirty="0">
-                          <a:latin typeface="+mn-lt"/>
-                        </a:rPr>
-                        <a:t>Rate of information retention</a:t>
-                      </a:r>
-                    </a:p>
-                  </a:txBody>
-                  <a:tcPr anchor="ctr"/>
-                </a:tc>
-                <a:tc>
-                  <a:txBody>
-                    <a:bodyPr/>
-                    <a:lstStyle>
-                      <a:lvl1pPr marL="0" algn="l" defTabSz="914400" rtl="0" eaLnBrk="1" latinLnBrk="0" hangingPunct="1">
-                        <a:defRPr sz="1800" kern="1200">
-                          <a:solidFill>
-                            <a:schemeClr val="dk1"/>
-                          </a:solidFill>
-                          <a:latin typeface="Tenorite "/>
-                        </a:defRPr>
-                      </a:lvl1pPr>
-                      <a:lvl2pPr marL="457200" algn="l" defTabSz="914400" rtl="0" eaLnBrk="1" latinLnBrk="0" hangingPunct="1">
-                        <a:defRPr sz="1800" kern="1200">
-                          <a:solidFill>
-                            <a:schemeClr val="dk1"/>
-                          </a:solidFill>
-                          <a:latin typeface="Tenorite "/>
-                        </a:defRPr>
-                      </a:lvl2pPr>
-                      <a:lvl3pPr marL="914400" algn="l" defTabSz="914400" rtl="0" eaLnBrk="1" latinLnBrk="0" hangingPunct="1">
-                        <a:defRPr sz="1800" kern="1200">
-                          <a:solidFill>
-                            <a:schemeClr val="dk1"/>
-                          </a:solidFill>
-                          <a:latin typeface="Tenorite "/>
-                        </a:defRPr>
-                      </a:lvl3pPr>
-                      <a:lvl4pPr marL="1371600" algn="l" defTabSz="914400" rtl="0" eaLnBrk="1" latinLnBrk="0" hangingPunct="1">
-                        <a:defRPr sz="1800" kern="1200">
-                          <a:solidFill>
-                            <a:schemeClr val="dk1"/>
-                          </a:solidFill>
-                          <a:latin typeface="Tenorite "/>
-                        </a:defRPr>
-                      </a:lvl4pPr>
-                      <a:lvl5pPr marL="1828800" algn="l" defTabSz="914400" rtl="0" eaLnBrk="1" latinLnBrk="0" hangingPunct="1">
-                        <a:defRPr sz="1800" kern="1200">
-                          <a:solidFill>
-                            <a:schemeClr val="dk1"/>
-                          </a:solidFill>
-                          <a:latin typeface="Tenorite "/>
-                        </a:defRPr>
-                      </a:lvl5pPr>
-                      <a:lvl6pPr marL="2286000" algn="l" defTabSz="914400" rtl="0" eaLnBrk="1" latinLnBrk="0" hangingPunct="1">
-                        <a:defRPr sz="1800" kern="1200">
-                          <a:solidFill>
-                            <a:schemeClr val="dk1"/>
-                          </a:solidFill>
-                          <a:latin typeface="Tenorite "/>
-                        </a:defRPr>
-                      </a:lvl6pPr>
-                      <a:lvl7pPr marL="2743200" algn="l" defTabSz="914400" rtl="0" eaLnBrk="1" latinLnBrk="0" hangingPunct="1">
-                        <a:defRPr sz="1800" kern="1200">
-                          <a:solidFill>
-                            <a:schemeClr val="dk1"/>
-                          </a:solidFill>
-                          <a:latin typeface="Tenorite "/>
-                        </a:defRPr>
-                      </a:lvl7pPr>
-                      <a:lvl8pPr marL="3200400" algn="l" defTabSz="914400" rtl="0" eaLnBrk="1" latinLnBrk="0" hangingPunct="1">
-                        <a:defRPr sz="1800" kern="1200">
-                          <a:solidFill>
-                            <a:schemeClr val="dk1"/>
-                          </a:solidFill>
-                          <a:latin typeface="Tenorite "/>
-                        </a:defRPr>
-                      </a:lvl8pPr>
-                      <a:lvl9pPr marL="3657600" algn="l" defTabSz="914400" rtl="0" eaLnBrk="1" latinLnBrk="0" hangingPunct="1">
-                        <a:defRPr sz="1800" kern="1200">
-                          <a:solidFill>
-                            <a:schemeClr val="dk1"/>
-                          </a:solidFill>
-                          <a:latin typeface="Tenorite "/>
-                        </a:defRPr>
-                      </a:lvl9pPr>
-                    </a:lstStyle>
-                    <a:p>
-                      <a:pPr algn="ctr"/>
-                      <a:r>
-                        <a:rPr lang="en-US" dirty="0">
-                          <a:latin typeface="+mn-lt"/>
-                        </a:rPr>
-                        <a:t>Percentage (%)</a:t>
-                      </a:r>
-                    </a:p>
-                  </a:txBody>
-                  <a:tcPr anchor="ctr"/>
-                </a:tc>
-                <a:tc>
-                  <a:txBody>
-                    <a:bodyPr/>
-                    <a:lstStyle>
-                      <a:lvl1pPr marL="0" algn="l" defTabSz="914400" rtl="0" eaLnBrk="1" latinLnBrk="0" hangingPunct="1">
-                        <a:defRPr sz="1800" kern="1200">
-                          <a:solidFill>
-                            <a:schemeClr val="dk1"/>
-                          </a:solidFill>
-                          <a:latin typeface="Tenorite "/>
-                        </a:defRPr>
-                      </a:lvl1pPr>
-                      <a:lvl2pPr marL="457200" algn="l" defTabSz="914400" rtl="0" eaLnBrk="1" latinLnBrk="0" hangingPunct="1">
-                        <a:defRPr sz="1800" kern="1200">
-                          <a:solidFill>
-                            <a:schemeClr val="dk1"/>
-                          </a:solidFill>
-                          <a:latin typeface="Tenorite "/>
-                        </a:defRPr>
-                      </a:lvl2pPr>
-                      <a:lvl3pPr marL="914400" algn="l" defTabSz="914400" rtl="0" eaLnBrk="1" latinLnBrk="0" hangingPunct="1">
-                        <a:defRPr sz="1800" kern="1200">
-                          <a:solidFill>
-                            <a:schemeClr val="dk1"/>
-                          </a:solidFill>
-                          <a:latin typeface="Tenorite "/>
-                        </a:defRPr>
-                      </a:lvl3pPr>
-                      <a:lvl4pPr marL="1371600" algn="l" defTabSz="914400" rtl="0" eaLnBrk="1" latinLnBrk="0" hangingPunct="1">
-                        <a:defRPr sz="1800" kern="1200">
-                          <a:solidFill>
-                            <a:schemeClr val="dk1"/>
-                          </a:solidFill>
-                          <a:latin typeface="Tenorite "/>
-                        </a:defRPr>
-                      </a:lvl4pPr>
-                      <a:lvl5pPr marL="1828800" algn="l" defTabSz="914400" rtl="0" eaLnBrk="1" latinLnBrk="0" hangingPunct="1">
-                        <a:defRPr sz="1800" kern="1200">
-                          <a:solidFill>
-                            <a:schemeClr val="dk1"/>
-                          </a:solidFill>
-                          <a:latin typeface="Tenorite "/>
-                        </a:defRPr>
-                      </a:lvl5pPr>
-                      <a:lvl6pPr marL="2286000" algn="l" defTabSz="914400" rtl="0" eaLnBrk="1" latinLnBrk="0" hangingPunct="1">
-                        <a:defRPr sz="1800" kern="1200">
-                          <a:solidFill>
-                            <a:schemeClr val="dk1"/>
-                          </a:solidFill>
-                          <a:latin typeface="Tenorite "/>
-                        </a:defRPr>
-                      </a:lvl6pPr>
-                      <a:lvl7pPr marL="2743200" algn="l" defTabSz="914400" rtl="0" eaLnBrk="1" latinLnBrk="0" hangingPunct="1">
-                        <a:defRPr sz="1800" kern="1200">
-                          <a:solidFill>
-                            <a:schemeClr val="dk1"/>
-                          </a:solidFill>
-                          <a:latin typeface="Tenorite "/>
-                        </a:defRPr>
-                      </a:lvl7pPr>
-                      <a:lvl8pPr marL="3200400" algn="l" defTabSz="914400" rtl="0" eaLnBrk="1" latinLnBrk="0" hangingPunct="1">
-                        <a:defRPr sz="1800" kern="1200">
-                          <a:solidFill>
-                            <a:schemeClr val="dk1"/>
-                          </a:solidFill>
-                          <a:latin typeface="Tenorite "/>
-                        </a:defRPr>
-                      </a:lvl8pPr>
-                      <a:lvl9pPr marL="3657600" algn="l" defTabSz="914400" rtl="0" eaLnBrk="1" latinLnBrk="0" hangingPunct="1">
-                        <a:defRPr sz="1800" kern="1200">
-                          <a:solidFill>
-                            <a:schemeClr val="dk1"/>
-                          </a:solidFill>
-                          <a:latin typeface="Tenorite "/>
-                        </a:defRPr>
-                      </a:lvl9pPr>
-                    </a:lstStyle>
-                    <a:p>
-                      <a:pPr algn="ctr"/>
-                      <a:r>
-                        <a:rPr lang="en-US" dirty="0">
-                          <a:latin typeface="+mn-lt"/>
-                        </a:rPr>
-                        <a:t>80</a:t>
-                      </a:r>
-                    </a:p>
-                  </a:txBody>
-                  <a:tcPr anchor="ctr"/>
-                </a:tc>
-                <a:tc>
-                  <a:txBody>
-                    <a:bodyPr/>
-                    <a:lstStyle>
-                      <a:lvl1pPr marL="0" algn="l" defTabSz="914400" rtl="0" eaLnBrk="1" latinLnBrk="0" hangingPunct="1">
-                        <a:defRPr sz="1800" kern="1200">
-                          <a:solidFill>
-                            <a:schemeClr val="dk1"/>
-                          </a:solidFill>
-                          <a:latin typeface="Tenorite "/>
-                        </a:defRPr>
-                      </a:lvl1pPr>
-                      <a:lvl2pPr marL="457200" algn="l" defTabSz="914400" rtl="0" eaLnBrk="1" latinLnBrk="0" hangingPunct="1">
-                        <a:defRPr sz="1800" kern="1200">
-                          <a:solidFill>
-                            <a:schemeClr val="dk1"/>
-                          </a:solidFill>
-                          <a:latin typeface="Tenorite "/>
-                        </a:defRPr>
-                      </a:lvl2pPr>
-                      <a:lvl3pPr marL="914400" algn="l" defTabSz="914400" rtl="0" eaLnBrk="1" latinLnBrk="0" hangingPunct="1">
-                        <a:defRPr sz="1800" kern="1200">
-                          <a:solidFill>
-                            <a:schemeClr val="dk1"/>
-                          </a:solidFill>
-                          <a:latin typeface="Tenorite "/>
-                        </a:defRPr>
-                      </a:lvl3pPr>
-                      <a:lvl4pPr marL="1371600" algn="l" defTabSz="914400" rtl="0" eaLnBrk="1" latinLnBrk="0" hangingPunct="1">
-                        <a:defRPr sz="1800" kern="1200">
-                          <a:solidFill>
-                            <a:schemeClr val="dk1"/>
-                          </a:solidFill>
-                          <a:latin typeface="Tenorite "/>
-                        </a:defRPr>
-                      </a:lvl4pPr>
-                      <a:lvl5pPr marL="1828800" algn="l" defTabSz="914400" rtl="0" eaLnBrk="1" latinLnBrk="0" hangingPunct="1">
-                        <a:defRPr sz="1800" kern="1200">
-                          <a:solidFill>
-                            <a:schemeClr val="dk1"/>
-                          </a:solidFill>
-                          <a:latin typeface="Tenorite "/>
-                        </a:defRPr>
-                      </a:lvl5pPr>
-                      <a:lvl6pPr marL="2286000" algn="l" defTabSz="914400" rtl="0" eaLnBrk="1" latinLnBrk="0" hangingPunct="1">
-                        <a:defRPr sz="1800" kern="1200">
-                          <a:solidFill>
-                            <a:schemeClr val="dk1"/>
-                          </a:solidFill>
-                          <a:latin typeface="Tenorite "/>
-                        </a:defRPr>
-                      </a:lvl6pPr>
-                      <a:lvl7pPr marL="2743200" algn="l" defTabSz="914400" rtl="0" eaLnBrk="1" latinLnBrk="0" hangingPunct="1">
-                        <a:defRPr sz="1800" kern="1200">
-                          <a:solidFill>
-                            <a:schemeClr val="dk1"/>
-                          </a:solidFill>
-                          <a:latin typeface="Tenorite "/>
-                        </a:defRPr>
-                      </a:lvl7pPr>
-                      <a:lvl8pPr marL="3200400" algn="l" defTabSz="914400" rtl="0" eaLnBrk="1" latinLnBrk="0" hangingPunct="1">
-                        <a:defRPr sz="1800" kern="1200">
-                          <a:solidFill>
-                            <a:schemeClr val="dk1"/>
-                          </a:solidFill>
-                          <a:latin typeface="Tenorite "/>
-                        </a:defRPr>
-                      </a:lvl8pPr>
-                      <a:lvl9pPr marL="3657600" algn="l" defTabSz="914400" rtl="0" eaLnBrk="1" latinLnBrk="0" hangingPunct="1">
-                        <a:defRPr sz="1800" kern="1200">
-                          <a:solidFill>
-                            <a:schemeClr val="dk1"/>
-                          </a:solidFill>
-                          <a:latin typeface="Tenorite "/>
-                        </a:defRPr>
-                      </a:lvl9pPr>
-                    </a:lstStyle>
-                    <a:p>
-                      <a:pPr algn="ctr"/>
-                      <a:r>
-                        <a:rPr lang="en-US" dirty="0">
-                          <a:latin typeface="+mn-lt"/>
-                        </a:rPr>
-                        <a:t>85</a:t>
-                      </a:r>
-                    </a:p>
-                  </a:txBody>
-                  <a:tcPr anchor="ctr"/>
-                </a:tc>
-                <a:extLst>
-                  <a:ext uri="{0D108BD9-81ED-4DB2-BD59-A6C34878D82A}">
-                    <a16:rowId xmlns:a16="http://schemas.microsoft.com/office/drawing/2014/main" val="335389741"/>
-                  </a:ext>
-                </a:extLst>
-              </a:tr>
-            </a:tbl>
-          </a:graphicData>
-        </a:graphic>
-      </p:graphicFrame>
+        </p:nvSpPr>
+        <p:spPr>
+          <a:xfrm>
+            <a:off x="9448800" y="6226175"/>
+            <a:ext cx="2743200" cy="365125"/>
+          </a:xfrm>
+        </p:spPr>
+        <p:txBody>
+          <a:bodyPr/>
+          <a:lstStyle/>
+          <a:p>
+            <a:fld id="{FE024F78-56A6-7740-B68D-8D4D026EDF3F}" type="slidenum">
+              <a:rPr lang="en-US" smtClean="0"/>
+              <a:pPr/>
+              <a:t>14</a:t>
+            </a:fld>
+            <a:endParaRPr lang="en-US" dirty="0"/>
+          </a:p>
+        </p:txBody>
+      </p:sp>
+      <p:cxnSp>
+        <p:nvCxnSpPr>
+          <p:cNvPr id="11" name="Straight Connector 10">
+            <a:extLst>
+              <a:ext uri="{FF2B5EF4-FFF2-40B4-BE49-F238E27FC236}">
+                <a16:creationId xmlns:a16="http://schemas.microsoft.com/office/drawing/2014/main" id="{8CF54429-A56F-3FF6-1904-FD6300B84ED8}"/>
+              </a:ext>
+              <a:ext uri="{C183D7F6-B498-43B3-948B-1728B52AA6E4}">
+                <adec:decorative xmlns:adec="http://schemas.microsoft.com/office/drawing/2017/decorative" val="1"/>
+              </a:ext>
+            </a:extLst>
+          </p:cNvPr>
+          <p:cNvCxnSpPr>
+            <a:cxnSpLocks/>
+          </p:cNvCxnSpPr>
+          <p:nvPr/>
+        </p:nvCxnSpPr>
+        <p:spPr>
+          <a:xfrm>
+            <a:off x="1360307" y="930386"/>
+            <a:ext cx="4196430" cy="0"/>
+          </a:xfrm>
+          <a:prstGeom prst="line">
+            <a:avLst/>
+          </a:prstGeom>
+          <a:ln w="25400">
+            <a:gradFill>
+              <a:gsLst>
+                <a:gs pos="0">
+                  <a:schemeClr val="accent4">
+                    <a:lumMod val="50000"/>
+                  </a:schemeClr>
+                </a:gs>
+                <a:gs pos="100000">
+                  <a:schemeClr val="accent6"/>
+                </a:gs>
+              </a:gsLst>
+              <a:lin ang="10800000" scaled="0"/>
+            </a:gradFill>
+          </a:ln>
+        </p:spPr>
+        <p:style>
+          <a:lnRef idx="1">
+            <a:schemeClr val="accent1"/>
+          </a:lnRef>
+          <a:fillRef idx="0">
+            <a:schemeClr val="accent1"/>
+          </a:fillRef>
+          <a:effectRef idx="0">
+            <a:schemeClr val="accent1"/>
+          </a:effectRef>
+          <a:fontRef idx="minor">
+            <a:schemeClr val="tx1"/>
+          </a:fontRef>
+        </p:style>
+      </p:cxnSp>
     </p:spTree>
     <p:extLst>
       <p:ext uri="{BB962C8B-B14F-4D97-AF65-F5344CB8AC3E}">
-        <p14:creationId xmlns:p14="http://schemas.microsoft.com/office/powerpoint/2010/main" val="2170071140"/>
+        <p14:creationId xmlns:p14="http://schemas.microsoft.com/office/powerpoint/2010/main" val="2570581640"/>
       </p:ext>
     </p:extLst>
   </p:cSld>
@@ -13826,7 +12490,7 @@
           <a:p>
             <a:r>
               <a:rPr lang="en-US" dirty="0"/>
-              <a:t>FINAL TIPS &amp; TAKEAWAYS</a:t>
+              <a:t>conclusions</a:t>
             </a:r>
           </a:p>
         </p:txBody>
@@ -13859,111 +12523,29 @@
           <a:p>
             <a:r>
               <a:rPr lang="en-US" dirty="0"/>
-              <a:t>Consistent rehearsal</a:t>
-            </a:r>
-          </a:p>
-          <a:p>
-            <a:pPr lvl="1"/>
+              <a:t>KeyGuardian provides robust security solutions for file and data protection.</a:t>
+            </a:r>
+          </a:p>
+          <a:p>
             <a:r>
               <a:rPr lang="en-US" dirty="0"/>
-              <a:t>Strengthen your familiarity</a:t>
+              <a:t>The transition to Python has enhanced the tool's functionality and usability.</a:t>
             </a:r>
           </a:p>
           <a:p>
             <a:r>
               <a:rPr lang="en-US" dirty="0"/>
-              <a:t>Refine delivery style</a:t>
-            </a:r>
-          </a:p>
-          <a:p>
-            <a:pPr lvl="1"/>
+              <a:t>Continuous development and user feedback will drive further improvements.</a:t>
+            </a:r>
+          </a:p>
+          <a:p>
             <a:r>
               <a:rPr lang="en-US" dirty="0"/>
-              <a:t>Pacing, tone, and emphasis</a:t>
-            </a:r>
-          </a:p>
-          <a:p>
-            <a:r>
-              <a:rPr lang="en-US" dirty="0"/>
-              <a:t>Timing and transitions</a:t>
-            </a:r>
-          </a:p>
-          <a:p>
-            <a:pPr lvl="1"/>
-            <a:r>
-              <a:rPr lang="en-US" dirty="0"/>
-              <a:t>Aim for seamless, professional delivery</a:t>
-            </a:r>
-          </a:p>
-          <a:p>
-            <a:r>
-              <a:rPr lang="en-US" dirty="0"/>
-              <a:t>Practice audience</a:t>
-            </a:r>
-          </a:p>
-          <a:p>
-            <a:pPr lvl="1"/>
-            <a:r>
-              <a:rPr lang="en-US" dirty="0"/>
-              <a:t>Enlist colleagues to listen &amp; provide feedback</a:t>
-            </a:r>
-          </a:p>
-        </p:txBody>
-      </p:sp>
-      <p:sp>
-        <p:nvSpPr>
-          <p:cNvPr id="5" name="Content Placeholder 4">
-            <a:extLst>
-              <a:ext uri="{FF2B5EF4-FFF2-40B4-BE49-F238E27FC236}">
-                <a16:creationId xmlns:a16="http://schemas.microsoft.com/office/drawing/2014/main" id="{A33D1544-95D3-8A05-6E1B-C08C307C55D4}"/>
-              </a:ext>
-            </a:extLst>
-          </p:cNvPr>
-          <p:cNvSpPr>
-            <a:spLocks noGrp="1"/>
-          </p:cNvSpPr>
-          <p:nvPr>
-            <p:ph sz="quarter" idx="37"/>
-          </p:nvPr>
-        </p:nvSpPr>
-        <p:spPr>
-          <a:xfrm>
-            <a:off x="8392160" y="2465388"/>
-            <a:ext cx="2856865" cy="3427412"/>
-          </a:xfrm>
-        </p:spPr>
-        <p:txBody>
-          <a:bodyPr/>
-          <a:lstStyle/>
-          <a:p>
-            <a:r>
-              <a:rPr lang="en-US" dirty="0"/>
-              <a:t>Seek feedback</a:t>
-            </a:r>
-          </a:p>
-          <a:p>
-            <a:r>
-              <a:rPr lang="en-US" dirty="0"/>
-              <a:t>Reflect on performance</a:t>
-            </a:r>
-          </a:p>
-          <a:p>
-            <a:r>
-              <a:rPr lang="en-US" dirty="0"/>
-              <a:t>Explore new techniques</a:t>
-            </a:r>
-          </a:p>
-          <a:p>
-            <a:r>
-              <a:rPr lang="en-US" dirty="0"/>
-              <a:t>Set personal goals</a:t>
-            </a:r>
-          </a:p>
-          <a:p>
-            <a:r>
-              <a:rPr lang="en-US" dirty="0"/>
-              <a:t>Iterate and adapt</a:t>
-            </a:r>
+              <a:t>KeyGuardian has the potential to be a comprehensive tool for cybersecurity needs.</a:t>
+            </a:r>
+          </a:p>
+          <a:p>
+            <a:endParaRPr lang="en-US" dirty="0"/>
           </a:p>
         </p:txBody>
       </p:sp>
@@ -14034,10 +12616,10 @@
       </p:grpSpPr>
       <p:sp>
         <p:nvSpPr>
-          <p:cNvPr id="3" name="Title 2">
+          <p:cNvPr id="2" name="Title 1">
             <a:extLst>
               <a:ext uri="{FF2B5EF4-FFF2-40B4-BE49-F238E27FC236}">
-                <a16:creationId xmlns:a16="http://schemas.microsoft.com/office/drawing/2014/main" id="{EEF125C3-99F8-5ABF-1328-0370F112121B}"/>
+                <a16:creationId xmlns:a16="http://schemas.microsoft.com/office/drawing/2014/main" id="{A2DE810E-8E37-1D8A-245B-020E4E4C0B9F}"/>
               </a:ext>
             </a:extLst>
           </p:cNvPr>
@@ -14050,8 +12632,8 @@
         </p:nvSpPr>
         <p:spPr>
           <a:xfrm>
-            <a:off x="835370" y="643842"/>
-            <a:ext cx="10515601" cy="1140849"/>
+            <a:off x="733562" y="433906"/>
+            <a:ext cx="10515601" cy="1327464"/>
           </a:xfrm>
         </p:spPr>
         <p:txBody>
@@ -14060,464 +12642,69 @@
           <a:p>
             <a:r>
               <a:rPr lang="en-US" dirty="0"/>
-              <a:t>SPEAKING ENGAGEMENT METRICS</a:t>
+              <a:t>References</a:t>
             </a:r>
           </a:p>
         </p:txBody>
       </p:sp>
-      <p:graphicFrame>
-        <p:nvGraphicFramePr>
-          <p:cNvPr id="5" name="Table Placeholder 2">
+      <p:sp>
+        <p:nvSpPr>
+          <p:cNvPr id="3" name="Content Placeholder 2">
             <a:extLst>
               <a:ext uri="{FF2B5EF4-FFF2-40B4-BE49-F238E27FC236}">
-                <a16:creationId xmlns:a16="http://schemas.microsoft.com/office/drawing/2014/main" id="{8EEA5630-8504-C8C7-2F0C-EE6D53FDDCC5}"/>
+                <a16:creationId xmlns:a16="http://schemas.microsoft.com/office/drawing/2014/main" id="{7D7CECA3-144C-CD4B-9246-81B4F2E65466}"/>
               </a:ext>
             </a:extLst>
           </p:cNvPr>
-          <p:cNvGraphicFramePr>
-            <a:graphicFrameLocks noGrp="1"/>
-          </p:cNvGraphicFramePr>
+          <p:cNvSpPr>
+            <a:spLocks noGrp="1"/>
+          </p:cNvSpPr>
           <p:nvPr>
-            <p:ph type="tbl" sz="quarter" idx="13"/>
-            <p:extLst>
-              <p:ext uri="{D42A27DB-BD31-4B8C-83A1-F6EECF244321}">
-                <p14:modId xmlns:p14="http://schemas.microsoft.com/office/powerpoint/2010/main" val="3050753078"/>
-              </p:ext>
-            </p:extLst>
+            <p:ph sz="quarter" idx="36"/>
           </p:nvPr>
-        </p:nvGraphicFramePr>
-        <p:xfrm>
-          <a:off x="835025" y="2560638"/>
-          <a:ext cx="10515601" cy="3477156"/>
-        </p:xfrm>
-        <a:graphic>
-          <a:graphicData uri="http://schemas.openxmlformats.org/drawingml/2006/table">
-            <a:tbl>
-              <a:tblPr firstRow="1" bandRow="1">
-                <a:tableStyleId>{10A1B5D5-9B99-4C35-A422-299274C87663}</a:tableStyleId>
-              </a:tblPr>
-              <a:tblGrid>
-                <a:gridCol w="3433998">
-                  <a:extLst>
-                    <a:ext uri="{9D8B030D-6E8A-4147-A177-3AD203B41FA5}">
-                      <a16:colId xmlns:a16="http://schemas.microsoft.com/office/drawing/2014/main" val="127040821"/>
-                    </a:ext>
-                  </a:extLst>
-                </a:gridCol>
-                <a:gridCol w="2450892">
-                  <a:extLst>
-                    <a:ext uri="{9D8B030D-6E8A-4147-A177-3AD203B41FA5}">
-                      <a16:colId xmlns:a16="http://schemas.microsoft.com/office/drawing/2014/main" val="149845700"/>
-                    </a:ext>
-                  </a:extLst>
-                </a:gridCol>
-                <a:gridCol w="2375942">
-                  <a:extLst>
-                    <a:ext uri="{9D8B030D-6E8A-4147-A177-3AD203B41FA5}">
-                      <a16:colId xmlns:a16="http://schemas.microsoft.com/office/drawing/2014/main" val="3119692462"/>
-                    </a:ext>
-                  </a:extLst>
-                </a:gridCol>
-                <a:gridCol w="2254769">
-                  <a:extLst>
-                    <a:ext uri="{9D8B030D-6E8A-4147-A177-3AD203B41FA5}">
-                      <a16:colId xmlns:a16="http://schemas.microsoft.com/office/drawing/2014/main" val="3472639139"/>
-                    </a:ext>
-                  </a:extLst>
-                </a:gridCol>
-              </a:tblGrid>
-              <a:tr h="579526">
-                <a:tc>
-                  <a:txBody>
-                    <a:bodyPr/>
-                    <a:lstStyle/>
-                    <a:p>
-                      <a:pPr algn="ctr"/>
-                      <a:r>
-                        <a:rPr lang="en-US" dirty="0"/>
-                        <a:t>IMPACT FACTOR</a:t>
-                      </a:r>
-                      <a:endParaRPr lang="en-US" b="0" dirty="0"/>
-                    </a:p>
-                  </a:txBody>
-                  <a:tcPr anchor="ctr"/>
-                </a:tc>
-                <a:tc>
-                  <a:txBody>
-                    <a:bodyPr/>
-                    <a:lstStyle/>
-                    <a:p>
-                      <a:pPr algn="ctr"/>
-                      <a:r>
-                        <a:rPr lang="en-US" dirty="0"/>
-                        <a:t>MEASUREMENT</a:t>
-                      </a:r>
-                      <a:endParaRPr lang="en-US" b="0" dirty="0"/>
-                    </a:p>
-                  </a:txBody>
-                  <a:tcPr anchor="ctr"/>
-                </a:tc>
-                <a:tc>
-                  <a:txBody>
-                    <a:bodyPr/>
-                    <a:lstStyle/>
-                    <a:p>
-                      <a:pPr algn="ctr"/>
-                      <a:r>
-                        <a:rPr lang="en-US" dirty="0"/>
-                        <a:t>TARGET</a:t>
-                      </a:r>
-                      <a:endParaRPr lang="en-US" b="0" dirty="0"/>
-                    </a:p>
-                  </a:txBody>
-                  <a:tcPr anchor="ctr"/>
-                </a:tc>
-                <a:tc>
-                  <a:txBody>
-                    <a:bodyPr/>
-                    <a:lstStyle/>
-                    <a:p>
-                      <a:pPr algn="ctr"/>
-                      <a:r>
-                        <a:rPr lang="en-US" dirty="0"/>
-                        <a:t>ACHIEVED</a:t>
-                      </a:r>
-                      <a:endParaRPr lang="en-US" b="0" dirty="0"/>
-                    </a:p>
-                  </a:txBody>
-                  <a:tcPr anchor="ctr"/>
-                </a:tc>
-                <a:extLst>
-                  <a:ext uri="{0D108BD9-81ED-4DB2-BD59-A6C34878D82A}">
-                    <a16:rowId xmlns:a16="http://schemas.microsoft.com/office/drawing/2014/main" val="3298013591"/>
-                  </a:ext>
-                </a:extLst>
-              </a:tr>
-              <a:tr h="579526">
-                <a:tc>
-                  <a:txBody>
-                    <a:bodyPr/>
-                    <a:lstStyle/>
-                    <a:p>
-                      <a:pPr algn="ctr"/>
-                      <a:r>
-                        <a:rPr lang="en-US" dirty="0"/>
-                        <a:t>Audience interaction</a:t>
-                      </a:r>
-                    </a:p>
-                  </a:txBody>
-                  <a:tcPr anchor="ctr"/>
-                </a:tc>
-                <a:tc>
-                  <a:txBody>
-                    <a:bodyPr/>
-                    <a:lstStyle/>
-                    <a:p>
-                      <a:pPr algn="ctr"/>
-                      <a:r>
-                        <a:rPr lang="en-US" dirty="0"/>
-                        <a:t>Percentage (%)</a:t>
-                      </a:r>
-                    </a:p>
-                  </a:txBody>
-                  <a:tcPr anchor="ctr"/>
-                </a:tc>
-                <a:tc>
-                  <a:txBody>
-                    <a:bodyPr/>
-                    <a:lstStyle/>
-                    <a:p>
-                      <a:pPr algn="ctr"/>
-                      <a:r>
-                        <a:rPr lang="en-US" dirty="0"/>
-                        <a:t>85</a:t>
-                      </a:r>
-                    </a:p>
-                  </a:txBody>
-                  <a:tcPr anchor="ctr"/>
-                </a:tc>
-                <a:tc>
-                  <a:txBody>
-                    <a:bodyPr/>
-                    <a:lstStyle/>
-                    <a:p>
-                      <a:pPr algn="ctr"/>
-                      <a:r>
-                        <a:rPr lang="en-US" dirty="0"/>
-                        <a:t>88</a:t>
-                      </a:r>
-                    </a:p>
-                  </a:txBody>
-                  <a:tcPr anchor="ctr"/>
-                </a:tc>
-                <a:extLst>
-                  <a:ext uri="{0D108BD9-81ED-4DB2-BD59-A6C34878D82A}">
-                    <a16:rowId xmlns:a16="http://schemas.microsoft.com/office/drawing/2014/main" val="3873867931"/>
-                  </a:ext>
-                </a:extLst>
-              </a:tr>
-              <a:tr h="579526">
-                <a:tc>
-                  <a:txBody>
-                    <a:bodyPr/>
-                    <a:lstStyle/>
-                    <a:p>
-                      <a:pPr algn="ctr"/>
-                      <a:r>
-                        <a:rPr lang="en-US" dirty="0"/>
-                        <a:t>Knowledge retention</a:t>
-                      </a:r>
-                    </a:p>
-                  </a:txBody>
-                  <a:tcPr anchor="ctr"/>
-                </a:tc>
-                <a:tc>
-                  <a:txBody>
-                    <a:bodyPr/>
-                    <a:lstStyle/>
-                    <a:p>
-                      <a:pPr algn="ctr"/>
-                      <a:r>
-                        <a:rPr lang="en-US" dirty="0"/>
-                        <a:t>Percentage (%)</a:t>
-                      </a:r>
-                    </a:p>
-                  </a:txBody>
-                  <a:tcPr anchor="ctr"/>
-                </a:tc>
-                <a:tc>
-                  <a:txBody>
-                    <a:bodyPr/>
-                    <a:lstStyle/>
-                    <a:p>
-                      <a:pPr algn="ctr"/>
-                      <a:r>
-                        <a:rPr lang="en-US" dirty="0"/>
-                        <a:t>75</a:t>
-                      </a:r>
-                    </a:p>
-                  </a:txBody>
-                  <a:tcPr anchor="ctr"/>
-                </a:tc>
-                <a:tc>
-                  <a:txBody>
-                    <a:bodyPr/>
-                    <a:lstStyle/>
-                    <a:p>
-                      <a:pPr algn="ctr"/>
-                      <a:r>
-                        <a:rPr lang="en-US" dirty="0"/>
-                        <a:t>80</a:t>
-                      </a:r>
-                    </a:p>
-                  </a:txBody>
-                  <a:tcPr anchor="ctr"/>
-                </a:tc>
-                <a:extLst>
-                  <a:ext uri="{0D108BD9-81ED-4DB2-BD59-A6C34878D82A}">
-                    <a16:rowId xmlns:a16="http://schemas.microsoft.com/office/drawing/2014/main" val="85209771"/>
-                  </a:ext>
-                </a:extLst>
-              </a:tr>
-              <a:tr h="579526">
-                <a:tc>
-                  <a:txBody>
-                    <a:bodyPr/>
-                    <a:lstStyle/>
-                    <a:p>
-                      <a:pPr algn="ctr"/>
-                      <a:r>
-                        <a:rPr lang="en-US" dirty="0"/>
-                        <a:t>Post-presentation surveys</a:t>
-                      </a:r>
-                    </a:p>
-                  </a:txBody>
-                  <a:tcPr anchor="ctr"/>
-                </a:tc>
-                <a:tc>
-                  <a:txBody>
-                    <a:bodyPr/>
-                    <a:lstStyle/>
-                    <a:p>
-                      <a:pPr algn="ctr"/>
-                      <a:r>
-                        <a:rPr lang="en-US" dirty="0"/>
-                        <a:t>Average rating</a:t>
-                      </a:r>
-                    </a:p>
-                  </a:txBody>
-                  <a:tcPr anchor="ctr"/>
-                </a:tc>
-                <a:tc>
-                  <a:txBody>
-                    <a:bodyPr/>
-                    <a:lstStyle/>
-                    <a:p>
-                      <a:pPr algn="ctr"/>
-                      <a:r>
-                        <a:rPr lang="en-US" dirty="0"/>
-                        <a:t>4.2</a:t>
-                      </a:r>
-                    </a:p>
-                  </a:txBody>
-                  <a:tcPr anchor="ctr"/>
-                </a:tc>
-                <a:tc>
-                  <a:txBody>
-                    <a:bodyPr/>
-                    <a:lstStyle/>
-                    <a:p>
-                      <a:pPr algn="ctr"/>
-                      <a:r>
-                        <a:rPr lang="en-US" dirty="0"/>
-                        <a:t>4.5</a:t>
-                      </a:r>
-                    </a:p>
-                  </a:txBody>
-                  <a:tcPr anchor="ctr"/>
-                </a:tc>
-                <a:extLst>
-                  <a:ext uri="{0D108BD9-81ED-4DB2-BD59-A6C34878D82A}">
-                    <a16:rowId xmlns:a16="http://schemas.microsoft.com/office/drawing/2014/main" val="4061031278"/>
-                  </a:ext>
-                </a:extLst>
-              </a:tr>
-              <a:tr h="579526">
-                <a:tc>
-                  <a:txBody>
-                    <a:bodyPr/>
-                    <a:lstStyle/>
-                    <a:p>
-                      <a:pPr algn="ctr"/>
-                      <a:r>
-                        <a:rPr lang="en-US" dirty="0"/>
-                        <a:t>Referral rate</a:t>
-                      </a:r>
-                    </a:p>
-                  </a:txBody>
-                  <a:tcPr anchor="ctr"/>
-                </a:tc>
-                <a:tc>
-                  <a:txBody>
-                    <a:bodyPr/>
-                    <a:lstStyle/>
-                    <a:p>
-                      <a:pPr algn="ctr"/>
-                      <a:r>
-                        <a:rPr lang="en-US" dirty="0"/>
-                        <a:t>Percentage (%)</a:t>
-                      </a:r>
-                    </a:p>
-                  </a:txBody>
-                  <a:tcPr anchor="ctr"/>
-                </a:tc>
-                <a:tc>
-                  <a:txBody>
-                    <a:bodyPr/>
-                    <a:lstStyle/>
-                    <a:p>
-                      <a:pPr algn="ctr"/>
-                      <a:r>
-                        <a:rPr lang="en-US" dirty="0"/>
-                        <a:t>10</a:t>
-                      </a:r>
-                    </a:p>
-                  </a:txBody>
-                  <a:tcPr anchor="ctr"/>
-                </a:tc>
-                <a:tc>
-                  <a:txBody>
-                    <a:bodyPr/>
-                    <a:lstStyle/>
-                    <a:p>
-                      <a:pPr algn="ctr"/>
-                      <a:r>
-                        <a:rPr lang="en-US" dirty="0"/>
-                        <a:t>12</a:t>
-                      </a:r>
-                    </a:p>
-                  </a:txBody>
-                  <a:tcPr anchor="ctr"/>
-                </a:tc>
-                <a:extLst>
-                  <a:ext uri="{0D108BD9-81ED-4DB2-BD59-A6C34878D82A}">
-                    <a16:rowId xmlns:a16="http://schemas.microsoft.com/office/drawing/2014/main" val="3591840781"/>
-                  </a:ext>
-                </a:extLst>
-              </a:tr>
-              <a:tr h="579526">
-                <a:tc>
-                  <a:txBody>
-                    <a:bodyPr/>
-                    <a:lstStyle/>
-                    <a:p>
-                      <a:pPr algn="ctr"/>
-                      <a:r>
-                        <a:rPr lang="en-US" dirty="0"/>
-                        <a:t>Collaboration opportunities</a:t>
-                      </a:r>
-                    </a:p>
-                  </a:txBody>
-                  <a:tcPr anchor="ctr"/>
-                </a:tc>
-                <a:tc>
-                  <a:txBody>
-                    <a:bodyPr/>
-                    <a:lstStyle/>
-                    <a:p>
-                      <a:pPr algn="ctr"/>
-                      <a:r>
-                        <a:rPr lang="en-US" dirty="0"/>
-                        <a:t># of opportunities</a:t>
-                      </a:r>
-                    </a:p>
-                  </a:txBody>
-                  <a:tcPr anchor="ctr"/>
-                </a:tc>
-                <a:tc>
-                  <a:txBody>
-                    <a:bodyPr/>
-                    <a:lstStyle/>
-                    <a:p>
-                      <a:pPr algn="ctr"/>
-                      <a:r>
-                        <a:rPr lang="en-US" dirty="0"/>
-                        <a:t>8</a:t>
-                      </a:r>
-                    </a:p>
-                  </a:txBody>
-                  <a:tcPr anchor="ctr"/>
-                </a:tc>
-                <a:tc>
-                  <a:txBody>
-                    <a:bodyPr/>
-                    <a:lstStyle/>
-                    <a:p>
-                      <a:pPr algn="ctr"/>
-                      <a:r>
-                        <a:rPr lang="en-US" dirty="0"/>
-                        <a:t>10</a:t>
-                      </a:r>
-                    </a:p>
-                  </a:txBody>
-                  <a:tcPr anchor="ctr"/>
-                </a:tc>
-                <a:extLst>
-                  <a:ext uri="{0D108BD9-81ED-4DB2-BD59-A6C34878D82A}">
-                    <a16:rowId xmlns:a16="http://schemas.microsoft.com/office/drawing/2014/main" val="335389741"/>
-                  </a:ext>
-                </a:extLst>
-              </a:tr>
-            </a:tbl>
-          </a:graphicData>
-        </a:graphic>
-      </p:graphicFrame>
+        </p:nvSpPr>
+        <p:spPr>
+          <a:xfrm>
+            <a:off x="814301" y="2465535"/>
+            <a:ext cx="10434861" cy="4125788"/>
+          </a:xfrm>
+        </p:spPr>
+        <p:txBody>
+          <a:bodyPr/>
+          <a:lstStyle/>
+          <a:p>
+            <a:r>
+              <a:rPr lang="en-IN" dirty="0"/>
+              <a:t>Dhruv Sharma, C. Fancy, (2022) "Cloud Storage Security using Firebase and Fernet Encryption," International Journal of Emerging Technologies (pp. 1-15).</a:t>
+            </a:r>
+          </a:p>
+          <a:p>
+            <a:r>
+              <a:rPr lang="en-IN" dirty="0"/>
+              <a:t>El Gaabouri Ismail, Chahboun Asaad, and Raissouni Naoufal, (2020) "Fernet Symmetric Encryption method to gather MQTT E2E secure communications for IOT Devices,". ResearchGate (pp. 1-20).</a:t>
+            </a:r>
+          </a:p>
+          <a:p>
+            <a:r>
+              <a:rPr lang="en-IN" dirty="0"/>
+              <a:t>Aryo P. Pinanditoa, Agi Putra Kharismab, Eriq Muhammad Adams Jonemarob, (2023) "Architectural Design of Representational State Transfer Application Programming Interface with Application-Level Base64-Encoding and Zlib Data Compression,". Journal of Information Technology and Computer Science (pp. 1-18).</a:t>
+            </a:r>
+          </a:p>
+          <a:p>
+            <a:r>
+              <a:rPr lang="en-IN" dirty="0"/>
+              <a:t>Bharati A. Patil, Prajakta R. Toke, Sharyu S. Naiknavare, (2024) "Research on Various Cryptography Techniques," Computer Science &amp; Engineering: An International Journal. (pp. 1-16).</a:t>
+            </a:r>
+            <a:endParaRPr lang="en-US" dirty="0"/>
+          </a:p>
+        </p:txBody>
+      </p:sp>
       <p:sp>
         <p:nvSpPr>
           <p:cNvPr id="4" name="Slide Number Placeholder 3">
             <a:extLst>
               <a:ext uri="{FF2B5EF4-FFF2-40B4-BE49-F238E27FC236}">
-                <a16:creationId xmlns:a16="http://schemas.microsoft.com/office/drawing/2014/main" id="{48EA189C-8A41-5C63-2470-06541519CBCD}"/>
+                <a16:creationId xmlns:a16="http://schemas.microsoft.com/office/drawing/2014/main" id="{FD1E69EA-A9E8-C521-7C62-DA1F24879918}"/>
               </a:ext>
             </a:extLst>
           </p:cNvPr>
@@ -14550,7 +12737,7 @@
     </p:spTree>
     <p:extLst>
       <p:ext uri="{BB962C8B-B14F-4D97-AF65-F5344CB8AC3E}">
-        <p14:creationId xmlns:p14="http://schemas.microsoft.com/office/powerpoint/2010/main" val="3304068007"/>
+        <p14:creationId xmlns:p14="http://schemas.microsoft.com/office/powerpoint/2010/main" val="3026716101"/>
       </p:ext>
     </p:extLst>
   </p:cSld>
@@ -14669,25 +12856,25 @@
           <a:p>
             <a:r>
               <a:rPr lang="en-US" dirty="0"/>
-              <a:t>Mirjam Nilsson​</a:t>
+              <a:t>Surya Pratap Singh Chauhan</a:t>
             </a:r>
           </a:p>
           <a:p>
             <a:r>
               <a:rPr lang="en-US" dirty="0"/>
-              <a:t>206-555-0146</a:t>
+              <a:t>+91 9305738812</a:t>
             </a:r>
           </a:p>
           <a:p>
             <a:r>
               <a:rPr lang="en-US" dirty="0"/>
-              <a:t>mirjam@contoso.com</a:t>
+              <a:t>surya.pratap0038@gmail.com</a:t>
             </a:r>
           </a:p>
           <a:p>
             <a:r>
               <a:rPr lang="en-US" dirty="0"/>
-              <a:t>www.contoso.com</a:t>
+              <a:t>https://brodante.github.io/portfolio/</a:t>
             </a:r>
           </a:p>
         </p:txBody>
@@ -14993,7 +13180,7 @@
                 <a:cs typeface="Arial"/>
                 <a:sym typeface="Arial"/>
               </a:rPr>
-              <a:t>   KeyGuardian  </a:t>
+              <a:t>   KeyGuardian</a:t>
             </a:r>
           </a:p>
           <a:p>
@@ -16502,8 +14689,8 @@
         </p:nvSpPr>
         <p:spPr>
           <a:xfrm>
-            <a:off x="799891" y="511762"/>
-            <a:ext cx="4960830" cy="2785158"/>
+            <a:off x="799891" y="1195754"/>
+            <a:ext cx="4960830" cy="606474"/>
           </a:xfrm>
         </p:spPr>
         <p:txBody>
@@ -16535,7 +14722,7 @@
         </p:nvSpPr>
         <p:spPr>
           <a:xfrm>
-            <a:off x="802640" y="3484615"/>
+            <a:off x="802640" y="2833984"/>
             <a:ext cx="5293360" cy="2387865"/>
           </a:xfrm>
         </p:spPr>
@@ -16551,19 +14738,13 @@
           <a:p>
             <a:r>
               <a:rPr lang="en-US" dirty="0"/>
+              <a:t>&amp;</a:t>
+            </a:r>
+          </a:p>
+          <a:p>
+            <a:r>
+              <a:rPr lang="en-US" dirty="0"/>
               <a:t>Integrity</a:t>
-            </a:r>
-          </a:p>
-          <a:p>
-            <a:r>
-              <a:rPr lang="en-US" dirty="0"/>
-              <a:t>Authentication</a:t>
-            </a:r>
-          </a:p>
-          <a:p>
-            <a:r>
-              <a:rPr lang="en-US" dirty="0"/>
-              <a:t>nonrepudiation</a:t>
             </a:r>
           </a:p>
         </p:txBody>
@@ -16631,6 +14812,62 @@
           </a:p>
         </p:txBody>
       </p:sp>
+      <p:cxnSp>
+        <p:nvCxnSpPr>
+          <p:cNvPr id="2" name="Straight Connector 1">
+            <a:extLst>
+              <a:ext uri="{FF2B5EF4-FFF2-40B4-BE49-F238E27FC236}">
+                <a16:creationId xmlns:a16="http://schemas.microsoft.com/office/drawing/2014/main" id="{5F0B371F-5B82-4B6D-1E77-2158A0602A64}"/>
+              </a:ext>
+              <a:ext uri="{C183D7F6-B498-43B3-948B-1728B52AA6E4}">
+                <adec:decorative xmlns:adec="http://schemas.microsoft.com/office/drawing/2017/decorative" val="1"/>
+              </a:ext>
+            </a:extLst>
+          </p:cNvPr>
+          <p:cNvCxnSpPr>
+            <a:cxnSpLocks/>
+          </p:cNvCxnSpPr>
+          <p:nvPr/>
+        </p:nvCxnSpPr>
+        <p:spPr>
+          <a:xfrm>
+            <a:off x="920694" y="1950994"/>
+            <a:ext cx="4384011" cy="0"/>
+          </a:xfrm>
+          <a:prstGeom prst="line">
+            <a:avLst/>
+          </a:prstGeom>
+          <a:ln w="25400">
+            <a:gradFill>
+              <a:gsLst>
+                <a:gs pos="0">
+                  <a:schemeClr val="accent4">
+                    <a:lumMod val="50000"/>
+                  </a:schemeClr>
+                </a:gs>
+                <a:gs pos="100000">
+                  <a:schemeClr val="accent6"/>
+                </a:gs>
+              </a:gsLst>
+              <a:lin ang="10800000" scaled="0"/>
+            </a:gradFill>
+          </a:ln>
+        </p:spPr>
+        <p:style>
+          <a:lnRef idx="1">
+            <a:schemeClr val="accent1"/>
+          </a:lnRef>
+          <a:fillRef idx="0">
+            <a:schemeClr val="accent1"/>
+          </a:fillRef>
+          <a:effectRef idx="0">
+            <a:schemeClr val="accent1"/>
+          </a:effectRef>
+          <a:fontRef idx="minor">
+            <a:schemeClr val="tx1"/>
+          </a:fontRef>
+        </p:style>
+      </p:cxnSp>
     </p:spTree>
     <p:extLst>
       <p:ext uri="{BB962C8B-B14F-4D97-AF65-F5344CB8AC3E}">
@@ -16722,7 +14959,23 @@
           <a:p>
             <a:r>
               <a:rPr lang="en-US" dirty="0"/>
-              <a:t>Definition: Ensures that sensitive information is accessed only by authorized individuals, preventing unauthorized disclosure.</a:t>
+              <a:t>Definition: Ensures that </a:t>
+            </a:r>
+            <a:r>
+              <a:rPr lang="en-US" i="1" dirty="0"/>
+              <a:t>sensitive information</a:t>
+            </a:r>
+            <a:r>
+              <a:rPr lang="en-US" dirty="0"/>
+              <a:t> is accessed only by </a:t>
+            </a:r>
+            <a:r>
+              <a:rPr lang="en-US" i="1" dirty="0"/>
+              <a:t>authorized</a:t>
+            </a:r>
+            <a:r>
+              <a:rPr lang="en-US" dirty="0"/>
+              <a:t> individuals, preventing unauthorized disclosure.</a:t>
             </a:r>
           </a:p>
           <a:p>
@@ -16871,7 +15124,23 @@
           <a:p>
             <a:r>
               <a:rPr lang="en-US" dirty="0"/>
-              <a:t>Definition: Ensures that information remains accurate, complete, and unaltered during storage and transmission.</a:t>
+              <a:t>Definition: Ensures that information remains </a:t>
+            </a:r>
+            <a:r>
+              <a:rPr lang="en-US" i="1" dirty="0"/>
+              <a:t>accurate, complete, </a:t>
+            </a:r>
+            <a:r>
+              <a:rPr lang="en-US" dirty="0"/>
+              <a:t>and</a:t>
+            </a:r>
+            <a:r>
+              <a:rPr lang="en-US" i="1" dirty="0"/>
+              <a:t> unaltered</a:t>
+            </a:r>
+            <a:r>
+              <a:rPr lang="en-US" dirty="0"/>
+              <a:t> during storage and transmission.</a:t>
             </a:r>
           </a:p>
           <a:p>
@@ -16961,10 +15230,69 @@
       </p:grpSpPr>
       <p:sp>
         <p:nvSpPr>
-          <p:cNvPr id="2" name="Title 1">
+          <p:cNvPr id="3" name="Rectangle 2" hidden="1">
             <a:extLst>
               <a:ext uri="{FF2B5EF4-FFF2-40B4-BE49-F238E27FC236}">
-                <a16:creationId xmlns:a16="http://schemas.microsoft.com/office/drawing/2014/main" id="{AAB5632C-9B1C-12E9-1884-D9E8D95CCED4}"/>
+                <a16:creationId xmlns:a16="http://schemas.microsoft.com/office/drawing/2014/main" id="{8692FC88-DAD7-F5AD-7831-DE54322108F6}"/>
+              </a:ext>
+              <a:ext uri="{C183D7F6-B498-43B3-948B-1728B52AA6E4}">
+                <adec:decorative xmlns:adec="http://schemas.microsoft.com/office/drawing/2017/decorative" val="1"/>
+              </a:ext>
+            </a:extLst>
+          </p:cNvPr>
+          <p:cNvSpPr/>
+          <p:nvPr/>
+        </p:nvSpPr>
+        <p:spPr>
+          <a:xfrm>
+            <a:off x="1" y="2"/>
+            <a:ext cx="12227942" cy="6857997"/>
+          </a:xfrm>
+          <a:prstGeom prst="rect">
+            <a:avLst/>
+          </a:prstGeom>
+          <a:solidFill>
+            <a:schemeClr val="tx1">
+              <a:alpha val="70000"/>
+            </a:schemeClr>
+          </a:solidFill>
+          <a:ln>
+            <a:noFill/>
+          </a:ln>
+        </p:spPr>
+        <p:style>
+          <a:lnRef idx="2">
+            <a:schemeClr val="accent1">
+              <a:shade val="50000"/>
+            </a:schemeClr>
+          </a:lnRef>
+          <a:fillRef idx="1">
+            <a:schemeClr val="accent1"/>
+          </a:fillRef>
+          <a:effectRef idx="0">
+            <a:schemeClr val="accent1"/>
+          </a:effectRef>
+          <a:fontRef idx="minor">
+            <a:schemeClr val="lt1"/>
+          </a:fontRef>
+        </p:style>
+        <p:txBody>
+          <a:bodyPr rtlCol="0" anchor="ctr">
+            <a:noAutofit/>
+          </a:bodyPr>
+          <a:lstStyle/>
+          <a:p>
+            <a:pPr algn="ctr"/>
+            <a:endParaRPr lang="en-US" dirty="0"/>
+          </a:p>
+        </p:txBody>
+      </p:sp>
+      <p:sp>
+        <p:nvSpPr>
+          <p:cNvPr id="9" name="Title 1">
+            <a:extLst>
+              <a:ext uri="{FF2B5EF4-FFF2-40B4-BE49-F238E27FC236}">
+                <a16:creationId xmlns:a16="http://schemas.microsoft.com/office/drawing/2014/main" id="{0FD6A3FE-1BF6-4C1A-0553-EBD497A69F2D}"/>
               </a:ext>
             </a:extLst>
           </p:cNvPr>
@@ -16975,25 +15303,29 @@
             <p:ph type="title"/>
           </p:nvPr>
         </p:nvSpPr>
-        <p:spPr/>
+        <p:spPr>
+          <a:xfrm>
+            <a:off x="2932446" y="685802"/>
+            <a:ext cx="6327105" cy="1458385"/>
+          </a:xfrm>
+        </p:spPr>
         <p:txBody>
-          <a:bodyPr/>
+          <a:bodyPr anchor="b"/>
           <a:lstStyle/>
           <a:p>
             <a:r>
               <a:rPr lang="en-US" dirty="0"/>
-              <a:t>Authentication</a:t>
-            </a:r>
-            <a:endParaRPr lang="en-IN" dirty="0"/>
+              <a:t>Introduction</a:t>
+            </a:r>
           </a:p>
         </p:txBody>
       </p:sp>
       <p:sp>
         <p:nvSpPr>
-          <p:cNvPr id="3" name="Content Placeholder 2">
+          <p:cNvPr id="6" name="Subtitle 5">
             <a:extLst>
               <a:ext uri="{FF2B5EF4-FFF2-40B4-BE49-F238E27FC236}">
-                <a16:creationId xmlns:a16="http://schemas.microsoft.com/office/drawing/2014/main" id="{364B7B7B-09EC-13F1-E218-7E9D55603B39}"/>
+                <a16:creationId xmlns:a16="http://schemas.microsoft.com/office/drawing/2014/main" id="{C15774B0-D971-67D7-27EB-FDB82B3A58CD}"/>
               </a:ext>
             </a:extLst>
           </p:cNvPr>
@@ -17001,74 +15333,35 @@
             <a:spLocks noGrp="1"/>
           </p:cNvSpPr>
           <p:nvPr>
-            <p:ph sz="quarter" idx="31"/>
+            <p:ph type="subTitle" idx="1"/>
           </p:nvPr>
         </p:nvSpPr>
-        <p:spPr/>
+        <p:spPr>
+          <a:xfrm>
+            <a:off x="1365737" y="2501785"/>
+            <a:ext cx="9460522" cy="3155686"/>
+          </a:xfrm>
+        </p:spPr>
         <p:txBody>
           <a:bodyPr/>
           <a:lstStyle/>
           <a:p>
+            <a:pPr>
+              <a:lnSpc>
+                <a:spcPct val="150000"/>
+              </a:lnSpc>
+            </a:pPr>
             <a:r>
               <a:rPr lang="en-US" dirty="0"/>
-              <a:t>Definition: The process of verifying the identity of a user, device, or entity before granting access to resources.</a:t>
-            </a:r>
-          </a:p>
-          <a:p>
-            <a:r>
-              <a:rPr lang="en-US" dirty="0"/>
-              <a:t>Techniques: Methods include passwords, biometrics, smart cards, and multi-factor authentication (MFA).</a:t>
-            </a:r>
-          </a:p>
-          <a:p>
-            <a:r>
-              <a:rPr lang="en-US" dirty="0"/>
-              <a:t>Importance: Prevents unauthorized access and ensures that users are who they claim to be, protecting systems and data.</a:t>
-            </a:r>
-          </a:p>
-          <a:p>
-            <a:r>
-              <a:rPr lang="en-US" dirty="0"/>
-              <a:t>Applications: Widely used in online services, banking systems, corporate networks, and mobile applications to secure user accounts and sensitive information.</a:t>
-            </a:r>
-            <a:endParaRPr lang="en-IN" dirty="0"/>
-          </a:p>
-        </p:txBody>
-      </p:sp>
-      <p:sp>
-        <p:nvSpPr>
-          <p:cNvPr id="4" name="Slide Number Placeholder 3">
-            <a:extLst>
-              <a:ext uri="{FF2B5EF4-FFF2-40B4-BE49-F238E27FC236}">
-                <a16:creationId xmlns:a16="http://schemas.microsoft.com/office/drawing/2014/main" id="{42DFF21F-9072-BE45-27D5-697A485A6331}"/>
-              </a:ext>
-            </a:extLst>
-          </p:cNvPr>
-          <p:cNvSpPr>
-            <a:spLocks noGrp="1"/>
-          </p:cNvSpPr>
-          <p:nvPr>
-            <p:ph type="sldNum" sz="quarter" idx="12"/>
-          </p:nvPr>
-        </p:nvSpPr>
-        <p:spPr/>
-        <p:txBody>
-          <a:bodyPr/>
-          <a:lstStyle/>
-          <a:p>
-            <a:fld id="{FE024F78-56A6-7740-B68D-8D4D026EDF3F}" type="slidenum">
-              <a:rPr lang="en-US" smtClean="0"/>
-              <a:pPr/>
-              <a:t>8</a:t>
-            </a:fld>
-            <a:endParaRPr lang="en-US" dirty="0"/>
+              <a:t>KeyGuardian is a cybersecurity tool designed to enhance data security through various encryption techniques and file management capabilities. Originally developed in C++, it has been transitioned to Python for enhanced community support, improved functionality and ease of use.</a:t>
+            </a:r>
           </a:p>
         </p:txBody>
       </p:sp>
     </p:spTree>
     <p:extLst>
       <p:ext uri="{BB962C8B-B14F-4D97-AF65-F5344CB8AC3E}">
-        <p14:creationId xmlns:p14="http://schemas.microsoft.com/office/powerpoint/2010/main" val="2749988564"/>
+        <p14:creationId xmlns:p14="http://schemas.microsoft.com/office/powerpoint/2010/main" val="1330733909"/>
       </p:ext>
     </p:extLst>
   </p:cSld>
@@ -17100,7 +15393,7 @@
           <p:cNvPr id="2" name="Title 1">
             <a:extLst>
               <a:ext uri="{FF2B5EF4-FFF2-40B4-BE49-F238E27FC236}">
-                <a16:creationId xmlns:a16="http://schemas.microsoft.com/office/drawing/2014/main" id="{6FEC0824-083F-E404-B834-8A838DAD90AA}"/>
+                <a16:creationId xmlns:a16="http://schemas.microsoft.com/office/drawing/2014/main" id="{6CCA29A4-AAFD-04EE-0732-0671E83D5EF1}"/>
               </a:ext>
             </a:extLst>
           </p:cNvPr>
@@ -17111,14 +15404,19 @@
             <p:ph type="title"/>
           </p:nvPr>
         </p:nvSpPr>
-        <p:spPr/>
+        <p:spPr>
+          <a:xfrm>
+            <a:off x="2399620" y="162560"/>
+            <a:ext cx="8843050" cy="1616904"/>
+          </a:xfrm>
+        </p:spPr>
         <p:txBody>
           <a:bodyPr/>
           <a:lstStyle/>
           <a:p>
             <a:r>
-              <a:rPr lang="en-IN" dirty="0"/>
-              <a:t>Nonrepudiation</a:t>
+              <a:rPr lang="en-US" dirty="0"/>
+              <a:t>Objectives</a:t>
             </a:r>
           </a:p>
         </p:txBody>
@@ -17128,7 +15426,7 @@
           <p:cNvPr id="3" name="Content Placeholder 2">
             <a:extLst>
               <a:ext uri="{FF2B5EF4-FFF2-40B4-BE49-F238E27FC236}">
-                <a16:creationId xmlns:a16="http://schemas.microsoft.com/office/drawing/2014/main" id="{B21AA7B0-0B62-6C8D-13E1-4E0912B608A0}"/>
+                <a16:creationId xmlns:a16="http://schemas.microsoft.com/office/drawing/2014/main" id="{F09FEE91-E849-1CB0-9E51-A58B99C631C5}"/>
               </a:ext>
             </a:extLst>
           </p:cNvPr>
@@ -17136,51 +15434,86 @@
             <a:spLocks noGrp="1"/>
           </p:cNvSpPr>
           <p:nvPr>
-            <p:ph sz="quarter" idx="31"/>
+            <p:ph sz="quarter" idx="35"/>
           </p:nvPr>
         </p:nvSpPr>
         <p:spPr>
           <a:xfrm>
-            <a:off x="3305669" y="2470150"/>
-            <a:ext cx="7420819" cy="4121173"/>
+            <a:off x="2373001" y="2474812"/>
+            <a:ext cx="8388783" cy="2782988"/>
           </a:xfrm>
         </p:spPr>
         <p:txBody>
           <a:bodyPr/>
           <a:lstStyle/>
           <a:p>
+            <a:pPr marL="285750" indent="-285750">
+              <a:buFont typeface="Arial" panose="020B0604020202020204" pitchFamily="34" charset="0"/>
+              <a:buChar char="•"/>
+            </a:pPr>
             <a:r>
               <a:rPr lang="en-US" dirty="0"/>
-              <a:t>Definition: Ensures that a party cannot deny the authenticity of their signature on a document or the sending of a message that they originated.</a:t>
-            </a:r>
-          </a:p>
-          <a:p>
+              <a:t>To develop a one-stop tool for identifying type of hash.</a:t>
+            </a:r>
+          </a:p>
+          <a:p>
+            <a:pPr marL="285750" indent="-285750">
+              <a:buFont typeface="Arial" panose="020B0604020202020204" pitchFamily="34" charset="0"/>
+              <a:buChar char="•"/>
+            </a:pPr>
             <a:r>
               <a:rPr lang="en-US" dirty="0"/>
-              <a:t>Techniques: Achieved using digital signatures and encryption methods that provide proof of the origin and integrity of data.</a:t>
-            </a:r>
-          </a:p>
-          <a:p>
+              <a:t>To create hashes of the 20 most famous hashing algorithms.</a:t>
+            </a:r>
+          </a:p>
+          <a:p>
+            <a:pPr marL="285750" indent="-285750">
+              <a:buFont typeface="Arial" panose="020B0604020202020204" pitchFamily="34" charset="0"/>
+              <a:buChar char="•"/>
+            </a:pPr>
             <a:r>
               <a:rPr lang="en-US" dirty="0"/>
-              <a:t>Importance: Provides legal validity and accountability, crucial in electronic transactions, contracts, and communications.</a:t>
-            </a:r>
-          </a:p>
-          <a:p>
+              <a:t>To develop a reliable and efficient tool for encrypting files and folders.</a:t>
+            </a:r>
+          </a:p>
+          <a:p>
+            <a:pPr marL="285750" indent="-285750">
+              <a:buFont typeface="Arial" panose="020B0604020202020204" pitchFamily="34" charset="0"/>
+              <a:buChar char="•"/>
+            </a:pPr>
             <a:r>
               <a:rPr lang="en-US" dirty="0"/>
-              <a:t>Applications: Essential in e-commerce, legal agreements, email communications, and financial transactions to prevent disputes and fraud.</a:t>
-            </a:r>
-            <a:endParaRPr lang="en-IN" dirty="0"/>
+              <a:t>To ensure data security through advanced encryption methods.</a:t>
+            </a:r>
+          </a:p>
+          <a:p>
+            <a:pPr marL="285750" indent="-285750">
+              <a:buFont typeface="Arial" panose="020B0604020202020204" pitchFamily="34" charset="0"/>
+              <a:buChar char="•"/>
+            </a:pPr>
+            <a:r>
+              <a:rPr lang="en-US" dirty="0"/>
+              <a:t>To provide a user-friendly command line interface for easy operation.</a:t>
+            </a:r>
+          </a:p>
+          <a:p>
+            <a:pPr marL="285750" indent="-285750">
+              <a:buFont typeface="Arial" panose="020B0604020202020204" pitchFamily="34" charset="0"/>
+              <a:buChar char="•"/>
+            </a:pPr>
+            <a:r>
+              <a:rPr lang="en-US" dirty="0"/>
+              <a:t>To support additional functionalities like steganography and API integration.</a:t>
+            </a:r>
           </a:p>
         </p:txBody>
       </p:sp>
       <p:sp>
         <p:nvSpPr>
-          <p:cNvPr id="4" name="Slide Number Placeholder 3">
+          <p:cNvPr id="5" name="Slide Number Placeholder 4">
             <a:extLst>
               <a:ext uri="{FF2B5EF4-FFF2-40B4-BE49-F238E27FC236}">
-                <a16:creationId xmlns:a16="http://schemas.microsoft.com/office/drawing/2014/main" id="{4B156A9E-D8D7-C450-7FCF-75922E3F6EBD}"/>
+                <a16:creationId xmlns:a16="http://schemas.microsoft.com/office/drawing/2014/main" id="{23E23533-91C6-420C-B7D7-4977ACF73ACF}"/>
               </a:ext>
             </a:extLst>
           </p:cNvPr>
@@ -17191,7 +15524,12 @@
             <p:ph type="sldNum" sz="quarter" idx="12"/>
           </p:nvPr>
         </p:nvSpPr>
-        <p:spPr/>
+        <p:spPr>
+          <a:xfrm>
+            <a:off x="9140971" y="6226198"/>
+            <a:ext cx="2743200" cy="365125"/>
+          </a:xfrm>
+        </p:spPr>
         <p:txBody>
           <a:bodyPr/>
           <a:lstStyle/>
@@ -17208,7 +15546,7 @@
     </p:spTree>
     <p:extLst>
       <p:ext uri="{BB962C8B-B14F-4D97-AF65-F5344CB8AC3E}">
-        <p14:creationId xmlns:p14="http://schemas.microsoft.com/office/powerpoint/2010/main" val="1512913873"/>
+        <p14:creationId xmlns:p14="http://schemas.microsoft.com/office/powerpoint/2010/main" val="1073601555"/>
       </p:ext>
     </p:extLst>
   </p:cSld>
@@ -18010,6 +16348,15 @@
 </file>
 
 <file path=customXml/item1.xml><?xml version="1.0" encoding="utf-8"?>
+<?mso-contentType ?>
+<FormTemplates xmlns="http://schemas.microsoft.com/sharepoint/v3/contenttype/forms">
+  <Display>DocumentLibraryForm</Display>
+  <Edit>DocumentLibraryForm</Edit>
+  <New>DocumentLibraryForm</New>
+</FormTemplates>
+</file>
+
+<file path=customXml/item2.xml><?xml version="1.0" encoding="utf-8"?>
 <p:properties xmlns:p="http://schemas.microsoft.com/office/2006/metadata/properties" xmlns:xsi="http://www.w3.org/2001/XMLSchema-instance" xmlns:pc="http://schemas.microsoft.com/office/infopath/2007/PartnerControls">
   <documentManagement>
     <_ip_UnifiedCompliancePolicyUIAction xmlns="http://schemas.microsoft.com/sharepoint/v3" xsi:nil="true"/>
@@ -18027,15 +16374,6 @@
     <MediaServiceKeyPoints xmlns="71af3243-3dd4-4a8d-8c0d-dd76da1f02a5" xsi:nil="true"/>
   </documentManagement>
 </p:properties>
-</file>
-
-<file path=customXml/item2.xml><?xml version="1.0" encoding="utf-8"?>
-<?mso-contentType ?>
-<FormTemplates xmlns="http://schemas.microsoft.com/sharepoint/v3/contenttype/forms">
-  <Display>DocumentLibraryForm</Display>
-  <Edit>DocumentLibraryForm</Edit>
-  <New>DocumentLibraryForm</New>
-</FormTemplates>
 </file>
 
 <file path=customXml/item3.xml><?xml version="1.0" encoding="utf-8"?>
@@ -18351,6 +16689,14 @@
 </file>
 
 <file path=customXml/itemProps1.xml><?xml version="1.0" encoding="utf-8"?>
+<ds:datastoreItem xmlns:ds="http://schemas.openxmlformats.org/officeDocument/2006/customXml" ds:itemID="{A78D9019-7CE1-4B77-8F5D-67F6576598CB}">
+  <ds:schemaRefs>
+    <ds:schemaRef ds:uri="http://schemas.microsoft.com/sharepoint/v3/contenttype/forms"/>
+  </ds:schemaRefs>
+</ds:datastoreItem>
+</file>
+
+<file path=customXml/itemProps2.xml><?xml version="1.0" encoding="utf-8"?>
 <ds:datastoreItem xmlns:ds="http://schemas.openxmlformats.org/officeDocument/2006/customXml" ds:itemID="{E42E6C21-1752-4E06-9FE3-208D45ADB668}">
   <ds:schemaRefs>
     <ds:schemaRef ds:uri="http://schemas.microsoft.com/office/2006/metadata/properties"/>
@@ -18358,14 +16704,6 @@
     <ds:schemaRef ds:uri="http://schemas.microsoft.com/sharepoint/v3"/>
     <ds:schemaRef ds:uri="71af3243-3dd4-4a8d-8c0d-dd76da1f02a5"/>
     <ds:schemaRef ds:uri="230e9df3-be65-4c73-a93b-d1236ebd677e"/>
-  </ds:schemaRefs>
-</ds:datastoreItem>
-</file>
-
-<file path=customXml/itemProps2.xml><?xml version="1.0" encoding="utf-8"?>
-<ds:datastoreItem xmlns:ds="http://schemas.openxmlformats.org/officeDocument/2006/customXml" ds:itemID="{A78D9019-7CE1-4B77-8F5D-67F6576598CB}">
-  <ds:schemaRefs>
-    <ds:schemaRef ds:uri="http://schemas.microsoft.com/sharepoint/v3/contenttype/forms"/>
   </ds:schemaRefs>
 </ds:datastoreItem>
 </file>
